--- a/Projet environnement de l'entreprise.pptx
+++ b/Projet environnement de l'entreprise.pptx
@@ -28104,9 +28104,17 @@
               </a:spcAft>
               <a:buNone/>
             </a:pPr>
+            <a:r>
+              <a:rPr lang="fr-FR" sz="4800" b="1" dirty="0">
+                <a:solidFill>
+                  <a:schemeClr val="accent3"/>
+                </a:solidFill>
+              </a:rPr>
+              <a:t>Google</a:t>
+            </a:r>
             <a:endParaRPr sz="4800" b="1" dirty="0">
               <a:solidFill>
-                <a:schemeClr val="accent2"/>
+                <a:schemeClr val="accent3"/>
               </a:solidFill>
             </a:endParaRPr>
           </a:p>
@@ -28130,8 +28138,8 @@
         </p:nvSpPr>
         <p:spPr>
           <a:xfrm>
-            <a:off x="1506031" y="1100162"/>
-            <a:ext cx="6001200" cy="1840500"/>
+            <a:off x="1064904" y="866246"/>
+            <a:ext cx="6883454" cy="1840500"/>
           </a:xfrm>
         </p:spPr>
         <p:txBody>
@@ -28140,14 +28148,7 @@
           <a:p>
             <a:r>
               <a:rPr lang="fr-CA" sz="4400" dirty="0"/>
-              <a:t>Titre</a:t>
-            </a:r>
-            <a:br>
-              <a:rPr lang="fr-CA" sz="4400" dirty="0"/>
-            </a:br>
-            <a:r>
-              <a:rPr lang="fr-CA" sz="2400" i="1" dirty="0"/>
-              <a:t>Sous titre</a:t>
+              <a:t>Projet Environnement de l’entreprise</a:t>
             </a:r>
             <a:endParaRPr lang="fr-CA" sz="4400" i="1" dirty="0"/>
           </a:p>

--- a/Projet environnement de l'entreprise.pptx
+++ b/Projet environnement de l'entreprise.pptx
@@ -5,98 +5,99 @@
     <p:sldMasterId id="2147483683" r:id="rId1"/>
   </p:sldMasterIdLst>
   <p:notesMasterIdLst>
-    <p:notesMasterId r:id="rId36"/>
+    <p:notesMasterId r:id="rId37"/>
   </p:notesMasterIdLst>
   <p:sldIdLst>
     <p:sldId id="256" r:id="rId2"/>
-    <p:sldId id="258" r:id="rId3"/>
-    <p:sldId id="261" r:id="rId4"/>
-    <p:sldId id="283" r:id="rId5"/>
-    <p:sldId id="259" r:id="rId6"/>
-    <p:sldId id="281" r:id="rId7"/>
-    <p:sldId id="275" r:id="rId8"/>
-    <p:sldId id="311" r:id="rId9"/>
-    <p:sldId id="277" r:id="rId10"/>
-    <p:sldId id="312" r:id="rId11"/>
-    <p:sldId id="316" r:id="rId12"/>
-    <p:sldId id="267" r:id="rId13"/>
-    <p:sldId id="327" r:id="rId14"/>
-    <p:sldId id="282" r:id="rId15"/>
-    <p:sldId id="329" r:id="rId16"/>
-    <p:sldId id="330" r:id="rId17"/>
-    <p:sldId id="331" r:id="rId18"/>
-    <p:sldId id="332" r:id="rId19"/>
-    <p:sldId id="333" r:id="rId20"/>
-    <p:sldId id="321" r:id="rId21"/>
-    <p:sldId id="268" r:id="rId22"/>
-    <p:sldId id="323" r:id="rId23"/>
-    <p:sldId id="324" r:id="rId24"/>
-    <p:sldId id="325" r:id="rId25"/>
-    <p:sldId id="328" r:id="rId26"/>
-    <p:sldId id="317" r:id="rId27"/>
-    <p:sldId id="266" r:id="rId28"/>
-    <p:sldId id="322" r:id="rId29"/>
-    <p:sldId id="313" r:id="rId30"/>
-    <p:sldId id="314" r:id="rId31"/>
-    <p:sldId id="315" r:id="rId32"/>
-    <p:sldId id="318" r:id="rId33"/>
-    <p:sldId id="319" r:id="rId34"/>
-    <p:sldId id="289" r:id="rId35"/>
+    <p:sldId id="335" r:id="rId3"/>
+    <p:sldId id="336" r:id="rId4"/>
+    <p:sldId id="261" r:id="rId5"/>
+    <p:sldId id="283" r:id="rId6"/>
+    <p:sldId id="259" r:id="rId7"/>
+    <p:sldId id="281" r:id="rId8"/>
+    <p:sldId id="275" r:id="rId9"/>
+    <p:sldId id="311" r:id="rId10"/>
+    <p:sldId id="277" r:id="rId11"/>
+    <p:sldId id="312" r:id="rId12"/>
+    <p:sldId id="316" r:id="rId13"/>
+    <p:sldId id="267" r:id="rId14"/>
+    <p:sldId id="327" r:id="rId15"/>
+    <p:sldId id="282" r:id="rId16"/>
+    <p:sldId id="329" r:id="rId17"/>
+    <p:sldId id="330" r:id="rId18"/>
+    <p:sldId id="331" r:id="rId19"/>
+    <p:sldId id="332" r:id="rId20"/>
+    <p:sldId id="333" r:id="rId21"/>
+    <p:sldId id="321" r:id="rId22"/>
+    <p:sldId id="268" r:id="rId23"/>
+    <p:sldId id="323" r:id="rId24"/>
+    <p:sldId id="324" r:id="rId25"/>
+    <p:sldId id="325" r:id="rId26"/>
+    <p:sldId id="328" r:id="rId27"/>
+    <p:sldId id="317" r:id="rId28"/>
+    <p:sldId id="266" r:id="rId29"/>
+    <p:sldId id="322" r:id="rId30"/>
+    <p:sldId id="313" r:id="rId31"/>
+    <p:sldId id="314" r:id="rId32"/>
+    <p:sldId id="315" r:id="rId33"/>
+    <p:sldId id="318" r:id="rId34"/>
+    <p:sldId id="319" r:id="rId35"/>
+    <p:sldId id="289" r:id="rId36"/>
   </p:sldIdLst>
   <p:sldSz cx="9144000" cy="5143500" type="screen16x9"/>
   <p:notesSz cx="6858000" cy="9144000"/>
   <p:embeddedFontLst>
     <p:embeddedFont>
       <p:font typeface="Bebas Neue" panose="020B0606020202050201" pitchFamily="34" charset="0"/>
-      <p:regular r:id="rId37"/>
+      <p:regular r:id="rId38"/>
     </p:embeddedFont>
     <p:embeddedFont>
       <p:font typeface="Calibri" panose="020F0502020204030204" pitchFamily="34" charset="0"/>
-      <p:regular r:id="rId38"/>
-      <p:bold r:id="rId39"/>
-      <p:italic r:id="rId40"/>
-      <p:boldItalic r:id="rId41"/>
+      <p:regular r:id="rId39"/>
+      <p:bold r:id="rId40"/>
+      <p:italic r:id="rId41"/>
+      <p:boldItalic r:id="rId42"/>
     </p:embeddedFont>
     <p:embeddedFont>
       <p:font typeface="DM Sans" pitchFamily="2" charset="0"/>
-      <p:regular r:id="rId42"/>
-      <p:bold r:id="rId43"/>
-      <p:italic r:id="rId44"/>
-      <p:boldItalic r:id="rId45"/>
+      <p:regular r:id="rId43"/>
+      <p:bold r:id="rId44"/>
+      <p:italic r:id="rId45"/>
+      <p:boldItalic r:id="rId46"/>
     </p:embeddedFont>
     <p:embeddedFont>
       <p:font typeface="Helvetica" panose="020B0604020202020204" pitchFamily="34" charset="0"/>
-      <p:regular r:id="rId46"/>
-      <p:bold r:id="rId47"/>
-      <p:italic r:id="rId48"/>
-      <p:boldItalic r:id="rId49"/>
+      <p:regular r:id="rId47"/>
+      <p:bold r:id="rId48"/>
+      <p:italic r:id="rId49"/>
+      <p:boldItalic r:id="rId50"/>
     </p:embeddedFont>
     <p:embeddedFont>
       <p:font typeface="Lato" panose="020F0502020204030203" pitchFamily="34" charset="0"/>
-      <p:regular r:id="rId50"/>
-      <p:bold r:id="rId51"/>
-      <p:italic r:id="rId52"/>
-      <p:boldItalic r:id="rId53"/>
+      <p:regular r:id="rId51"/>
+      <p:bold r:id="rId52"/>
+      <p:italic r:id="rId53"/>
+      <p:boldItalic r:id="rId54"/>
     </p:embeddedFont>
     <p:embeddedFont>
       <p:font typeface="Poppins" panose="00000500000000000000" pitchFamily="2" charset="0"/>
-      <p:regular r:id="rId54"/>
-      <p:bold r:id="rId55"/>
-      <p:italic r:id="rId56"/>
-      <p:boldItalic r:id="rId57"/>
+      <p:regular r:id="rId55"/>
+      <p:bold r:id="rId56"/>
+      <p:italic r:id="rId57"/>
+      <p:boldItalic r:id="rId58"/>
     </p:embeddedFont>
     <p:embeddedFont>
       <p:font typeface="Poppins ExtraBold" panose="00000900000000000000" pitchFamily="2" charset="0"/>
-      <p:bold r:id="rId58"/>
-      <p:italic r:id="rId59"/>
-      <p:boldItalic r:id="rId60"/>
+      <p:bold r:id="rId59"/>
+      <p:italic r:id="rId60"/>
+      <p:boldItalic r:id="rId61"/>
     </p:embeddedFont>
     <p:embeddedFont>
       <p:font typeface="Segoe UI" panose="020B0502040204020203" pitchFamily="34" charset="0"/>
-      <p:regular r:id="rId61"/>
-      <p:bold r:id="rId62"/>
-      <p:italic r:id="rId63"/>
-      <p:boldItalic r:id="rId64"/>
+      <p:regular r:id="rId62"/>
+      <p:bold r:id="rId63"/>
+      <p:italic r:id="rId64"/>
+      <p:boldItalic r:id="rId65"/>
     </p:embeddedFont>
   </p:embeddedFontLst>
   <p:defaultTextStyle>
@@ -897,7 +898,7 @@
   <p:cSld>
     <p:spTree>
       <p:nvGrpSpPr>
-        <p:cNvPr id="1" name="Shape 1037"/>
+        <p:cNvPr id="1" name="Shape 820"/>
         <p:cNvGrpSpPr/>
         <p:nvPr/>
       </p:nvGrpSpPr>
@@ -911,7 +912,7 @@
       </p:grpSpPr>
       <p:sp>
         <p:nvSpPr>
-          <p:cNvPr id="1038" name="Google Shape;1038;gf8d8f7f297_0_18930:notes"/>
+          <p:cNvPr id="821" name="Google Shape;821;gf8d8f7f297_0_18917:notes"/>
           <p:cNvSpPr>
             <a:spLocks noGrp="1" noRot="1" noChangeAspect="1"/>
           </p:cNvSpPr>
@@ -952,7 +953,7 @@
       </p:sp>
       <p:sp>
         <p:nvSpPr>
-          <p:cNvPr id="1039" name="Google Shape;1039;gf8d8f7f297_0_18930:notes"/>
+          <p:cNvPr id="822" name="Google Shape;822;gf8d8f7f297_0_18917:notes"/>
           <p:cNvSpPr txBox="1">
             <a:spLocks noGrp="1"/>
           </p:cNvSpPr>
@@ -984,35 +985,11 @@
               </a:spcAft>
               <a:buNone/>
             </a:pPr>
-            <a:r>
-              <a:rPr lang="fr-FR" dirty="0"/>
-              <a:t>Tout le monde sait que les bureaux de Google ont des designs parmi les plus créatifs et les plus ingénieux dans les bureaux et sièges dans plusieurs pays. </a:t>
-            </a:r>
-          </a:p>
-          <a:p>
-            <a:pPr marL="0" lvl="0" indent="0" algn="l" rtl="0">
-              <a:spcBef>
-                <a:spcPts val="0"/>
-              </a:spcBef>
-              <a:spcAft>
-                <a:spcPts val="0"/>
-              </a:spcAft>
-              <a:buNone/>
-            </a:pPr>
-            <a:r>
-              <a:rPr lang="fr-FR" dirty="0"/>
-              <a:t>Google offre du bien être a ses collaborateurs,</a:t>
-            </a:r>
             <a:endParaRPr dirty="0"/>
           </a:p>
         </p:txBody>
       </p:sp>
     </p:spTree>
-    <p:extLst>
-      <p:ext uri="{BB962C8B-B14F-4D97-AF65-F5344CB8AC3E}">
-        <p14:creationId xmlns:p14="http://schemas.microsoft.com/office/powerpoint/2010/main" val="3703128362"/>
-      </p:ext>
-    </p:extLst>
   </p:cSld>
   <p:clrMapOvr>
     <a:masterClrMapping/>
@@ -1025,7 +1002,7 @@
   <p:cSld>
     <p:spTree>
       <p:nvGrpSpPr>
-        <p:cNvPr id="1" name="Shape 582"/>
+        <p:cNvPr id="1" name="Shape 1037"/>
         <p:cNvGrpSpPr/>
         <p:nvPr/>
       </p:nvGrpSpPr>
@@ -1039,7 +1016,7 @@
       </p:grpSpPr>
       <p:sp>
         <p:nvSpPr>
-          <p:cNvPr id="583" name="Google Shape;583;gf6db99a42b_0_146:notes"/>
+          <p:cNvPr id="1038" name="Google Shape;1038;gf8d8f7f297_0_18930:notes"/>
           <p:cNvSpPr>
             <a:spLocks noGrp="1" noRot="1" noChangeAspect="1"/>
           </p:cNvSpPr>
@@ -1080,7 +1057,7 @@
       </p:sp>
       <p:sp>
         <p:nvSpPr>
-          <p:cNvPr id="584" name="Google Shape;584;gf6db99a42b_0_146:notes"/>
+          <p:cNvPr id="1039" name="Google Shape;1039;gf8d8f7f297_0_18930:notes"/>
           <p:cNvSpPr txBox="1">
             <a:spLocks noGrp="1"/>
           </p:cNvSpPr>
@@ -1112,14 +1089,33 @@
               </a:spcAft>
               <a:buNone/>
             </a:pPr>
-            <a:endParaRPr/>
+            <a:r>
+              <a:rPr lang="fr-FR" dirty="0"/>
+              <a:t>Tout le monde sait que les bureaux de Google ont des designs parmi les plus créatifs et les plus ingénieux dans les bureaux et sièges dans plusieurs pays. </a:t>
+            </a:r>
+          </a:p>
+          <a:p>
+            <a:pPr marL="0" lvl="0" indent="0" algn="l" rtl="0">
+              <a:spcBef>
+                <a:spcPts val="0"/>
+              </a:spcBef>
+              <a:spcAft>
+                <a:spcPts val="0"/>
+              </a:spcAft>
+              <a:buNone/>
+            </a:pPr>
+            <a:r>
+              <a:rPr lang="fr-FR" dirty="0"/>
+              <a:t>Google offre du bien être a ses collaborateurs,</a:t>
+            </a:r>
+            <a:endParaRPr dirty="0"/>
           </a:p>
         </p:txBody>
       </p:sp>
     </p:spTree>
     <p:extLst>
       <p:ext uri="{BB962C8B-B14F-4D97-AF65-F5344CB8AC3E}">
-        <p14:creationId xmlns:p14="http://schemas.microsoft.com/office/powerpoint/2010/main" val="3716812156"/>
+        <p14:creationId xmlns:p14="http://schemas.microsoft.com/office/powerpoint/2010/main" val="3703128362"/>
       </p:ext>
     </p:extLst>
   </p:cSld>
@@ -1134,7 +1130,7 @@
   <p:cSld>
     <p:spTree>
       <p:nvGrpSpPr>
-        <p:cNvPr id="1" name="Shape 654"/>
+        <p:cNvPr id="1" name="Shape 582"/>
         <p:cNvGrpSpPr/>
         <p:nvPr/>
       </p:nvGrpSpPr>
@@ -1148,7 +1144,7 @@
       </p:grpSpPr>
       <p:sp>
         <p:nvSpPr>
-          <p:cNvPr id="655" name="Google Shape;655;gf8d8f7f297_0_18905:notes"/>
+          <p:cNvPr id="583" name="Google Shape;583;gf6db99a42b_0_146:notes"/>
           <p:cNvSpPr>
             <a:spLocks noGrp="1" noRot="1" noChangeAspect="1"/>
           </p:cNvSpPr>
@@ -1189,7 +1185,7 @@
       </p:sp>
       <p:sp>
         <p:nvSpPr>
-          <p:cNvPr id="656" name="Google Shape;656;gf8d8f7f297_0_18905:notes"/>
+          <p:cNvPr id="584" name="Google Shape;584;gf6db99a42b_0_146:notes"/>
           <p:cNvSpPr txBox="1">
             <a:spLocks noGrp="1"/>
           </p:cNvSpPr>
@@ -1226,6 +1222,11 @@
         </p:txBody>
       </p:sp>
     </p:spTree>
+    <p:extLst>
+      <p:ext uri="{BB962C8B-B14F-4D97-AF65-F5344CB8AC3E}">
+        <p14:creationId xmlns:p14="http://schemas.microsoft.com/office/powerpoint/2010/main" val="3716812156"/>
+      </p:ext>
+    </p:extLst>
   </p:cSld>
   <p:clrMapOvr>
     <a:masterClrMapping/>
@@ -1238,7 +1239,7 @@
   <p:cSld>
     <p:spTree>
       <p:nvGrpSpPr>
-        <p:cNvPr id="1" name="Shape 717"/>
+        <p:cNvPr id="1" name="Shape 654"/>
         <p:cNvGrpSpPr/>
         <p:nvPr/>
       </p:nvGrpSpPr>
@@ -1252,7 +1253,7 @@
       </p:grpSpPr>
       <p:sp>
         <p:nvSpPr>
-          <p:cNvPr id="718" name="Google Shape;718;gf8dc56b184_0_30:notes"/>
+          <p:cNvPr id="655" name="Google Shape;655;gf8d8f7f297_0_18905:notes"/>
           <p:cNvSpPr>
             <a:spLocks noGrp="1" noRot="1" noChangeAspect="1"/>
           </p:cNvSpPr>
@@ -1293,7 +1294,7 @@
       </p:sp>
       <p:sp>
         <p:nvSpPr>
-          <p:cNvPr id="719" name="Google Shape;719;gf8dc56b184_0_30:notes"/>
+          <p:cNvPr id="656" name="Google Shape;656;gf8d8f7f297_0_18905:notes"/>
           <p:cNvSpPr txBox="1">
             <a:spLocks noGrp="1"/>
           </p:cNvSpPr>
@@ -1325,16 +1326,11 @@
               </a:spcAft>
               <a:buNone/>
             </a:pPr>
-            <a:endParaRPr dirty="0"/>
+            <a:endParaRPr/>
           </a:p>
         </p:txBody>
       </p:sp>
     </p:spTree>
-    <p:extLst>
-      <p:ext uri="{BB962C8B-B14F-4D97-AF65-F5344CB8AC3E}">
-        <p14:creationId xmlns:p14="http://schemas.microsoft.com/office/powerpoint/2010/main" val="3597232711"/>
-      </p:ext>
-    </p:extLst>
   </p:cSld>
   <p:clrMapOvr>
     <a:masterClrMapping/>
@@ -1347,7 +1343,7 @@
   <p:cSld>
     <p:spTree>
       <p:nvGrpSpPr>
-        <p:cNvPr id="1" name="Shape 989"/>
+        <p:cNvPr id="1" name="Shape 717"/>
         <p:cNvGrpSpPr/>
         <p:nvPr/>
       </p:nvGrpSpPr>
@@ -1361,7 +1357,7 @@
       </p:grpSpPr>
       <p:sp>
         <p:nvSpPr>
-          <p:cNvPr id="990" name="Google Shape;990;gfb41024316_0_103:notes"/>
+          <p:cNvPr id="718" name="Google Shape;718;gf8dc56b184_0_30:notes"/>
           <p:cNvSpPr>
             <a:spLocks noGrp="1" noRot="1" noChangeAspect="1"/>
           </p:cNvSpPr>
@@ -1402,7 +1398,7 @@
       </p:sp>
       <p:sp>
         <p:nvSpPr>
-          <p:cNvPr id="991" name="Google Shape;991;gfb41024316_0_103:notes"/>
+          <p:cNvPr id="719" name="Google Shape;719;gf8dc56b184_0_30:notes"/>
           <p:cNvSpPr txBox="1">
             <a:spLocks noGrp="1"/>
           </p:cNvSpPr>
@@ -1434,25 +1430,16 @@
               </a:spcAft>
               <a:buNone/>
             </a:pPr>
-            <a:r>
-              <a:rPr lang="fr-CA" dirty="0"/>
-              <a:t>Lobbying </a:t>
-            </a:r>
-            <a:r>
-              <a:rPr lang="fr-FR" b="0" i="0" dirty="0">
-                <a:solidFill>
-                  <a:srgbClr val="4D5156"/>
-                </a:solidFill>
-                <a:effectLst/>
-                <a:latin typeface="arial" panose="020B0604020202020204" pitchFamily="34" charset="0"/>
-              </a:rPr>
-              <a:t>une stratégie menée par un groupe d'intérêt, groupe de pression et groupe d'influence, appartenant à un même secteur visant à influencer une législation,</a:t>
-            </a:r>
             <a:endParaRPr dirty="0"/>
           </a:p>
         </p:txBody>
       </p:sp>
     </p:spTree>
+    <p:extLst>
+      <p:ext uri="{BB962C8B-B14F-4D97-AF65-F5344CB8AC3E}">
+        <p14:creationId xmlns:p14="http://schemas.microsoft.com/office/powerpoint/2010/main" val="3597232711"/>
+      </p:ext>
+    </p:extLst>
   </p:cSld>
   <p:clrMapOvr>
     <a:masterClrMapping/>
@@ -1553,174 +1540,24 @@
               <a:buNone/>
             </a:pPr>
             <a:r>
-              <a:rPr lang="fr-CA" dirty="0">
+              <a:rPr lang="fr-CA" dirty="0"/>
+              <a:t>Lobbying </a:t>
+            </a:r>
+            <a:r>
+              <a:rPr lang="fr-FR" b="0" i="0" dirty="0">
+                <a:solidFill>
+                  <a:srgbClr val="4D5156"/>
+                </a:solidFill>
                 <a:effectLst/>
-                <a:latin typeface="Calibri" panose="020F0502020204030204" pitchFamily="34" charset="0"/>
-                <a:ea typeface="Calibri" panose="020F0502020204030204" pitchFamily="34" charset="0"/>
-                <a:cs typeface="Times New Roman" panose="02020603050405020304" pitchFamily="18" charset="0"/>
+                <a:latin typeface="arial" panose="020B0604020202020204" pitchFamily="34" charset="0"/>
               </a:rPr>
-              <a:t>FORCE :</a:t>
+              <a:t>une stratégie menée par un groupe d'intérêt, groupe de pression et groupe d'influence, appartenant à un même secteur visant à influencer une législation,</a:t>
             </a:r>
-          </a:p>
-          <a:p>
-            <a:pPr marL="0" lvl="0" indent="0" algn="l" rtl="0">
-              <a:spcBef>
-                <a:spcPts val="0"/>
-              </a:spcBef>
-              <a:spcAft>
-                <a:spcPts val="0"/>
-              </a:spcAft>
-              <a:buNone/>
-            </a:pPr>
-            <a:r>
-              <a:rPr lang="fr-CA" dirty="0">
-                <a:effectLst/>
-                <a:latin typeface="Calibri" panose="020F0502020204030204" pitchFamily="34" charset="0"/>
-                <a:ea typeface="Calibri" panose="020F0502020204030204" pitchFamily="34" charset="0"/>
-                <a:cs typeface="Times New Roman" panose="02020603050405020304" pitchFamily="18" charset="0"/>
-              </a:rPr>
-              <a:t> Il est le leader des publicités dans le monde</a:t>
-            </a:r>
-          </a:p>
-          <a:p>
-            <a:pPr marL="0" lvl="0" indent="0" algn="l" rtl="0">
-              <a:spcBef>
-                <a:spcPts val="0"/>
-              </a:spcBef>
-              <a:spcAft>
-                <a:spcPts val="0"/>
-              </a:spcAft>
-              <a:buNone/>
-            </a:pPr>
-            <a:endParaRPr lang="fr-CA" dirty="0">
-              <a:effectLst/>
-              <a:latin typeface="Calibri" panose="020F0502020204030204" pitchFamily="34" charset="0"/>
-              <a:ea typeface="Calibri" panose="020F0502020204030204" pitchFamily="34" charset="0"/>
-              <a:cs typeface="Times New Roman" panose="02020603050405020304" pitchFamily="18" charset="0"/>
-            </a:endParaRPr>
-          </a:p>
-          <a:p>
-            <a:pPr marL="0" lvl="0" indent="0" algn="l" rtl="0">
-              <a:spcBef>
-                <a:spcPts val="0"/>
-              </a:spcBef>
-              <a:spcAft>
-                <a:spcPts val="0"/>
-              </a:spcAft>
-              <a:buNone/>
-            </a:pPr>
-            <a:r>
-              <a:rPr lang="fr-CA" dirty="0">
-                <a:effectLst/>
-                <a:latin typeface="Calibri" panose="020F0502020204030204" pitchFamily="34" charset="0"/>
-                <a:ea typeface="Calibri" panose="020F0502020204030204" pitchFamily="34" charset="0"/>
-                <a:cs typeface="Times New Roman" panose="02020603050405020304" pitchFamily="18" charset="0"/>
-              </a:rPr>
-              <a:t>Google appartient au monopole GAFA (GOOGLE AMAZON FACEBOOK ET APPLE) ces entreprises ont une grande capitalisation boursière,</a:t>
-            </a:r>
-          </a:p>
-          <a:p>
-            <a:pPr marL="0" lvl="0" indent="0" algn="l" rtl="0">
-              <a:spcBef>
-                <a:spcPts val="0"/>
-              </a:spcBef>
-              <a:spcAft>
-                <a:spcPts val="0"/>
-              </a:spcAft>
-              <a:buNone/>
-            </a:pPr>
-            <a:endParaRPr lang="fr-CA" dirty="0">
-              <a:effectLst/>
-              <a:latin typeface="Calibri" panose="020F0502020204030204" pitchFamily="34" charset="0"/>
-              <a:cs typeface="Times New Roman" panose="02020603050405020304" pitchFamily="18" charset="0"/>
-            </a:endParaRPr>
-          </a:p>
-          <a:p>
-            <a:pPr marL="0" marR="0" lvl="0" indent="0" algn="l" defTabSz="914400" rtl="0" eaLnBrk="1" fontAlgn="auto" latinLnBrk="0" hangingPunct="1">
-              <a:lnSpc>
-                <a:spcPct val="100000"/>
-              </a:lnSpc>
-              <a:spcBef>
-                <a:spcPts val="0"/>
-              </a:spcBef>
-              <a:spcAft>
-                <a:spcPts val="0"/>
-              </a:spcAft>
-              <a:buClr>
-                <a:srgbClr val="000000"/>
-              </a:buClr>
-              <a:buSzPts val="1100"/>
-              <a:buFont typeface="Arial"/>
-              <a:buNone/>
-              <a:tabLst/>
-              <a:defRPr/>
-            </a:pPr>
-            <a:r>
-              <a:rPr lang="fr-FR" sz="1100" dirty="0">
-                <a:effectLst/>
-                <a:latin typeface="Calibri" panose="020F0502020204030204" pitchFamily="34" charset="0"/>
-                <a:ea typeface="Calibri" panose="020F0502020204030204" pitchFamily="34" charset="0"/>
-                <a:cs typeface="Times New Roman" panose="02020603050405020304" pitchFamily="18" charset="0"/>
-              </a:rPr>
-              <a:t>Faiblesses:</a:t>
-            </a:r>
-          </a:p>
-          <a:p>
-            <a:pPr marL="0" marR="0" lvl="0" indent="0" algn="l" defTabSz="914400" rtl="0" eaLnBrk="1" fontAlgn="auto" latinLnBrk="0" hangingPunct="1">
-              <a:lnSpc>
-                <a:spcPct val="100000"/>
-              </a:lnSpc>
-              <a:spcBef>
-                <a:spcPts val="0"/>
-              </a:spcBef>
-              <a:spcAft>
-                <a:spcPts val="0"/>
-              </a:spcAft>
-              <a:buClr>
-                <a:srgbClr val="000000"/>
-              </a:buClr>
-              <a:buSzPts val="1100"/>
-              <a:buFont typeface="Arial"/>
-              <a:buNone/>
-              <a:tabLst/>
-              <a:defRPr/>
-            </a:pPr>
-            <a:r>
-              <a:rPr lang="fr-FR" sz="1100" dirty="0">
-                <a:effectLst/>
-                <a:latin typeface="Calibri" panose="020F0502020204030204" pitchFamily="34" charset="0"/>
-                <a:ea typeface="Calibri" panose="020F0502020204030204" pitchFamily="34" charset="0"/>
-                <a:cs typeface="Times New Roman" panose="02020603050405020304" pitchFamily="18" charset="0"/>
-              </a:rPr>
-              <a:t>Google doit payer des taxes de GAFA créer en 2019 de 3% des chiffres d’affaire, qui es une somme élevé,</a:t>
-            </a:r>
-            <a:endParaRPr lang="fr-FR" dirty="0">
-              <a:solidFill>
-                <a:schemeClr val="bg1"/>
-              </a:solidFill>
-              <a:latin typeface="+mn-lt"/>
-            </a:endParaRPr>
-          </a:p>
-          <a:p>
-            <a:pPr marL="0" lvl="0" indent="0" algn="l" rtl="0">
-              <a:spcBef>
-                <a:spcPts val="0"/>
-              </a:spcBef>
-              <a:spcAft>
-                <a:spcPts val="0"/>
-              </a:spcAft>
-              <a:buNone/>
-            </a:pPr>
             <a:endParaRPr dirty="0"/>
           </a:p>
         </p:txBody>
       </p:sp>
     </p:spTree>
-    <p:extLst>
-      <p:ext uri="{BB962C8B-B14F-4D97-AF65-F5344CB8AC3E}">
-        <p14:creationId xmlns:p14="http://schemas.microsoft.com/office/powerpoint/2010/main" val="3720061582"/>
-      </p:ext>
-    </p:extLst>
   </p:cSld>
   <p:clrMapOvr>
     <a:masterClrMapping/>
@@ -1811,6 +1648,99 @@
           </a:bodyPr>
           <a:lstStyle/>
           <a:p>
+            <a:pPr marL="0" lvl="0" indent="0" algn="l" rtl="0">
+              <a:spcBef>
+                <a:spcPts val="0"/>
+              </a:spcBef>
+              <a:spcAft>
+                <a:spcPts val="0"/>
+              </a:spcAft>
+              <a:buNone/>
+            </a:pPr>
+            <a:r>
+              <a:rPr lang="fr-CA" dirty="0">
+                <a:effectLst/>
+                <a:latin typeface="Calibri" panose="020F0502020204030204" pitchFamily="34" charset="0"/>
+                <a:ea typeface="Calibri" panose="020F0502020204030204" pitchFamily="34" charset="0"/>
+                <a:cs typeface="Times New Roman" panose="02020603050405020304" pitchFamily="18" charset="0"/>
+              </a:rPr>
+              <a:t>FORCE :</a:t>
+            </a:r>
+          </a:p>
+          <a:p>
+            <a:pPr marL="0" lvl="0" indent="0" algn="l" rtl="0">
+              <a:spcBef>
+                <a:spcPts val="0"/>
+              </a:spcBef>
+              <a:spcAft>
+                <a:spcPts val="0"/>
+              </a:spcAft>
+              <a:buNone/>
+            </a:pPr>
+            <a:r>
+              <a:rPr lang="fr-CA" dirty="0">
+                <a:effectLst/>
+                <a:latin typeface="Calibri" panose="020F0502020204030204" pitchFamily="34" charset="0"/>
+                <a:ea typeface="Calibri" panose="020F0502020204030204" pitchFamily="34" charset="0"/>
+                <a:cs typeface="Times New Roman" panose="02020603050405020304" pitchFamily="18" charset="0"/>
+              </a:rPr>
+              <a:t> Il est le leader des publicités dans le monde</a:t>
+            </a:r>
+          </a:p>
+          <a:p>
+            <a:pPr marL="0" lvl="0" indent="0" algn="l" rtl="0">
+              <a:spcBef>
+                <a:spcPts val="0"/>
+              </a:spcBef>
+              <a:spcAft>
+                <a:spcPts val="0"/>
+              </a:spcAft>
+              <a:buNone/>
+            </a:pPr>
+            <a:endParaRPr lang="fr-CA" dirty="0">
+              <a:effectLst/>
+              <a:latin typeface="Calibri" panose="020F0502020204030204" pitchFamily="34" charset="0"/>
+              <a:ea typeface="Calibri" panose="020F0502020204030204" pitchFamily="34" charset="0"/>
+              <a:cs typeface="Times New Roman" panose="02020603050405020304" pitchFamily="18" charset="0"/>
+            </a:endParaRPr>
+          </a:p>
+          <a:p>
+            <a:pPr marL="0" lvl="0" indent="0" algn="l" rtl="0">
+              <a:spcBef>
+                <a:spcPts val="0"/>
+              </a:spcBef>
+              <a:spcAft>
+                <a:spcPts val="0"/>
+              </a:spcAft>
+              <a:buNone/>
+            </a:pPr>
+            <a:r>
+              <a:rPr lang="fr-CA" dirty="0">
+                <a:effectLst/>
+                <a:latin typeface="Calibri" panose="020F0502020204030204" pitchFamily="34" charset="0"/>
+                <a:ea typeface="Calibri" panose="020F0502020204030204" pitchFamily="34" charset="0"/>
+                <a:cs typeface="Times New Roman" panose="02020603050405020304" pitchFamily="18" charset="0"/>
+              </a:rPr>
+              <a:t>Google appartient au monopole GAFA (GOOGLE AMAZON FACEBOOK ET APPLE) ces entreprises ont une grande capitalisation boursière,</a:t>
+            </a:r>
+          </a:p>
+          <a:p>
+            <a:pPr marL="0" lvl="0" indent="0" algn="l" rtl="0">
+              <a:spcBef>
+                <a:spcPts val="0"/>
+              </a:spcBef>
+              <a:spcAft>
+                <a:spcPts val="0"/>
+              </a:spcAft>
+              <a:buNone/>
+            </a:pPr>
+            <a:endParaRPr lang="fr-CA" dirty="0">
+              <a:effectLst/>
+              <a:latin typeface="Calibri" panose="020F0502020204030204" pitchFamily="34" charset="0"/>
+              <a:cs typeface="Times New Roman" panose="02020603050405020304" pitchFamily="18" charset="0"/>
+            </a:endParaRPr>
+          </a:p>
+          <a:p>
             <a:pPr marL="0" marR="0" lvl="0" indent="0" algn="l" defTabSz="914400" rtl="0" eaLnBrk="1" fontAlgn="auto" latinLnBrk="0" hangingPunct="1">
               <a:lnSpc>
                 <a:spcPct val="100000"/>
@@ -1830,14 +1760,6 @@
               <a:tabLst/>
               <a:defRPr/>
             </a:pPr>
-            <a:r>
-              <a:rPr lang="fr-FR" sz="1100" dirty="0">
-                <a:latin typeface="Calibri" panose="020F0502020204030204" pitchFamily="34" charset="0"/>
-                <a:ea typeface="Calibri" panose="020F0502020204030204" pitchFamily="34" charset="0"/>
-                <a:cs typeface="Times New Roman" panose="02020603050405020304" pitchFamily="18" charset="0"/>
-              </a:rPr>
-              <a:t>FORCE :G</a:t>
-            </a:r>
             <a:r>
               <a:rPr lang="fr-FR" sz="1100" dirty="0">
                 <a:effectLst/>
@@ -1845,9 +1767,44 @@
                 <a:ea typeface="Calibri" panose="020F0502020204030204" pitchFamily="34" charset="0"/>
                 <a:cs typeface="Times New Roman" panose="02020603050405020304" pitchFamily="18" charset="0"/>
               </a:rPr>
-              <a:t>oogle est connu pour ce bien être de ses collaborateurs, aide beaucoup d’associations</a:t>
+              <a:t>Faiblesses:</a:t>
             </a:r>
-            <a:endParaRPr lang="fr-FR" sz="800" dirty="0"/>
+          </a:p>
+          <a:p>
+            <a:pPr marL="0" marR="0" lvl="0" indent="0" algn="l" defTabSz="914400" rtl="0" eaLnBrk="1" fontAlgn="auto" latinLnBrk="0" hangingPunct="1">
+              <a:lnSpc>
+                <a:spcPct val="100000"/>
+              </a:lnSpc>
+              <a:spcBef>
+                <a:spcPts val="0"/>
+              </a:spcBef>
+              <a:spcAft>
+                <a:spcPts val="0"/>
+              </a:spcAft>
+              <a:buClr>
+                <a:srgbClr val="000000"/>
+              </a:buClr>
+              <a:buSzPts val="1100"/>
+              <a:buFont typeface="Arial"/>
+              <a:buNone/>
+              <a:tabLst/>
+              <a:defRPr/>
+            </a:pPr>
+            <a:r>
+              <a:rPr lang="fr-FR" sz="1100" dirty="0">
+                <a:effectLst/>
+                <a:latin typeface="Calibri" panose="020F0502020204030204" pitchFamily="34" charset="0"/>
+                <a:ea typeface="Calibri" panose="020F0502020204030204" pitchFamily="34" charset="0"/>
+                <a:cs typeface="Times New Roman" panose="02020603050405020304" pitchFamily="18" charset="0"/>
+              </a:rPr>
+              <a:t>Google doit payer des taxes de GAFA créer en 2019 de 3% des chiffres d’affaire, qui es une somme élevé,</a:t>
+            </a:r>
+            <a:endParaRPr lang="fr-FR" dirty="0">
+              <a:solidFill>
+                <a:schemeClr val="bg1"/>
+              </a:solidFill>
+              <a:latin typeface="+mn-lt"/>
+            </a:endParaRPr>
           </a:p>
           <a:p>
             <a:pPr marL="0" lvl="0" indent="0" algn="l" rtl="0">
@@ -1866,7 +1823,7 @@
     </p:spTree>
     <p:extLst>
       <p:ext uri="{BB962C8B-B14F-4D97-AF65-F5344CB8AC3E}">
-        <p14:creationId xmlns:p14="http://schemas.microsoft.com/office/powerpoint/2010/main" val="3526027296"/>
+        <p14:creationId xmlns:p14="http://schemas.microsoft.com/office/powerpoint/2010/main" val="3720061582"/>
       </p:ext>
     </p:extLst>
   </p:cSld>
@@ -1959,6 +1916,45 @@
           </a:bodyPr>
           <a:lstStyle/>
           <a:p>
+            <a:pPr marL="0" marR="0" lvl="0" indent="0" algn="l" defTabSz="914400" rtl="0" eaLnBrk="1" fontAlgn="auto" latinLnBrk="0" hangingPunct="1">
+              <a:lnSpc>
+                <a:spcPct val="100000"/>
+              </a:lnSpc>
+              <a:spcBef>
+                <a:spcPts val="0"/>
+              </a:spcBef>
+              <a:spcAft>
+                <a:spcPts val="0"/>
+              </a:spcAft>
+              <a:buClr>
+                <a:srgbClr val="000000"/>
+              </a:buClr>
+              <a:buSzPts val="1100"/>
+              <a:buFont typeface="Arial"/>
+              <a:buNone/>
+              <a:tabLst/>
+              <a:defRPr/>
+            </a:pPr>
+            <a:r>
+              <a:rPr lang="fr-FR" sz="1100" dirty="0">
+                <a:latin typeface="Calibri" panose="020F0502020204030204" pitchFamily="34" charset="0"/>
+                <a:ea typeface="Calibri" panose="020F0502020204030204" pitchFamily="34" charset="0"/>
+                <a:cs typeface="Times New Roman" panose="02020603050405020304" pitchFamily="18" charset="0"/>
+              </a:rPr>
+              <a:t>FORCE :G</a:t>
+            </a:r>
+            <a:r>
+              <a:rPr lang="fr-FR" sz="1100" dirty="0">
+                <a:effectLst/>
+                <a:latin typeface="Calibri" panose="020F0502020204030204" pitchFamily="34" charset="0"/>
+                <a:ea typeface="Calibri" panose="020F0502020204030204" pitchFamily="34" charset="0"/>
+                <a:cs typeface="Times New Roman" panose="02020603050405020304" pitchFamily="18" charset="0"/>
+              </a:rPr>
+              <a:t>oogle est connu pour ce bien être de ses collaborateurs, aide beaucoup d’associations</a:t>
+            </a:r>
+            <a:endParaRPr lang="fr-FR" sz="800" dirty="0"/>
+          </a:p>
+          <a:p>
             <a:pPr marL="0" lvl="0" indent="0" algn="l" rtl="0">
               <a:spcBef>
                 <a:spcPts val="0"/>
@@ -1975,7 +1971,7 @@
     </p:spTree>
     <p:extLst>
       <p:ext uri="{BB962C8B-B14F-4D97-AF65-F5344CB8AC3E}">
-        <p14:creationId xmlns:p14="http://schemas.microsoft.com/office/powerpoint/2010/main" val="1334615690"/>
+        <p14:creationId xmlns:p14="http://schemas.microsoft.com/office/powerpoint/2010/main" val="3526027296"/>
       </p:ext>
     </p:extLst>
   </p:cSld>
@@ -2084,7 +2080,7 @@
     </p:spTree>
     <p:extLst>
       <p:ext uri="{BB962C8B-B14F-4D97-AF65-F5344CB8AC3E}">
-        <p14:creationId xmlns:p14="http://schemas.microsoft.com/office/powerpoint/2010/main" val="1262227489"/>
+        <p14:creationId xmlns:p14="http://schemas.microsoft.com/office/powerpoint/2010/main" val="1334615690"/>
       </p:ext>
     </p:extLst>
   </p:cSld>
@@ -2177,47 +2173,6 @@
           </a:bodyPr>
           <a:lstStyle/>
           <a:p>
-            <a:pPr marL="0" marR="0" lvl="0" indent="0" algn="l" defTabSz="914400" rtl="0" eaLnBrk="1" fontAlgn="auto" latinLnBrk="0" hangingPunct="1">
-              <a:lnSpc>
-                <a:spcPct val="100000"/>
-              </a:lnSpc>
-              <a:spcBef>
-                <a:spcPts val="0"/>
-              </a:spcBef>
-              <a:spcAft>
-                <a:spcPts val="0"/>
-              </a:spcAft>
-              <a:buClr>
-                <a:srgbClr val="000000"/>
-              </a:buClr>
-              <a:buSzPts val="1100"/>
-              <a:buFont typeface="Arial"/>
-              <a:buNone/>
-              <a:tabLst/>
-              <a:defRPr/>
-            </a:pPr>
-            <a:r>
-              <a:rPr lang="fr-FR" dirty="0">
-                <a:solidFill>
-                  <a:schemeClr val="bg1"/>
-                </a:solidFill>
-                <a:effectLst/>
-                <a:latin typeface="Segoe UI" panose="020B0502040204020203" pitchFamily="34" charset="0"/>
-                <a:ea typeface="Calibri" panose="020F0502020204030204" pitchFamily="34" charset="0"/>
-              </a:rPr>
-              <a:t> Afin de régler ses problèmes, Google a dû faire des modifications sur ses algorithmes de recherche,  a dû changer de stratégie sur le long terme,  et reconsidérer ses responsabilités citoyennes</a:t>
-            </a:r>
-            <a:endParaRPr lang="fr-CA" dirty="0">
-              <a:solidFill>
-                <a:schemeClr val="bg1"/>
-              </a:solidFill>
-              <a:effectLst/>
-              <a:latin typeface="Calibri" panose="020F0502020204030204" pitchFamily="34" charset="0"/>
-              <a:ea typeface="Calibri" panose="020F0502020204030204" pitchFamily="34" charset="0"/>
-              <a:cs typeface="Times New Roman" panose="02020603050405020304" pitchFamily="18" charset="0"/>
-            </a:endParaRPr>
-          </a:p>
-          <a:p>
             <a:pPr marL="0" lvl="0" indent="0" algn="l" rtl="0">
               <a:spcBef>
                 <a:spcPts val="0"/>
@@ -2234,7 +2189,7 @@
     </p:spTree>
     <p:extLst>
       <p:ext uri="{BB962C8B-B14F-4D97-AF65-F5344CB8AC3E}">
-        <p14:creationId xmlns:p14="http://schemas.microsoft.com/office/powerpoint/2010/main" val="3552650653"/>
+        <p14:creationId xmlns:p14="http://schemas.microsoft.com/office/powerpoint/2010/main" val="1262227489"/>
       </p:ext>
     </p:extLst>
   </p:cSld>
@@ -2249,7 +2204,7 @@
   <p:cSld>
     <p:spTree>
       <p:nvGrpSpPr>
-        <p:cNvPr id="1" name="Shape 541"/>
+        <p:cNvPr id="1" name="Shape 785"/>
         <p:cNvGrpSpPr/>
         <p:nvPr/>
       </p:nvGrpSpPr>
@@ -2263,7 +2218,7 @@
       </p:grpSpPr>
       <p:sp>
         <p:nvSpPr>
-          <p:cNvPr id="542" name="Google Shape;542;gf1f102f17f_0_70:notes"/>
+          <p:cNvPr id="786" name="Google Shape;786;gf80e89a1ec_0_197:notes"/>
           <p:cNvSpPr>
             <a:spLocks noGrp="1" noRot="1" noChangeAspect="1"/>
           </p:cNvSpPr>
@@ -2304,7 +2259,7 @@
       </p:sp>
       <p:sp>
         <p:nvSpPr>
-          <p:cNvPr id="543" name="Google Shape;543;gf1f102f17f_0_70:notes"/>
+          <p:cNvPr id="787" name="Google Shape;787;gf80e89a1ec_0_197:notes"/>
           <p:cNvSpPr txBox="1">
             <a:spLocks noGrp="1"/>
           </p:cNvSpPr>
@@ -2327,6 +2282,102 @@
           </a:bodyPr>
           <a:lstStyle/>
           <a:p>
+            <a:pPr marL="0" marR="0" lvl="0" indent="0" algn="l" defTabSz="914400" rtl="0" eaLnBrk="1" fontAlgn="auto" latinLnBrk="0" hangingPunct="1">
+              <a:lnSpc>
+                <a:spcPct val="100000"/>
+              </a:lnSpc>
+              <a:spcBef>
+                <a:spcPts val="0"/>
+              </a:spcBef>
+              <a:spcAft>
+                <a:spcPts val="0"/>
+              </a:spcAft>
+              <a:buClr>
+                <a:srgbClr val="000000"/>
+              </a:buClr>
+              <a:buSzPts val="1100"/>
+              <a:buFont typeface="Arial"/>
+              <a:buNone/>
+              <a:tabLst/>
+              <a:defRPr/>
+            </a:pPr>
+            <a:r>
+              <a:rPr lang="fr-FR" sz="1800" dirty="0">
+                <a:solidFill>
+                  <a:srgbClr val="202124"/>
+                </a:solidFill>
+                <a:effectLst/>
+                <a:latin typeface="Arial" panose="020B0604020202020204" pitchFamily="34" charset="0"/>
+                <a:ea typeface="Calibri" panose="020F0502020204030204" pitchFamily="34" charset="0"/>
+                <a:cs typeface="Times New Roman" panose="02020603050405020304" pitchFamily="18" charset="0"/>
+              </a:rPr>
+              <a:t>Economique: faire du profit et de pérenniser l'</a:t>
+            </a:r>
+            <a:r>
+              <a:rPr lang="fr-FR" sz="1800" b="1" dirty="0">
+                <a:solidFill>
+                  <a:srgbClr val="202124"/>
+                </a:solidFill>
+                <a:effectLst/>
+                <a:latin typeface="Arial" panose="020B0604020202020204" pitchFamily="34" charset="0"/>
+                <a:ea typeface="Calibri" panose="020F0502020204030204" pitchFamily="34" charset="0"/>
+                <a:cs typeface="Times New Roman" panose="02020603050405020304" pitchFamily="18" charset="0"/>
+              </a:rPr>
+              <a:t>entreprise</a:t>
+            </a:r>
+            <a:r>
+              <a:rPr lang="fr-FR" sz="1800" dirty="0">
+                <a:solidFill>
+                  <a:srgbClr val="202124"/>
+                </a:solidFill>
+                <a:effectLst/>
+                <a:latin typeface="Arial" panose="020B0604020202020204" pitchFamily="34" charset="0"/>
+                <a:ea typeface="Calibri" panose="020F0502020204030204" pitchFamily="34" charset="0"/>
+                <a:cs typeface="Times New Roman" panose="02020603050405020304" pitchFamily="18" charset="0"/>
+              </a:rPr>
+              <a:t>. Sa mission est d'organiser toutes le informations et les rendre universellement accessibles,</a:t>
+            </a:r>
+          </a:p>
+          <a:p>
+            <a:pPr marL="0" marR="0" lvl="0" indent="0" algn="l" defTabSz="914400" rtl="0" eaLnBrk="1" fontAlgn="auto" latinLnBrk="0" hangingPunct="1">
+              <a:lnSpc>
+                <a:spcPct val="100000"/>
+              </a:lnSpc>
+              <a:spcBef>
+                <a:spcPts val="0"/>
+              </a:spcBef>
+              <a:spcAft>
+                <a:spcPts val="0"/>
+              </a:spcAft>
+              <a:buClr>
+                <a:srgbClr val="000000"/>
+              </a:buClr>
+              <a:buSzPts val="1100"/>
+              <a:buFont typeface="Arial"/>
+              <a:buNone/>
+              <a:tabLst/>
+              <a:defRPr/>
+            </a:pPr>
+            <a:r>
+              <a:rPr lang="fr-FR" sz="1800" dirty="0">
+                <a:solidFill>
+                  <a:srgbClr val="202124"/>
+                </a:solidFill>
+                <a:effectLst/>
+                <a:latin typeface="Arial" panose="020B0604020202020204" pitchFamily="34" charset="0"/>
+                <a:ea typeface="Calibri" panose="020F0502020204030204" pitchFamily="34" charset="0"/>
+                <a:cs typeface="Times New Roman" panose="02020603050405020304" pitchFamily="18" charset="0"/>
+              </a:rPr>
+              <a:t>Sociétale : </a:t>
+            </a:r>
+            <a:endParaRPr lang="fr-FR" sz="1800" dirty="0">
+              <a:effectLst/>
+              <a:latin typeface="Calibri" panose="020F0502020204030204" pitchFamily="34" charset="0"/>
+              <a:ea typeface="Calibri" panose="020F0502020204030204" pitchFamily="34" charset="0"/>
+              <a:cs typeface="Times New Roman" panose="02020603050405020304" pitchFamily="18" charset="0"/>
+            </a:endParaRPr>
+          </a:p>
+          <a:p>
             <a:pPr marL="0" lvl="0" indent="0" algn="l" rtl="0">
               <a:spcBef>
                 <a:spcPts val="0"/>
@@ -2336,11 +2387,16 @@
               </a:spcAft>
               <a:buNone/>
             </a:pPr>
-            <a:endParaRPr/>
+            <a:endParaRPr lang="fr-FR" dirty="0"/>
           </a:p>
         </p:txBody>
       </p:sp>
     </p:spTree>
+    <p:extLst>
+      <p:ext uri="{BB962C8B-B14F-4D97-AF65-F5344CB8AC3E}">
+        <p14:creationId xmlns:p14="http://schemas.microsoft.com/office/powerpoint/2010/main" val="3923695339"/>
+      </p:ext>
+    </p:extLst>
   </p:cSld>
   <p:clrMapOvr>
     <a:masterClrMapping/>
@@ -2353,7 +2409,7 @@
   <p:cSld>
     <p:spTree>
       <p:nvGrpSpPr>
-        <p:cNvPr id="1" name="Shape 654"/>
+        <p:cNvPr id="1" name="Shape 989"/>
         <p:cNvGrpSpPr/>
         <p:nvPr/>
       </p:nvGrpSpPr>
@@ -2367,7 +2423,7 @@
       </p:grpSpPr>
       <p:sp>
         <p:nvSpPr>
-          <p:cNvPr id="655" name="Google Shape;655;gf8d8f7f297_0_18905:notes"/>
+          <p:cNvPr id="990" name="Google Shape;990;gfb41024316_0_103:notes"/>
           <p:cNvSpPr>
             <a:spLocks noGrp="1" noRot="1" noChangeAspect="1"/>
           </p:cNvSpPr>
@@ -2408,6 +2464,156 @@
       </p:sp>
       <p:sp>
         <p:nvSpPr>
+          <p:cNvPr id="991" name="Google Shape;991;gfb41024316_0_103:notes"/>
+          <p:cNvSpPr txBox="1">
+            <a:spLocks noGrp="1"/>
+          </p:cNvSpPr>
+          <p:nvPr>
+            <p:ph type="body" idx="1"/>
+          </p:nvPr>
+        </p:nvSpPr>
+        <p:spPr>
+          <a:xfrm>
+            <a:off x="685800" y="4343400"/>
+            <a:ext cx="5486400" cy="4114800"/>
+          </a:xfrm>
+          <a:prstGeom prst="rect">
+            <a:avLst/>
+          </a:prstGeom>
+        </p:spPr>
+        <p:txBody>
+          <a:bodyPr spcFirstLastPara="1" wrap="square" lIns="91425" tIns="91425" rIns="91425" bIns="91425" anchor="t" anchorCtr="0">
+            <a:noAutofit/>
+          </a:bodyPr>
+          <a:lstStyle/>
+          <a:p>
+            <a:pPr marL="0" marR="0" lvl="0" indent="0" algn="l" defTabSz="914400" rtl="0" eaLnBrk="1" fontAlgn="auto" latinLnBrk="0" hangingPunct="1">
+              <a:lnSpc>
+                <a:spcPct val="100000"/>
+              </a:lnSpc>
+              <a:spcBef>
+                <a:spcPts val="0"/>
+              </a:spcBef>
+              <a:spcAft>
+                <a:spcPts val="0"/>
+              </a:spcAft>
+              <a:buClr>
+                <a:srgbClr val="000000"/>
+              </a:buClr>
+              <a:buSzPts val="1100"/>
+              <a:buFont typeface="Arial"/>
+              <a:buNone/>
+              <a:tabLst/>
+              <a:defRPr/>
+            </a:pPr>
+            <a:r>
+              <a:rPr lang="fr-FR" dirty="0">
+                <a:solidFill>
+                  <a:schemeClr val="bg1"/>
+                </a:solidFill>
+                <a:effectLst/>
+                <a:latin typeface="Segoe UI" panose="020B0502040204020203" pitchFamily="34" charset="0"/>
+                <a:ea typeface="Calibri" panose="020F0502020204030204" pitchFamily="34" charset="0"/>
+              </a:rPr>
+              <a:t> Afin de régler ses problèmes, Google a dû faire des modifications sur ses algorithmes de recherche,  a dû changer de stratégie sur le long terme,  et reconsidérer ses responsabilités citoyennes</a:t>
+            </a:r>
+            <a:endParaRPr lang="fr-CA" dirty="0">
+              <a:solidFill>
+                <a:schemeClr val="bg1"/>
+              </a:solidFill>
+              <a:effectLst/>
+              <a:latin typeface="Calibri" panose="020F0502020204030204" pitchFamily="34" charset="0"/>
+              <a:ea typeface="Calibri" panose="020F0502020204030204" pitchFamily="34" charset="0"/>
+              <a:cs typeface="Times New Roman" panose="02020603050405020304" pitchFamily="18" charset="0"/>
+            </a:endParaRPr>
+          </a:p>
+          <a:p>
+            <a:pPr marL="0" lvl="0" indent="0" algn="l" rtl="0">
+              <a:spcBef>
+                <a:spcPts val="0"/>
+              </a:spcBef>
+              <a:spcAft>
+                <a:spcPts val="0"/>
+              </a:spcAft>
+              <a:buNone/>
+            </a:pPr>
+            <a:endParaRPr dirty="0"/>
+          </a:p>
+        </p:txBody>
+      </p:sp>
+    </p:spTree>
+    <p:extLst>
+      <p:ext uri="{BB962C8B-B14F-4D97-AF65-F5344CB8AC3E}">
+        <p14:creationId xmlns:p14="http://schemas.microsoft.com/office/powerpoint/2010/main" val="3552650653"/>
+      </p:ext>
+    </p:extLst>
+  </p:cSld>
+  <p:clrMapOvr>
+    <a:masterClrMapping/>
+  </p:clrMapOvr>
+</p:notes>
+</file>
+
+<file path=ppt/notesSlides/notesSlide21.xml><?xml version="1.0" encoding="utf-8"?>
+<p:notes xmlns:a="http://schemas.openxmlformats.org/drawingml/2006/main" xmlns:r="http://schemas.openxmlformats.org/officeDocument/2006/relationships" xmlns:p="http://schemas.openxmlformats.org/presentationml/2006/main" showMasterSp="0" showMasterPhAnim="0">
+  <p:cSld>
+    <p:spTree>
+      <p:nvGrpSpPr>
+        <p:cNvPr id="1" name="Shape 654"/>
+        <p:cNvGrpSpPr/>
+        <p:nvPr/>
+      </p:nvGrpSpPr>
+      <p:grpSpPr>
+        <a:xfrm>
+          <a:off x="0" y="0"/>
+          <a:ext cx="0" cy="0"/>
+          <a:chOff x="0" y="0"/>
+          <a:chExt cx="0" cy="0"/>
+        </a:xfrm>
+      </p:grpSpPr>
+      <p:sp>
+        <p:nvSpPr>
+          <p:cNvPr id="655" name="Google Shape;655;gf8d8f7f297_0_18905:notes"/>
+          <p:cNvSpPr>
+            <a:spLocks noGrp="1" noRot="1" noChangeAspect="1"/>
+          </p:cNvSpPr>
+          <p:nvPr>
+            <p:ph type="sldImg" idx="2"/>
+          </p:nvPr>
+        </p:nvSpPr>
+        <p:spPr>
+          <a:xfrm>
+            <a:off x="381000" y="685800"/>
+            <a:ext cx="6096000" cy="3429000"/>
+          </a:xfrm>
+          <a:custGeom>
+            <a:avLst/>
+            <a:gdLst/>
+            <a:ahLst/>
+            <a:cxnLst/>
+            <a:rect l="l" t="t" r="r" b="b"/>
+            <a:pathLst>
+              <a:path w="120000" h="120000" extrusionOk="0">
+                <a:moveTo>
+                  <a:pt x="0" y="0"/>
+                </a:moveTo>
+                <a:lnTo>
+                  <a:pt x="120000" y="0"/>
+                </a:lnTo>
+                <a:lnTo>
+                  <a:pt x="120000" y="120000"/>
+                </a:lnTo>
+                <a:lnTo>
+                  <a:pt x="0" y="120000"/>
+                </a:lnTo>
+                <a:close/>
+              </a:path>
+            </a:pathLst>
+          </a:custGeom>
+        </p:spPr>
+      </p:sp>
+      <p:sp>
+        <p:nvSpPr>
           <p:cNvPr id="656" name="Google Shape;656;gf8d8f7f297_0_18905:notes"/>
           <p:cNvSpPr txBox="1">
             <a:spLocks noGrp="1"/>
@@ -2457,7 +2663,7 @@
 </p:notes>
 </file>
 
-<file path=ppt/notesSlides/notesSlide21.xml><?xml version="1.0" encoding="utf-8"?>
+<file path=ppt/notesSlides/notesSlide22.xml><?xml version="1.0" encoding="utf-8"?>
 <p:notes xmlns:a="http://schemas.openxmlformats.org/drawingml/2006/main" xmlns:r="http://schemas.openxmlformats.org/officeDocument/2006/relationships" xmlns:p="http://schemas.openxmlformats.org/presentationml/2006/main" showMasterSp="0" showMasterPhAnim="0">
   <p:cSld>
     <p:spTree>
@@ -2771,7 +2977,7 @@
 </p:notes>
 </file>
 
-<file path=ppt/notesSlides/notesSlide22.xml><?xml version="1.0" encoding="utf-8"?>
+<file path=ppt/notesSlides/notesSlide23.xml><?xml version="1.0" encoding="utf-8"?>
 <p:notes xmlns:a="http://schemas.openxmlformats.org/drawingml/2006/main" xmlns:r="http://schemas.openxmlformats.org/officeDocument/2006/relationships" xmlns:p="http://schemas.openxmlformats.org/presentationml/2006/main" showMasterSp="0" showMasterPhAnim="0">
   <p:cSld>
     <p:spTree>
@@ -2956,7 +3162,7 @@
 </p:notes>
 </file>
 
-<file path=ppt/notesSlides/notesSlide23.xml><?xml version="1.0" encoding="utf-8"?>
+<file path=ppt/notesSlides/notesSlide24.xml><?xml version="1.0" encoding="utf-8"?>
 <p:notes xmlns:a="http://schemas.openxmlformats.org/drawingml/2006/main" xmlns:r="http://schemas.openxmlformats.org/officeDocument/2006/relationships" xmlns:p="http://schemas.openxmlformats.org/presentationml/2006/main" showMasterSp="0" showMasterPhAnim="0">
   <p:cSld>
     <p:spTree>
@@ -3148,7 +3354,7 @@
 </p:notes>
 </file>
 
-<file path=ppt/notesSlides/notesSlide24.xml><?xml version="1.0" encoding="utf-8"?>
+<file path=ppt/notesSlides/notesSlide25.xml><?xml version="1.0" encoding="utf-8"?>
 <p:notes xmlns:a="http://schemas.openxmlformats.org/drawingml/2006/main" xmlns:r="http://schemas.openxmlformats.org/officeDocument/2006/relationships" xmlns:p="http://schemas.openxmlformats.org/presentationml/2006/main" showMasterSp="0" showMasterPhAnim="0">
   <p:cSld>
     <p:spTree>
@@ -3367,7 +3573,7 @@
 </p:notes>
 </file>
 
-<file path=ppt/notesSlides/notesSlide25.xml><?xml version="1.0" encoding="utf-8"?>
+<file path=ppt/notesSlides/notesSlide26.xml><?xml version="1.0" encoding="utf-8"?>
 <p:notes xmlns:a="http://schemas.openxmlformats.org/drawingml/2006/main" xmlns:r="http://schemas.openxmlformats.org/officeDocument/2006/relationships" xmlns:p="http://schemas.openxmlformats.org/presentationml/2006/main" showMasterSp="0" showMasterPhAnim="0">
   <p:cSld>
     <p:spTree>
@@ -3480,7 +3686,7 @@
 </p:notes>
 </file>
 
-<file path=ppt/notesSlides/notesSlide26.xml><?xml version="1.0" encoding="utf-8"?>
+<file path=ppt/notesSlides/notesSlide27.xml><?xml version="1.0" encoding="utf-8"?>
 <p:notes xmlns:a="http://schemas.openxmlformats.org/drawingml/2006/main" xmlns:r="http://schemas.openxmlformats.org/officeDocument/2006/relationships" xmlns:p="http://schemas.openxmlformats.org/presentationml/2006/main" showMasterSp="0" showMasterPhAnim="0">
   <p:cSld>
     <p:spTree>
@@ -3589,7 +3795,7 @@
 </p:notes>
 </file>
 
-<file path=ppt/notesSlides/notesSlide27.xml><?xml version="1.0" encoding="utf-8"?>
+<file path=ppt/notesSlides/notesSlide28.xml><?xml version="1.0" encoding="utf-8"?>
 <p:notes xmlns:a="http://schemas.openxmlformats.org/drawingml/2006/main" xmlns:r="http://schemas.openxmlformats.org/officeDocument/2006/relationships" xmlns:p="http://schemas.openxmlformats.org/presentationml/2006/main" showMasterSp="0" showMasterPhAnim="0">
   <p:cSld>
     <p:spTree>
@@ -3730,7 +3936,7 @@
 </p:notes>
 </file>
 
-<file path=ppt/notesSlides/notesSlide28.xml><?xml version="1.0" encoding="utf-8"?>
+<file path=ppt/notesSlides/notesSlide29.xml><?xml version="1.0" encoding="utf-8"?>
 <p:notes xmlns:a="http://schemas.openxmlformats.org/drawingml/2006/main" xmlns:r="http://schemas.openxmlformats.org/officeDocument/2006/relationships" xmlns:p="http://schemas.openxmlformats.org/presentationml/2006/main" showMasterSp="0" showMasterPhAnim="0">
   <p:cSld>
     <p:spTree>
@@ -3839,12 +4045,12 @@
 </p:notes>
 </file>
 
-<file path=ppt/notesSlides/notesSlide29.xml><?xml version="1.0" encoding="utf-8"?>
+<file path=ppt/notesSlides/notesSlide3.xml><?xml version="1.0" encoding="utf-8"?>
 <p:notes xmlns:a="http://schemas.openxmlformats.org/drawingml/2006/main" xmlns:r="http://schemas.openxmlformats.org/officeDocument/2006/relationships" xmlns:p="http://schemas.openxmlformats.org/presentationml/2006/main" showMasterSp="0" showMasterPhAnim="0">
   <p:cSld>
     <p:spTree>
       <p:nvGrpSpPr>
-        <p:cNvPr id="1" name="Shape 659"/>
+        <p:cNvPr id="1" name="Shape 541"/>
         <p:cNvGrpSpPr/>
         <p:nvPr/>
       </p:nvGrpSpPr>
@@ -3858,7 +4064,7 @@
       </p:grpSpPr>
       <p:sp>
         <p:nvSpPr>
-          <p:cNvPr id="660" name="Google Shape;660;gf80e89a1ec_0_139:notes"/>
+          <p:cNvPr id="542" name="Google Shape;542;gf1f102f17f_0_70:notes"/>
           <p:cNvSpPr>
             <a:spLocks noGrp="1" noRot="1" noChangeAspect="1"/>
           </p:cNvSpPr>
@@ -3899,7 +4105,7 @@
       </p:sp>
       <p:sp>
         <p:nvSpPr>
-          <p:cNvPr id="661" name="Google Shape;661;gf80e89a1ec_0_139:notes"/>
+          <p:cNvPr id="543" name="Google Shape;543;gf1f102f17f_0_70:notes"/>
           <p:cNvSpPr txBox="1">
             <a:spLocks noGrp="1"/>
           </p:cNvSpPr>
@@ -3931,69 +4137,11 @@
               </a:spcAft>
               <a:buNone/>
             </a:pPr>
-            <a:endParaRPr lang="fr-CA" dirty="0"/>
-          </a:p>
-          <a:p>
-            <a:pPr marL="0" lvl="0" indent="0" algn="l" rtl="0">
-              <a:spcBef>
-                <a:spcPts val="0"/>
-              </a:spcBef>
-              <a:spcAft>
-                <a:spcPts val="0"/>
-              </a:spcAft>
-              <a:buNone/>
-            </a:pPr>
-            <a:r>
-              <a:rPr lang="fr-FR" sz="1100" b="0" i="0" u="none" strike="noStrike" cap="none" dirty="0">
-                <a:solidFill>
-                  <a:schemeClr val="bg1"/>
-                </a:solidFill>
-                <a:effectLst/>
-                <a:latin typeface="Arial"/>
-                <a:ea typeface="Arial"/>
-                <a:cs typeface="Arial"/>
-                <a:sym typeface="Arial"/>
-              </a:rPr>
-              <a:t>1-La marque, avec  ses outils, récupère et stock l’ensemble des informations, emails, contacts, mots de passe </a:t>
-            </a:r>
-            <a:endParaRPr lang="fr-CA" dirty="0"/>
-          </a:p>
-          <a:p>
-            <a:pPr marL="0" lvl="0" indent="0" algn="l" rtl="0">
-              <a:spcBef>
-                <a:spcPts val="0"/>
-              </a:spcBef>
-              <a:spcAft>
-                <a:spcPts val="0"/>
-              </a:spcAft>
-              <a:buNone/>
-            </a:pPr>
-            <a:endParaRPr lang="fr-CA" dirty="0"/>
-          </a:p>
-          <a:p>
-            <a:pPr marL="0" lvl="0" indent="0" algn="l" rtl="0">
-              <a:spcBef>
-                <a:spcPts val="0"/>
-              </a:spcBef>
-              <a:spcAft>
-                <a:spcPts val="0"/>
-              </a:spcAft>
-              <a:buNone/>
-            </a:pPr>
-            <a:r>
-              <a:rPr lang="fr-CA" dirty="0"/>
-              <a:t>Boycott= scandaliser ( groupe de personne qui ne consomme  plus ses services et produits d’une marque / entreprise) c’est une action  volontaire à pour but de chuter les actions de l’entreprise </a:t>
-            </a:r>
             <a:endParaRPr dirty="0"/>
           </a:p>
         </p:txBody>
       </p:sp>
     </p:spTree>
-    <p:extLst>
-      <p:ext uri="{BB962C8B-B14F-4D97-AF65-F5344CB8AC3E}">
-        <p14:creationId xmlns:p14="http://schemas.microsoft.com/office/powerpoint/2010/main" val="3044741432"/>
-      </p:ext>
-    </p:extLst>
   </p:cSld>
   <p:clrMapOvr>
     <a:masterClrMapping/>
@@ -4001,12 +4149,12 @@
 </p:notes>
 </file>
 
-<file path=ppt/notesSlides/notesSlide3.xml><?xml version="1.0" encoding="utf-8"?>
+<file path=ppt/notesSlides/notesSlide30.xml><?xml version="1.0" encoding="utf-8"?>
 <p:notes xmlns:a="http://schemas.openxmlformats.org/drawingml/2006/main" xmlns:r="http://schemas.openxmlformats.org/officeDocument/2006/relationships" xmlns:p="http://schemas.openxmlformats.org/presentationml/2006/main" showMasterSp="0" showMasterPhAnim="0">
   <p:cSld>
     <p:spTree>
       <p:nvGrpSpPr>
-        <p:cNvPr id="1" name="Shape 582"/>
+        <p:cNvPr id="1" name="Shape 659"/>
         <p:cNvGrpSpPr/>
         <p:nvPr/>
       </p:nvGrpSpPr>
@@ -4020,7 +4168,7 @@
       </p:grpSpPr>
       <p:sp>
         <p:nvSpPr>
-          <p:cNvPr id="583" name="Google Shape;583;gf6db99a42b_0_146:notes"/>
+          <p:cNvPr id="660" name="Google Shape;660;gf80e89a1ec_0_139:notes"/>
           <p:cNvSpPr>
             <a:spLocks noGrp="1" noRot="1" noChangeAspect="1"/>
           </p:cNvSpPr>
@@ -4061,7 +4209,7 @@
       </p:sp>
       <p:sp>
         <p:nvSpPr>
-          <p:cNvPr id="584" name="Google Shape;584;gf6db99a42b_0_146:notes"/>
+          <p:cNvPr id="661" name="Google Shape;661;gf80e89a1ec_0_139:notes"/>
           <p:cNvSpPr txBox="1">
             <a:spLocks noGrp="1"/>
           </p:cNvSpPr>
@@ -4093,11 +4241,69 @@
               </a:spcAft>
               <a:buNone/>
             </a:pPr>
-            <a:endParaRPr/>
+            <a:endParaRPr lang="fr-CA" dirty="0"/>
+          </a:p>
+          <a:p>
+            <a:pPr marL="0" lvl="0" indent="0" algn="l" rtl="0">
+              <a:spcBef>
+                <a:spcPts val="0"/>
+              </a:spcBef>
+              <a:spcAft>
+                <a:spcPts val="0"/>
+              </a:spcAft>
+              <a:buNone/>
+            </a:pPr>
+            <a:r>
+              <a:rPr lang="fr-FR" sz="1100" b="0" i="0" u="none" strike="noStrike" cap="none" dirty="0">
+                <a:solidFill>
+                  <a:schemeClr val="bg1"/>
+                </a:solidFill>
+                <a:effectLst/>
+                <a:latin typeface="Arial"/>
+                <a:ea typeface="Arial"/>
+                <a:cs typeface="Arial"/>
+                <a:sym typeface="Arial"/>
+              </a:rPr>
+              <a:t>1-La marque, avec  ses outils, récupère et stock l’ensemble des informations, emails, contacts, mots de passe </a:t>
+            </a:r>
+            <a:endParaRPr lang="fr-CA" dirty="0"/>
+          </a:p>
+          <a:p>
+            <a:pPr marL="0" lvl="0" indent="0" algn="l" rtl="0">
+              <a:spcBef>
+                <a:spcPts val="0"/>
+              </a:spcBef>
+              <a:spcAft>
+                <a:spcPts val="0"/>
+              </a:spcAft>
+              <a:buNone/>
+            </a:pPr>
+            <a:endParaRPr lang="fr-CA" dirty="0"/>
+          </a:p>
+          <a:p>
+            <a:pPr marL="0" lvl="0" indent="0" algn="l" rtl="0">
+              <a:spcBef>
+                <a:spcPts val="0"/>
+              </a:spcBef>
+              <a:spcAft>
+                <a:spcPts val="0"/>
+              </a:spcAft>
+              <a:buNone/>
+            </a:pPr>
+            <a:r>
+              <a:rPr lang="fr-CA" dirty="0"/>
+              <a:t>Boycott= scandaliser ( groupe de personne qui ne consomme  plus ses services et produits d’une marque / entreprise) c’est une action  volontaire à pour but de chuter les actions de l’entreprise </a:t>
+            </a:r>
+            <a:endParaRPr dirty="0"/>
           </a:p>
         </p:txBody>
       </p:sp>
     </p:spTree>
+    <p:extLst>
+      <p:ext uri="{BB962C8B-B14F-4D97-AF65-F5344CB8AC3E}">
+        <p14:creationId xmlns:p14="http://schemas.microsoft.com/office/powerpoint/2010/main" val="3044741432"/>
+      </p:ext>
+    </p:extLst>
   </p:cSld>
   <p:clrMapOvr>
     <a:masterClrMapping/>
@@ -4105,7 +4311,7 @@
 </p:notes>
 </file>
 
-<file path=ppt/notesSlides/notesSlide30.xml><?xml version="1.0" encoding="utf-8"?>
+<file path=ppt/notesSlides/notesSlide31.xml><?xml version="1.0" encoding="utf-8"?>
 <p:notes xmlns:a="http://schemas.openxmlformats.org/drawingml/2006/main" xmlns:r="http://schemas.openxmlformats.org/officeDocument/2006/relationships" xmlns:p="http://schemas.openxmlformats.org/presentationml/2006/main" showMasterSp="0" showMasterPhAnim="0">
   <p:cSld>
     <p:spTree>
@@ -4478,7 +4684,7 @@
 </p:notes>
 </file>
 
-<file path=ppt/notesSlides/notesSlide31.xml><?xml version="1.0" encoding="utf-8"?>
+<file path=ppt/notesSlides/notesSlide32.xml><?xml version="1.0" encoding="utf-8"?>
 <p:notes xmlns:a="http://schemas.openxmlformats.org/drawingml/2006/main" xmlns:r="http://schemas.openxmlformats.org/officeDocument/2006/relationships" xmlns:p="http://schemas.openxmlformats.org/presentationml/2006/main" showMasterSp="0" showMasterPhAnim="0">
   <p:cSld>
     <p:spTree>
@@ -4591,7 +4797,7 @@
 </p:notes>
 </file>
 
-<file path=ppt/notesSlides/notesSlide32.xml><?xml version="1.0" encoding="utf-8"?>
+<file path=ppt/notesSlides/notesSlide33.xml><?xml version="1.0" encoding="utf-8"?>
 <p:notes xmlns:a="http://schemas.openxmlformats.org/drawingml/2006/main" xmlns:r="http://schemas.openxmlformats.org/officeDocument/2006/relationships" xmlns:p="http://schemas.openxmlformats.org/presentationml/2006/main" showMasterSp="0" showMasterPhAnim="0">
   <p:cSld>
     <p:spTree>
@@ -4700,7 +4906,7 @@
 </p:notes>
 </file>
 
-<file path=ppt/notesSlides/notesSlide33.xml><?xml version="1.0" encoding="utf-8"?>
+<file path=ppt/notesSlides/notesSlide34.xml><?xml version="1.0" encoding="utf-8"?>
 <p:notes xmlns:a="http://schemas.openxmlformats.org/drawingml/2006/main" xmlns:r="http://schemas.openxmlformats.org/officeDocument/2006/relationships" xmlns:p="http://schemas.openxmlformats.org/presentationml/2006/main" showMasterSp="0" showMasterPhAnim="0">
   <p:cSld>
     <p:spTree>
@@ -4813,7 +5019,7 @@
 </p:notes>
 </file>
 
-<file path=ppt/notesSlides/notesSlide34.xml><?xml version="1.0" encoding="utf-8"?>
+<file path=ppt/notesSlides/notesSlide35.xml><?xml version="1.0" encoding="utf-8"?>
 <p:notes xmlns:a="http://schemas.openxmlformats.org/drawingml/2006/main" xmlns:r="http://schemas.openxmlformats.org/officeDocument/2006/relationships" xmlns:p="http://schemas.openxmlformats.org/presentationml/2006/main" showMasterSp="0" showMasterPhAnim="0">
   <p:cSld>
     <p:spTree>
@@ -4922,7 +5128,7 @@
   <p:cSld>
     <p:spTree>
       <p:nvGrpSpPr>
-        <p:cNvPr id="1" name="Shape 1025"/>
+        <p:cNvPr id="1" name="Shape 582"/>
         <p:cNvGrpSpPr/>
         <p:nvPr/>
       </p:nvGrpSpPr>
@@ -4936,7 +5142,7 @@
       </p:grpSpPr>
       <p:sp>
         <p:nvSpPr>
-          <p:cNvPr id="1026" name="Google Shape;1026;gf6db99a42b_0_168:notes"/>
+          <p:cNvPr id="583" name="Google Shape;583;gf6db99a42b_0_146:notes"/>
           <p:cNvSpPr>
             <a:spLocks noGrp="1" noRot="1" noChangeAspect="1"/>
           </p:cNvSpPr>
@@ -4977,7 +5183,7 @@
       </p:sp>
       <p:sp>
         <p:nvSpPr>
-          <p:cNvPr id="1027" name="Google Shape;1027;gf6db99a42b_0_168:notes"/>
+          <p:cNvPr id="584" name="Google Shape;584;gf6db99a42b_0_146:notes"/>
           <p:cNvSpPr txBox="1">
             <a:spLocks noGrp="1"/>
           </p:cNvSpPr>
@@ -5009,7 +5215,7 @@
               </a:spcAft>
               <a:buNone/>
             </a:pPr>
-            <a:endParaRPr dirty="0"/>
+            <a:endParaRPr/>
           </a:p>
         </p:txBody>
       </p:sp>
@@ -5026,7 +5232,7 @@
   <p:cSld>
     <p:spTree>
       <p:nvGrpSpPr>
-        <p:cNvPr id="1" name="Shape 562"/>
+        <p:cNvPr id="1" name="Shape 1025"/>
         <p:cNvGrpSpPr/>
         <p:nvPr/>
       </p:nvGrpSpPr>
@@ -5040,7 +5246,7 @@
       </p:grpSpPr>
       <p:sp>
         <p:nvSpPr>
-          <p:cNvPr id="563" name="Google Shape;563;gf6db99a42b_0_125:notes"/>
+          <p:cNvPr id="1026" name="Google Shape;1026;gf6db99a42b_0_168:notes"/>
           <p:cNvSpPr>
             <a:spLocks noGrp="1" noRot="1" noChangeAspect="1"/>
           </p:cNvSpPr>
@@ -5081,7 +5287,7 @@
       </p:sp>
       <p:sp>
         <p:nvSpPr>
-          <p:cNvPr id="564" name="Google Shape;564;gf6db99a42b_0_125:notes"/>
+          <p:cNvPr id="1027" name="Google Shape;1027;gf6db99a42b_0_168:notes"/>
           <p:cNvSpPr txBox="1">
             <a:spLocks noGrp="1"/>
           </p:cNvSpPr>
@@ -5113,16 +5319,6 @@
               </a:spcAft>
               <a:buNone/>
             </a:pPr>
-            <a:r>
-              <a:rPr lang="fr-FR" b="0" i="0" dirty="0">
-                <a:solidFill>
-                  <a:srgbClr val="666666"/>
-                </a:solidFill>
-                <a:effectLst/>
-                <a:latin typeface="Helvetica" pitchFamily="2" charset="0"/>
-              </a:rPr>
-              <a:t>Google est une société du secteur internet qui propose un service de recherche sur le net. Il s'agit du moteur de recherche le plus utilisé dans le monde entier. Il propose des services de traduction dans plus de 100 langues, des définitions, la conversion de devises, des services de stockage et partage de données, une messagerie électronique, des outils de travail collaboratif interopérables avec d'autres outils..</a:t>
-            </a:r>
             <a:endParaRPr dirty="0"/>
           </a:p>
         </p:txBody>
@@ -5140,7 +5336,7 @@
   <p:cSld>
     <p:spTree>
       <p:nvGrpSpPr>
-        <p:cNvPr id="1" name="Shape 922"/>
+        <p:cNvPr id="1" name="Shape 562"/>
         <p:cNvGrpSpPr/>
         <p:nvPr/>
       </p:nvGrpSpPr>
@@ -5154,7 +5350,7 @@
       </p:grpSpPr>
       <p:sp>
         <p:nvSpPr>
-          <p:cNvPr id="923" name="Google Shape;923;gf8d8f7f297_0_36:notes"/>
+          <p:cNvPr id="563" name="Google Shape;563;gf6db99a42b_0_125:notes"/>
           <p:cNvSpPr>
             <a:spLocks noGrp="1" noRot="1" noChangeAspect="1"/>
           </p:cNvSpPr>
@@ -5195,6 +5391,120 @@
       </p:sp>
       <p:sp>
         <p:nvSpPr>
+          <p:cNvPr id="564" name="Google Shape;564;gf6db99a42b_0_125:notes"/>
+          <p:cNvSpPr txBox="1">
+            <a:spLocks noGrp="1"/>
+          </p:cNvSpPr>
+          <p:nvPr>
+            <p:ph type="body" idx="1"/>
+          </p:nvPr>
+        </p:nvSpPr>
+        <p:spPr>
+          <a:xfrm>
+            <a:off x="685800" y="4343400"/>
+            <a:ext cx="5486400" cy="4114800"/>
+          </a:xfrm>
+          <a:prstGeom prst="rect">
+            <a:avLst/>
+          </a:prstGeom>
+        </p:spPr>
+        <p:txBody>
+          <a:bodyPr spcFirstLastPara="1" wrap="square" lIns="91425" tIns="91425" rIns="91425" bIns="91425" anchor="t" anchorCtr="0">
+            <a:noAutofit/>
+          </a:bodyPr>
+          <a:lstStyle/>
+          <a:p>
+            <a:pPr marL="0" lvl="0" indent="0" algn="l" rtl="0">
+              <a:spcBef>
+                <a:spcPts val="0"/>
+              </a:spcBef>
+              <a:spcAft>
+                <a:spcPts val="0"/>
+              </a:spcAft>
+              <a:buNone/>
+            </a:pPr>
+            <a:r>
+              <a:rPr lang="fr-FR" b="0" i="0" dirty="0">
+                <a:solidFill>
+                  <a:srgbClr val="666666"/>
+                </a:solidFill>
+                <a:effectLst/>
+                <a:latin typeface="Helvetica" pitchFamily="2" charset="0"/>
+              </a:rPr>
+              <a:t>Google est une société du secteur internet qui propose un service de recherche sur le net. Il s'agit du moteur de recherche le plus utilisé dans le monde entier. Il propose des services de traduction dans plus de 100 langues, des définitions, la conversion de devises, des services de stockage et partage de données, une messagerie électronique, des outils de travail collaboratif interopérables avec d'autres outils..</a:t>
+            </a:r>
+            <a:endParaRPr dirty="0"/>
+          </a:p>
+        </p:txBody>
+      </p:sp>
+    </p:spTree>
+  </p:cSld>
+  <p:clrMapOvr>
+    <a:masterClrMapping/>
+  </p:clrMapOvr>
+</p:notes>
+</file>
+
+<file path=ppt/notesSlides/notesSlide7.xml><?xml version="1.0" encoding="utf-8"?>
+<p:notes xmlns:a="http://schemas.openxmlformats.org/drawingml/2006/main" xmlns:r="http://schemas.openxmlformats.org/officeDocument/2006/relationships" xmlns:p="http://schemas.openxmlformats.org/presentationml/2006/main" showMasterSp="0" showMasterPhAnim="0">
+  <p:cSld>
+    <p:spTree>
+      <p:nvGrpSpPr>
+        <p:cNvPr id="1" name="Shape 922"/>
+        <p:cNvGrpSpPr/>
+        <p:nvPr/>
+      </p:nvGrpSpPr>
+      <p:grpSpPr>
+        <a:xfrm>
+          <a:off x="0" y="0"/>
+          <a:ext cx="0" cy="0"/>
+          <a:chOff x="0" y="0"/>
+          <a:chExt cx="0" cy="0"/>
+        </a:xfrm>
+      </p:grpSpPr>
+      <p:sp>
+        <p:nvSpPr>
+          <p:cNvPr id="923" name="Google Shape;923;gf8d8f7f297_0_36:notes"/>
+          <p:cNvSpPr>
+            <a:spLocks noGrp="1" noRot="1" noChangeAspect="1"/>
+          </p:cNvSpPr>
+          <p:nvPr>
+            <p:ph type="sldImg" idx="2"/>
+          </p:nvPr>
+        </p:nvSpPr>
+        <p:spPr>
+          <a:xfrm>
+            <a:off x="381000" y="685800"/>
+            <a:ext cx="6096000" cy="3429000"/>
+          </a:xfrm>
+          <a:custGeom>
+            <a:avLst/>
+            <a:gdLst/>
+            <a:ahLst/>
+            <a:cxnLst/>
+            <a:rect l="l" t="t" r="r" b="b"/>
+            <a:pathLst>
+              <a:path w="120000" h="120000" extrusionOk="0">
+                <a:moveTo>
+                  <a:pt x="0" y="0"/>
+                </a:moveTo>
+                <a:lnTo>
+                  <a:pt x="120000" y="0"/>
+                </a:lnTo>
+                <a:lnTo>
+                  <a:pt x="120000" y="120000"/>
+                </a:lnTo>
+                <a:lnTo>
+                  <a:pt x="0" y="120000"/>
+                </a:lnTo>
+                <a:close/>
+              </a:path>
+            </a:pathLst>
+          </a:custGeom>
+        </p:spPr>
+      </p:sp>
+      <p:sp>
+        <p:nvSpPr>
           <p:cNvPr id="924" name="Google Shape;924;gf8d8f7f297_0_36:notes"/>
           <p:cNvSpPr txBox="1">
             <a:spLocks noGrp="1"/>
@@ -5279,7 +5589,7 @@
 </p:notes>
 </file>
 
-<file path=ppt/notesSlides/notesSlide7.xml><?xml version="1.0" encoding="utf-8"?>
+<file path=ppt/notesSlides/notesSlide8.xml><?xml version="1.0" encoding="utf-8"?>
 <p:notes xmlns:a="http://schemas.openxmlformats.org/drawingml/2006/main" xmlns:r="http://schemas.openxmlformats.org/officeDocument/2006/relationships" xmlns:p="http://schemas.openxmlformats.org/presentationml/2006/main" showMasterSp="0" showMasterPhAnim="0">
   <p:cSld>
     <p:spTree>
@@ -5479,7 +5789,7 @@
 </p:notes>
 </file>
 
-<file path=ppt/notesSlides/notesSlide8.xml><?xml version="1.0" encoding="utf-8"?>
+<file path=ppt/notesSlides/notesSlide9.xml><?xml version="1.0" encoding="utf-8"?>
 <p:notes xmlns:a="http://schemas.openxmlformats.org/drawingml/2006/main" xmlns:r="http://schemas.openxmlformats.org/officeDocument/2006/relationships" xmlns:p="http://schemas.openxmlformats.org/presentationml/2006/main" showMasterSp="0" showMasterPhAnim="0">
   <p:cSld>
     <p:spTree>
@@ -5678,110 +5988,6 @@
         <p14:creationId xmlns:p14="http://schemas.microsoft.com/office/powerpoint/2010/main" val="3159888540"/>
       </p:ext>
     </p:extLst>
-  </p:cSld>
-  <p:clrMapOvr>
-    <a:masterClrMapping/>
-  </p:clrMapOvr>
-</p:notes>
-</file>
-
-<file path=ppt/notesSlides/notesSlide9.xml><?xml version="1.0" encoding="utf-8"?>
-<p:notes xmlns:a="http://schemas.openxmlformats.org/drawingml/2006/main" xmlns:r="http://schemas.openxmlformats.org/officeDocument/2006/relationships" xmlns:p="http://schemas.openxmlformats.org/presentationml/2006/main" showMasterSp="0" showMasterPhAnim="0">
-  <p:cSld>
-    <p:spTree>
-      <p:nvGrpSpPr>
-        <p:cNvPr id="1" name="Shape 820"/>
-        <p:cNvGrpSpPr/>
-        <p:nvPr/>
-      </p:nvGrpSpPr>
-      <p:grpSpPr>
-        <a:xfrm>
-          <a:off x="0" y="0"/>
-          <a:ext cx="0" cy="0"/>
-          <a:chOff x="0" y="0"/>
-          <a:chExt cx="0" cy="0"/>
-        </a:xfrm>
-      </p:grpSpPr>
-      <p:sp>
-        <p:nvSpPr>
-          <p:cNvPr id="821" name="Google Shape;821;gf8d8f7f297_0_18917:notes"/>
-          <p:cNvSpPr>
-            <a:spLocks noGrp="1" noRot="1" noChangeAspect="1"/>
-          </p:cNvSpPr>
-          <p:nvPr>
-            <p:ph type="sldImg" idx="2"/>
-          </p:nvPr>
-        </p:nvSpPr>
-        <p:spPr>
-          <a:xfrm>
-            <a:off x="381000" y="685800"/>
-            <a:ext cx="6096000" cy="3429000"/>
-          </a:xfrm>
-          <a:custGeom>
-            <a:avLst/>
-            <a:gdLst/>
-            <a:ahLst/>
-            <a:cxnLst/>
-            <a:rect l="l" t="t" r="r" b="b"/>
-            <a:pathLst>
-              <a:path w="120000" h="120000" extrusionOk="0">
-                <a:moveTo>
-                  <a:pt x="0" y="0"/>
-                </a:moveTo>
-                <a:lnTo>
-                  <a:pt x="120000" y="0"/>
-                </a:lnTo>
-                <a:lnTo>
-                  <a:pt x="120000" y="120000"/>
-                </a:lnTo>
-                <a:lnTo>
-                  <a:pt x="0" y="120000"/>
-                </a:lnTo>
-                <a:close/>
-              </a:path>
-            </a:pathLst>
-          </a:custGeom>
-        </p:spPr>
-      </p:sp>
-      <p:sp>
-        <p:nvSpPr>
-          <p:cNvPr id="822" name="Google Shape;822;gf8d8f7f297_0_18917:notes"/>
-          <p:cNvSpPr txBox="1">
-            <a:spLocks noGrp="1"/>
-          </p:cNvSpPr>
-          <p:nvPr>
-            <p:ph type="body" idx="1"/>
-          </p:nvPr>
-        </p:nvSpPr>
-        <p:spPr>
-          <a:xfrm>
-            <a:off x="685800" y="4343400"/>
-            <a:ext cx="5486400" cy="4114800"/>
-          </a:xfrm>
-          <a:prstGeom prst="rect">
-            <a:avLst/>
-          </a:prstGeom>
-        </p:spPr>
-        <p:txBody>
-          <a:bodyPr spcFirstLastPara="1" wrap="square" lIns="91425" tIns="91425" rIns="91425" bIns="91425" anchor="t" anchorCtr="0">
-            <a:noAutofit/>
-          </a:bodyPr>
-          <a:lstStyle/>
-          <a:p>
-            <a:pPr marL="0" lvl="0" indent="0" algn="l" rtl="0">
-              <a:spcBef>
-                <a:spcPts val="0"/>
-              </a:spcBef>
-              <a:spcAft>
-                <a:spcPts val="0"/>
-              </a:spcAft>
-              <a:buNone/>
-            </a:pPr>
-            <a:endParaRPr dirty="0"/>
-          </a:p>
-        </p:txBody>
-      </p:sp>
-    </p:spTree>
   </p:cSld>
   <p:clrMapOvr>
     <a:masterClrMapping/>
@@ -28105,18 +28311,53 @@
               <a:buNone/>
             </a:pPr>
             <a:r>
-              <a:rPr lang="fr-FR" sz="4800" b="1" dirty="0">
+              <a:rPr lang="fr-CA" sz="4800" b="1" dirty="0">
+                <a:solidFill>
+                  <a:schemeClr val="tx2"/>
+                </a:solidFill>
+              </a:rPr>
+              <a:t>G</a:t>
+            </a:r>
+            <a:r>
+              <a:rPr lang="fr-CA" sz="4800" b="1" dirty="0">
+                <a:solidFill>
+                  <a:schemeClr val="accent2"/>
+                </a:solidFill>
+              </a:rPr>
+              <a:t>O</a:t>
+            </a:r>
+            <a:r>
+              <a:rPr lang="fr-CA" sz="4800" b="1" dirty="0">
+                <a:solidFill>
+                  <a:schemeClr val="accent1"/>
+                </a:solidFill>
+              </a:rPr>
+              <a:t>O</a:t>
+            </a:r>
+            <a:r>
+              <a:rPr lang="fr-CA" sz="4800" b="1" dirty="0">
+                <a:solidFill>
+                  <a:schemeClr val="tx2"/>
+                </a:solidFill>
+              </a:rPr>
+              <a:t>G</a:t>
+            </a:r>
+            <a:r>
+              <a:rPr lang="fr-CA" sz="4800" b="1" dirty="0">
                 <a:solidFill>
                   <a:schemeClr val="accent3"/>
                 </a:solidFill>
               </a:rPr>
-              <a:t>Google</a:t>
+              <a:t>L</a:t>
             </a:r>
-            <a:endParaRPr sz="4800" b="1" dirty="0">
-              <a:solidFill>
-                <a:schemeClr val="accent3"/>
-              </a:solidFill>
-            </a:endParaRPr>
+            <a:r>
+              <a:rPr lang="fr-CA" sz="4800" b="1" dirty="0">
+                <a:solidFill>
+                  <a:schemeClr val="accent2"/>
+                </a:solidFill>
+              </a:rPr>
+              <a:t>E</a:t>
+            </a:r>
           </a:p>
         </p:txBody>
       </p:sp>
@@ -28163,6 +28404,468 @@
 </file>
 
 <file path=ppt/slides/slide10.xml><?xml version="1.0" encoding="utf-8"?>
+<p:sld xmlns:a="http://schemas.openxmlformats.org/drawingml/2006/main" xmlns:r="http://schemas.openxmlformats.org/officeDocument/2006/relationships" xmlns:p="http://schemas.openxmlformats.org/presentationml/2006/main">
+  <p:cSld>
+    <p:bg>
+      <p:bgPr>
+        <a:solidFill>
+          <a:schemeClr val="bg1"/>
+        </a:solidFill>
+        <a:effectLst/>
+      </p:bgPr>
+    </p:bg>
+    <p:spTree>
+      <p:nvGrpSpPr>
+        <p:cNvPr id="1" name="Shape 823"/>
+        <p:cNvGrpSpPr/>
+        <p:nvPr/>
+      </p:nvGrpSpPr>
+      <p:grpSpPr>
+        <a:xfrm>
+          <a:off x="0" y="0"/>
+          <a:ext cx="0" cy="0"/>
+          <a:chOff x="0" y="0"/>
+          <a:chExt cx="0" cy="0"/>
+        </a:xfrm>
+      </p:grpSpPr>
+      <p:sp>
+        <p:nvSpPr>
+          <p:cNvPr id="11" name="Rectangle 10">
+            <a:extLst>
+              <a:ext uri="{FF2B5EF4-FFF2-40B4-BE49-F238E27FC236}">
+                <a16:creationId xmlns:a16="http://schemas.microsoft.com/office/drawing/2014/main" id="{24DC510F-8550-4DE1-9589-A0A30BD6D4FE}"/>
+              </a:ext>
+            </a:extLst>
+          </p:cNvPr>
+          <p:cNvSpPr/>
+          <p:nvPr/>
+        </p:nvSpPr>
+        <p:spPr>
+          <a:xfrm>
+            <a:off x="2368418" y="220627"/>
+            <a:ext cx="4729163" cy="714547"/>
+          </a:xfrm>
+          <a:prstGeom prst="rect">
+            <a:avLst/>
+          </a:prstGeom>
+          <a:solidFill>
+            <a:schemeClr val="accent3"/>
+          </a:solidFill>
+          <a:ln>
+            <a:noFill/>
+          </a:ln>
+        </p:spPr>
+        <p:style>
+          <a:lnRef idx="2">
+            <a:schemeClr val="accent1">
+              <a:shade val="50000"/>
+            </a:schemeClr>
+          </a:lnRef>
+          <a:fillRef idx="1">
+            <a:schemeClr val="accent1"/>
+          </a:fillRef>
+          <a:effectRef idx="0">
+            <a:schemeClr val="accent1"/>
+          </a:effectRef>
+          <a:fontRef idx="minor">
+            <a:schemeClr val="lt1"/>
+          </a:fontRef>
+        </p:style>
+        <p:txBody>
+          <a:bodyPr rtlCol="0" anchor="ctr"/>
+          <a:lstStyle/>
+          <a:p>
+            <a:pPr algn="ctr"/>
+            <a:endParaRPr lang="fr-CA"/>
+          </a:p>
+        </p:txBody>
+      </p:sp>
+      <p:sp>
+        <p:nvSpPr>
+          <p:cNvPr id="15" name="Google Shape;572;p42">
+            <a:extLst>
+              <a:ext uri="{FF2B5EF4-FFF2-40B4-BE49-F238E27FC236}">
+                <a16:creationId xmlns:a16="http://schemas.microsoft.com/office/drawing/2014/main" id="{F069F2F9-FEEA-451E-A8A1-7579C5EF3EA3}"/>
+              </a:ext>
+            </a:extLst>
+          </p:cNvPr>
+          <p:cNvSpPr txBox="1">
+            <a:spLocks noGrp="1"/>
+          </p:cNvSpPr>
+          <p:nvPr>
+            <p:ph type="title"/>
+          </p:nvPr>
+        </p:nvSpPr>
+        <p:spPr>
+          <a:xfrm>
+            <a:off x="881000" y="316475"/>
+            <a:ext cx="7704000" cy="572700"/>
+          </a:xfrm>
+          <a:prstGeom prst="rect">
+            <a:avLst/>
+          </a:prstGeom>
+        </p:spPr>
+        <p:txBody>
+          <a:bodyPr spcFirstLastPara="1" wrap="square" lIns="91425" tIns="91425" rIns="91425" bIns="91425" anchor="ctr" anchorCtr="0">
+            <a:noAutofit/>
+          </a:bodyPr>
+          <a:lstStyle/>
+          <a:p>
+            <a:pPr marL="0" lvl="0" indent="0" algn="ctr" rtl="0">
+              <a:spcBef>
+                <a:spcPts val="0"/>
+              </a:spcBef>
+              <a:spcAft>
+                <a:spcPts val="0"/>
+              </a:spcAft>
+              <a:buNone/>
+            </a:pPr>
+            <a:r>
+              <a:rPr lang="fr-CA" sz="3200" dirty="0">
+                <a:solidFill>
+                  <a:schemeClr val="bg1"/>
+                </a:solidFill>
+              </a:rPr>
+              <a:t>Titre</a:t>
+            </a:r>
+            <a:endParaRPr sz="3200" dirty="0">
+              <a:solidFill>
+                <a:schemeClr val="bg1"/>
+              </a:solidFill>
+            </a:endParaRPr>
+          </a:p>
+        </p:txBody>
+      </p:sp>
+      <p:sp>
+        <p:nvSpPr>
+          <p:cNvPr id="23" name="Google Shape;1032;p65">
+            <a:extLst>
+              <a:ext uri="{FF2B5EF4-FFF2-40B4-BE49-F238E27FC236}">
+                <a16:creationId xmlns:a16="http://schemas.microsoft.com/office/drawing/2014/main" id="{3CBE39BB-890F-4EA1-A186-A71CB71B949A}"/>
+              </a:ext>
+            </a:extLst>
+          </p:cNvPr>
+          <p:cNvSpPr/>
+          <p:nvPr/>
+        </p:nvSpPr>
+        <p:spPr>
+          <a:xfrm>
+            <a:off x="559000" y="-3025"/>
+            <a:ext cx="1098000" cy="639000"/>
+          </a:xfrm>
+          <a:prstGeom prst="rect">
+            <a:avLst/>
+          </a:prstGeom>
+          <a:solidFill>
+            <a:schemeClr val="accent4"/>
+          </a:solidFill>
+          <a:ln>
+            <a:noFill/>
+          </a:ln>
+          <a:effectLst>
+            <a:outerShdw blurRad="157163" dist="95250" dir="3000000" algn="bl" rotWithShape="0">
+              <a:schemeClr val="dk1">
+                <a:alpha val="58999"/>
+              </a:schemeClr>
+            </a:outerShdw>
+          </a:effectLst>
+        </p:spPr>
+        <p:txBody>
+          <a:bodyPr spcFirstLastPara="1" wrap="square" lIns="91425" tIns="91425" rIns="91425" bIns="91425" anchor="ctr" anchorCtr="0">
+            <a:noAutofit/>
+          </a:bodyPr>
+          <a:lstStyle/>
+          <a:p>
+            <a:pPr marL="0" marR="0" lvl="0" indent="0" algn="l" rtl="0">
+              <a:lnSpc>
+                <a:spcPct val="100000"/>
+              </a:lnSpc>
+              <a:spcBef>
+                <a:spcPts val="0"/>
+              </a:spcBef>
+              <a:spcAft>
+                <a:spcPts val="0"/>
+              </a:spcAft>
+              <a:buNone/>
+            </a:pPr>
+            <a:endParaRPr dirty="0"/>
+          </a:p>
+        </p:txBody>
+      </p:sp>
+      <p:sp>
+        <p:nvSpPr>
+          <p:cNvPr id="24" name="Google Shape;1033;p65">
+            <a:extLst>
+              <a:ext uri="{FF2B5EF4-FFF2-40B4-BE49-F238E27FC236}">
+                <a16:creationId xmlns:a16="http://schemas.microsoft.com/office/drawing/2014/main" id="{39CA51AA-0207-4B03-B886-CF4609D8605C}"/>
+              </a:ext>
+            </a:extLst>
+          </p:cNvPr>
+          <p:cNvSpPr/>
+          <p:nvPr/>
+        </p:nvSpPr>
+        <p:spPr>
+          <a:xfrm rot="5400000">
+            <a:off x="-229950" y="223025"/>
+            <a:ext cx="1098000" cy="645900"/>
+          </a:xfrm>
+          <a:prstGeom prst="rect">
+            <a:avLst/>
+          </a:prstGeom>
+          <a:solidFill>
+            <a:schemeClr val="accent2"/>
+          </a:solidFill>
+          <a:ln>
+            <a:noFill/>
+          </a:ln>
+          <a:effectLst>
+            <a:outerShdw blurRad="157163" dist="95250" dir="3000000" algn="bl" rotWithShape="0">
+              <a:schemeClr val="dk1">
+                <a:alpha val="58999"/>
+              </a:schemeClr>
+            </a:outerShdw>
+          </a:effectLst>
+        </p:spPr>
+        <p:txBody>
+          <a:bodyPr spcFirstLastPara="1" wrap="square" lIns="91425" tIns="91425" rIns="91425" bIns="91425" anchor="ctr" anchorCtr="0">
+            <a:noAutofit/>
+          </a:bodyPr>
+          <a:lstStyle/>
+          <a:p>
+            <a:pPr marL="0" marR="0" lvl="0" indent="0" algn="l" rtl="0">
+              <a:lnSpc>
+                <a:spcPct val="100000"/>
+              </a:lnSpc>
+              <a:spcBef>
+                <a:spcPts val="0"/>
+              </a:spcBef>
+              <a:spcAft>
+                <a:spcPts val="0"/>
+              </a:spcAft>
+              <a:buNone/>
+            </a:pPr>
+            <a:endParaRPr/>
+          </a:p>
+        </p:txBody>
+      </p:sp>
+      <p:sp>
+        <p:nvSpPr>
+          <p:cNvPr id="25" name="Google Shape;1035;p65">
+            <a:extLst>
+              <a:ext uri="{FF2B5EF4-FFF2-40B4-BE49-F238E27FC236}">
+                <a16:creationId xmlns:a16="http://schemas.microsoft.com/office/drawing/2014/main" id="{A218B1DA-BF50-46A7-8D18-83A6729D2EBF}"/>
+              </a:ext>
+            </a:extLst>
+          </p:cNvPr>
+          <p:cNvSpPr/>
+          <p:nvPr/>
+        </p:nvSpPr>
+        <p:spPr>
+          <a:xfrm rot="5400000">
+            <a:off x="945150" y="3599000"/>
+            <a:ext cx="591300" cy="2511000"/>
+          </a:xfrm>
+          <a:prstGeom prst="rect">
+            <a:avLst/>
+          </a:prstGeom>
+          <a:solidFill>
+            <a:schemeClr val="lt2"/>
+          </a:solidFill>
+          <a:ln>
+            <a:noFill/>
+          </a:ln>
+          <a:effectLst>
+            <a:outerShdw blurRad="157163" dist="95250" dir="3000000" algn="bl" rotWithShape="0">
+              <a:schemeClr val="dk1">
+                <a:alpha val="58999"/>
+              </a:schemeClr>
+            </a:outerShdw>
+          </a:effectLst>
+        </p:spPr>
+        <p:txBody>
+          <a:bodyPr spcFirstLastPara="1" wrap="square" lIns="91425" tIns="91425" rIns="91425" bIns="91425" anchor="ctr" anchorCtr="0">
+            <a:noAutofit/>
+          </a:bodyPr>
+          <a:lstStyle/>
+          <a:p>
+            <a:pPr marL="0" marR="0" lvl="0" indent="0" algn="l" rtl="0">
+              <a:lnSpc>
+                <a:spcPct val="100000"/>
+              </a:lnSpc>
+              <a:spcBef>
+                <a:spcPts val="0"/>
+              </a:spcBef>
+              <a:spcAft>
+                <a:spcPts val="0"/>
+              </a:spcAft>
+              <a:buNone/>
+            </a:pPr>
+            <a:endParaRPr/>
+          </a:p>
+        </p:txBody>
+      </p:sp>
+      <p:sp>
+        <p:nvSpPr>
+          <p:cNvPr id="26" name="Google Shape;1036;p65">
+            <a:extLst>
+              <a:ext uri="{FF2B5EF4-FFF2-40B4-BE49-F238E27FC236}">
+                <a16:creationId xmlns:a16="http://schemas.microsoft.com/office/drawing/2014/main" id="{B0E37A69-43E2-4855-A8F7-B1E3FAB9886A}"/>
+              </a:ext>
+            </a:extLst>
+          </p:cNvPr>
+          <p:cNvSpPr/>
+          <p:nvPr/>
+        </p:nvSpPr>
+        <p:spPr>
+          <a:xfrm>
+            <a:off x="71894" y="3913005"/>
+            <a:ext cx="453300" cy="453300"/>
+          </a:xfrm>
+          <a:prstGeom prst="ellipse">
+            <a:avLst/>
+          </a:prstGeom>
+          <a:solidFill>
+            <a:schemeClr val="accent1"/>
+          </a:solidFill>
+          <a:ln>
+            <a:noFill/>
+          </a:ln>
+          <a:effectLst>
+            <a:outerShdw blurRad="157163" dist="95250" dir="3000000" algn="bl" rotWithShape="0">
+              <a:schemeClr val="dk1">
+                <a:alpha val="58999"/>
+              </a:schemeClr>
+            </a:outerShdw>
+          </a:effectLst>
+        </p:spPr>
+        <p:txBody>
+          <a:bodyPr spcFirstLastPara="1" wrap="square" lIns="91425" tIns="91425" rIns="91425" bIns="91425" anchor="ctr" anchorCtr="0">
+            <a:noAutofit/>
+          </a:bodyPr>
+          <a:lstStyle/>
+          <a:p>
+            <a:pPr marL="0" marR="0" lvl="0" indent="0" algn="l" rtl="0">
+              <a:lnSpc>
+                <a:spcPct val="100000"/>
+              </a:lnSpc>
+              <a:spcBef>
+                <a:spcPts val="0"/>
+              </a:spcBef>
+              <a:spcAft>
+                <a:spcPts val="0"/>
+              </a:spcAft>
+              <a:buNone/>
+            </a:pPr>
+            <a:endParaRPr/>
+          </a:p>
+        </p:txBody>
+      </p:sp>
+      <p:sp>
+        <p:nvSpPr>
+          <p:cNvPr id="12" name="ZoneTexte 11">
+            <a:extLst>
+              <a:ext uri="{FF2B5EF4-FFF2-40B4-BE49-F238E27FC236}">
+                <a16:creationId xmlns:a16="http://schemas.microsoft.com/office/drawing/2014/main" id="{5AC714F6-9C54-484F-8333-AC2B4680F8B9}"/>
+              </a:ext>
+            </a:extLst>
+          </p:cNvPr>
+          <p:cNvSpPr txBox="1"/>
+          <p:nvPr/>
+        </p:nvSpPr>
+        <p:spPr>
+          <a:xfrm>
+            <a:off x="165213" y="4741606"/>
+            <a:ext cx="358355" cy="317091"/>
+          </a:xfrm>
+          <a:prstGeom prst="rect">
+            <a:avLst/>
+          </a:prstGeom>
+          <a:solidFill>
+            <a:schemeClr val="accent2"/>
+          </a:solidFill>
+        </p:spPr>
+        <p:txBody>
+          <a:bodyPr wrap="square" rtlCol="0">
+            <a:spAutoFit/>
+          </a:bodyPr>
+          <a:lstStyle/>
+          <a:p>
+            <a:r>
+              <a:rPr lang="fr-CA" dirty="0"/>
+              <a:t>8</a:t>
+            </a:r>
+          </a:p>
+        </p:txBody>
+      </p:sp>
+      <p:pic>
+        <p:nvPicPr>
+          <p:cNvPr id="3" name="Picture 2">
+            <a:extLst>
+              <a:ext uri="{FF2B5EF4-FFF2-40B4-BE49-F238E27FC236}">
+                <a16:creationId xmlns:a16="http://schemas.microsoft.com/office/drawing/2014/main" id="{CEECAE87-0FCE-4E66-99B6-4CD9B284A1C2}"/>
+              </a:ext>
+            </a:extLst>
+          </p:cNvPr>
+          <p:cNvPicPr>
+            <a:picLocks noChangeAspect="1"/>
+          </p:cNvPicPr>
+          <p:nvPr/>
+        </p:nvPicPr>
+        <p:blipFill>
+          <a:blip r:embed="rId3"/>
+          <a:stretch>
+            <a:fillRect/>
+          </a:stretch>
+        </p:blipFill>
+        <p:spPr>
+          <a:xfrm>
+            <a:off x="6169030" y="1479017"/>
+            <a:ext cx="2070294" cy="2106848"/>
+          </a:xfrm>
+          <a:prstGeom prst="rect">
+            <a:avLst/>
+          </a:prstGeom>
+        </p:spPr>
+      </p:pic>
+      <p:pic>
+        <p:nvPicPr>
+          <p:cNvPr id="5" name="Picture 4">
+            <a:extLst>
+              <a:ext uri="{FF2B5EF4-FFF2-40B4-BE49-F238E27FC236}">
+                <a16:creationId xmlns:a16="http://schemas.microsoft.com/office/drawing/2014/main" id="{AB8E7943-5F5B-4AF4-9906-70FFD53857C0}"/>
+              </a:ext>
+            </a:extLst>
+          </p:cNvPr>
+          <p:cNvPicPr>
+            <a:picLocks noChangeAspect="1"/>
+          </p:cNvPicPr>
+          <p:nvPr/>
+        </p:nvPicPr>
+        <p:blipFill>
+          <a:blip r:embed="rId3"/>
+          <a:stretch>
+            <a:fillRect/>
+          </a:stretch>
+        </p:blipFill>
+        <p:spPr>
+          <a:xfrm>
+            <a:off x="1108000" y="1518324"/>
+            <a:ext cx="2070295" cy="2106849"/>
+          </a:xfrm>
+          <a:prstGeom prst="rect">
+            <a:avLst/>
+          </a:prstGeom>
+        </p:spPr>
+      </p:pic>
+    </p:spTree>
+  </p:cSld>
+  <p:clrMapOvr>
+    <a:masterClrMapping/>
+  </p:clrMapOvr>
+</p:sld>
+</file>
+
+<file path=ppt/slides/slide11.xml><?xml version="1.0" encoding="utf-8"?>
 <p:sld xmlns:a="http://schemas.openxmlformats.org/drawingml/2006/main" xmlns:r="http://schemas.openxmlformats.org/officeDocument/2006/relationships" xmlns:p="http://schemas.openxmlformats.org/presentationml/2006/main">
   <p:cSld>
     <p:bg>
@@ -28735,7 +29438,7 @@
 </p:sld>
 </file>
 
-<file path=ppt/slides/slide11.xml><?xml version="1.0" encoding="utf-8"?>
+<file path=ppt/slides/slide12.xml><?xml version="1.0" encoding="utf-8"?>
 <p:sld xmlns:a="http://schemas.openxmlformats.org/drawingml/2006/main" xmlns:r="http://schemas.openxmlformats.org/officeDocument/2006/relationships" xmlns:p="http://schemas.openxmlformats.org/presentationml/2006/main">
   <p:cSld>
     <p:spTree>
@@ -28961,7 +29664,7 @@
 </p:sld>
 </file>
 
-<file path=ppt/slides/slide12.xml><?xml version="1.0" encoding="utf-8"?>
+<file path=ppt/slides/slide13.xml><?xml version="1.0" encoding="utf-8"?>
 <p:sld xmlns:a="http://schemas.openxmlformats.org/drawingml/2006/main" xmlns:r="http://schemas.openxmlformats.org/officeDocument/2006/relationships" xmlns:p="http://schemas.openxmlformats.org/presentationml/2006/main">
   <p:cSld>
     <p:spTree>
@@ -29119,7 +29822,7 @@
 </p:sld>
 </file>
 
-<file path=ppt/slides/slide13.xml><?xml version="1.0" encoding="utf-8"?>
+<file path=ppt/slides/slide14.xml><?xml version="1.0" encoding="utf-8"?>
 <p:sld xmlns:a="http://schemas.openxmlformats.org/drawingml/2006/main" xmlns:r="http://schemas.openxmlformats.org/officeDocument/2006/relationships" xmlns:p="http://schemas.openxmlformats.org/presentationml/2006/main">
   <p:cSld>
     <p:bg>
@@ -32488,293 +33191,6 @@
 </p:sld>
 </file>
 
-<file path=ppt/slides/slide14.xml><?xml version="1.0" encoding="utf-8"?>
-<p:sld xmlns:a="http://schemas.openxmlformats.org/drawingml/2006/main" xmlns:r="http://schemas.openxmlformats.org/officeDocument/2006/relationships" xmlns:p="http://schemas.openxmlformats.org/presentationml/2006/main">
-  <p:cSld>
-    <p:spTree>
-      <p:nvGrpSpPr>
-        <p:cNvPr id="1" name="Shape 992"/>
-        <p:cNvGrpSpPr/>
-        <p:nvPr/>
-      </p:nvGrpSpPr>
-      <p:grpSpPr>
-        <a:xfrm>
-          <a:off x="0" y="0"/>
-          <a:ext cx="0" cy="0"/>
-          <a:chOff x="0" y="0"/>
-          <a:chExt cx="0" cy="0"/>
-        </a:xfrm>
-      </p:grpSpPr>
-      <p:sp>
-        <p:nvSpPr>
-          <p:cNvPr id="993" name="Google Shape;993;p64"/>
-          <p:cNvSpPr txBox="1">
-            <a:spLocks noGrp="1"/>
-          </p:cNvSpPr>
-          <p:nvPr>
-            <p:ph type="title"/>
-          </p:nvPr>
-        </p:nvSpPr>
-        <p:spPr>
-          <a:xfrm>
-            <a:off x="1791036" y="1966332"/>
-            <a:ext cx="2015400" cy="527700"/>
-          </a:xfrm>
-          <a:prstGeom prst="rect">
-            <a:avLst/>
-          </a:prstGeom>
-        </p:spPr>
-        <p:txBody>
-          <a:bodyPr spcFirstLastPara="1" wrap="square" lIns="91425" tIns="91425" rIns="91425" bIns="91425" anchor="ctr" anchorCtr="0">
-            <a:noAutofit/>
-          </a:bodyPr>
-          <a:lstStyle/>
-          <a:p>
-            <a:pPr marL="0" lvl="0" indent="0" algn="ctr" rtl="0">
-              <a:spcBef>
-                <a:spcPts val="0"/>
-              </a:spcBef>
-              <a:spcAft>
-                <a:spcPts val="0"/>
-              </a:spcAft>
-              <a:buNone/>
-            </a:pPr>
-            <a:r>
-              <a:rPr lang="en" dirty="0"/>
-              <a:t>Sous</a:t>
-            </a:r>
-            <a:endParaRPr dirty="0"/>
-          </a:p>
-        </p:txBody>
-      </p:sp>
-      <p:sp>
-        <p:nvSpPr>
-          <p:cNvPr id="994" name="Google Shape;994;p64"/>
-          <p:cNvSpPr txBox="1">
-            <a:spLocks noGrp="1"/>
-          </p:cNvSpPr>
-          <p:nvPr>
-            <p:ph type="subTitle" idx="1"/>
-          </p:nvPr>
-        </p:nvSpPr>
-        <p:spPr>
-          <a:xfrm>
-            <a:off x="940245" y="2571750"/>
-            <a:ext cx="3496583" cy="467400"/>
-          </a:xfrm>
-          <a:prstGeom prst="rect">
-            <a:avLst/>
-          </a:prstGeom>
-        </p:spPr>
-        <p:txBody>
-          <a:bodyPr spcFirstLastPara="1" wrap="square" lIns="91425" tIns="91425" rIns="91425" bIns="91425" anchor="ctr" anchorCtr="0">
-            <a:noAutofit/>
-          </a:bodyPr>
-          <a:lstStyle/>
-          <a:p>
-            <a:pPr marL="285750" lvl="0" indent="-285750" algn="l" rtl="0">
-              <a:spcBef>
-                <a:spcPts val="0"/>
-              </a:spcBef>
-              <a:spcAft>
-                <a:spcPts val="0"/>
-              </a:spcAft>
-              <a:buFont typeface="Arial" panose="020B0604020202020204" pitchFamily="34" charset="0"/>
-              <a:buChar char="•"/>
-            </a:pPr>
-            <a:r>
-              <a:rPr lang="fr-CA" sz="1600" dirty="0">
-                <a:effectLst/>
-                <a:latin typeface="+mn-lt"/>
-                <a:ea typeface="Calibri" panose="020F0502020204030204" pitchFamily="34" charset="0"/>
-                <a:cs typeface="Times New Roman" panose="02020603050405020304" pitchFamily="18" charset="0"/>
-              </a:rPr>
-              <a:t>Details</a:t>
-            </a:r>
-            <a:endParaRPr sz="1200" dirty="0">
-              <a:latin typeface="+mn-lt"/>
-            </a:endParaRPr>
-          </a:p>
-        </p:txBody>
-      </p:sp>
-      <p:sp>
-        <p:nvSpPr>
-          <p:cNvPr id="997" name="Google Shape;997;p64"/>
-          <p:cNvSpPr txBox="1">
-            <a:spLocks noGrp="1"/>
-          </p:cNvSpPr>
-          <p:nvPr>
-            <p:ph type="title" idx="4"/>
-          </p:nvPr>
-        </p:nvSpPr>
-        <p:spPr>
-          <a:xfrm>
-            <a:off x="4971796" y="1966332"/>
-            <a:ext cx="2015400" cy="527700"/>
-          </a:xfrm>
-          <a:prstGeom prst="rect">
-            <a:avLst/>
-          </a:prstGeom>
-        </p:spPr>
-        <p:txBody>
-          <a:bodyPr spcFirstLastPara="1" wrap="square" lIns="91425" tIns="91425" rIns="91425" bIns="91425" anchor="ctr" anchorCtr="0">
-            <a:noAutofit/>
-          </a:bodyPr>
-          <a:lstStyle/>
-          <a:p>
-            <a:pPr marL="0" lvl="0" indent="0" algn="ctr" rtl="0">
-              <a:spcBef>
-                <a:spcPts val="0"/>
-              </a:spcBef>
-              <a:spcAft>
-                <a:spcPts val="0"/>
-              </a:spcAft>
-              <a:buNone/>
-            </a:pPr>
-            <a:r>
-              <a:rPr lang="en" dirty="0"/>
-              <a:t>Sous</a:t>
-            </a:r>
-            <a:endParaRPr dirty="0"/>
-          </a:p>
-        </p:txBody>
-      </p:sp>
-      <p:sp>
-        <p:nvSpPr>
-          <p:cNvPr id="998" name="Google Shape;998;p64"/>
-          <p:cNvSpPr txBox="1">
-            <a:spLocks noGrp="1"/>
-          </p:cNvSpPr>
-          <p:nvPr>
-            <p:ph type="subTitle" idx="5"/>
-          </p:nvPr>
-        </p:nvSpPr>
-        <p:spPr>
-          <a:xfrm>
-            <a:off x="4360884" y="2805450"/>
-            <a:ext cx="4063116" cy="467400"/>
-          </a:xfrm>
-          <a:prstGeom prst="rect">
-            <a:avLst/>
-          </a:prstGeom>
-        </p:spPr>
-        <p:txBody>
-          <a:bodyPr spcFirstLastPara="1" wrap="square" lIns="91425" tIns="91425" rIns="91425" bIns="91425" anchor="ctr" anchorCtr="0">
-            <a:noAutofit/>
-          </a:bodyPr>
-          <a:lstStyle/>
-          <a:p>
-            <a:pPr marL="285750" lvl="0" indent="-285750" algn="l" rtl="0">
-              <a:spcBef>
-                <a:spcPts val="0"/>
-              </a:spcBef>
-              <a:spcAft>
-                <a:spcPts val="0"/>
-              </a:spcAft>
-              <a:buFont typeface="Arial" panose="020B0604020202020204" pitchFamily="34" charset="0"/>
-              <a:buChar char="•"/>
-            </a:pPr>
-            <a:r>
-              <a:rPr lang="fr-FR" sz="1600" dirty="0">
-                <a:solidFill>
-                  <a:schemeClr val="bg1"/>
-                </a:solidFill>
-                <a:effectLst/>
-                <a:latin typeface="+mn-lt"/>
-                <a:ea typeface="Calibri" panose="020F0502020204030204" pitchFamily="34" charset="0"/>
-              </a:rPr>
-              <a:t>Details</a:t>
-            </a:r>
-          </a:p>
-        </p:txBody>
-      </p:sp>
-      <p:sp>
-        <p:nvSpPr>
-          <p:cNvPr id="1001" name="Google Shape;1001;p64"/>
-          <p:cNvSpPr txBox="1">
-            <a:spLocks noGrp="1"/>
-          </p:cNvSpPr>
-          <p:nvPr>
-            <p:ph type="title" idx="8"/>
-          </p:nvPr>
-        </p:nvSpPr>
-        <p:spPr>
-          <a:xfrm>
-            <a:off x="720000" y="445025"/>
-            <a:ext cx="7704000" cy="572700"/>
-          </a:xfrm>
-          <a:prstGeom prst="rect">
-            <a:avLst/>
-          </a:prstGeom>
-        </p:spPr>
-        <p:txBody>
-          <a:bodyPr spcFirstLastPara="1" wrap="square" lIns="91425" tIns="91425" rIns="91425" bIns="91425" anchor="ctr" anchorCtr="0">
-            <a:noAutofit/>
-          </a:bodyPr>
-          <a:lstStyle/>
-          <a:p>
-            <a:pPr marL="0" lvl="0" indent="0" algn="ctr" rtl="0">
-              <a:spcBef>
-                <a:spcPts val="0"/>
-              </a:spcBef>
-              <a:spcAft>
-                <a:spcPts val="0"/>
-              </a:spcAft>
-              <a:buNone/>
-            </a:pPr>
-            <a:r>
-              <a:rPr lang="en" dirty="0"/>
-              <a:t>Titre</a:t>
-            </a:r>
-            <a:endParaRPr dirty="0"/>
-          </a:p>
-        </p:txBody>
-      </p:sp>
-      <p:sp>
-        <p:nvSpPr>
-          <p:cNvPr id="7" name="ZoneTexte 6">
-            <a:extLst>
-              <a:ext uri="{FF2B5EF4-FFF2-40B4-BE49-F238E27FC236}">
-                <a16:creationId xmlns:a16="http://schemas.microsoft.com/office/drawing/2014/main" id="{CE50DD3C-1163-40CA-803D-4111F731491E}"/>
-              </a:ext>
-            </a:extLst>
-          </p:cNvPr>
-          <p:cNvSpPr txBox="1"/>
-          <p:nvPr/>
-        </p:nvSpPr>
-        <p:spPr>
-          <a:xfrm>
-            <a:off x="165213" y="4741606"/>
-            <a:ext cx="409974" cy="307777"/>
-          </a:xfrm>
-          <a:prstGeom prst="rect">
-            <a:avLst/>
-          </a:prstGeom>
-          <a:solidFill>
-            <a:schemeClr val="accent2"/>
-          </a:solidFill>
-        </p:spPr>
-        <p:txBody>
-          <a:bodyPr wrap="square" rtlCol="0">
-            <a:spAutoFit/>
-          </a:bodyPr>
-          <a:lstStyle/>
-          <a:p>
-            <a:r>
-              <a:rPr lang="fr-CA" dirty="0"/>
-              <a:t>13</a:t>
-            </a:r>
-          </a:p>
-        </p:txBody>
-      </p:sp>
-    </p:spTree>
-  </p:cSld>
-  <p:clrMapOvr>
-    <a:masterClrMapping/>
-  </p:clrMapOvr>
-</p:sld>
-</file>
-
 <file path=ppt/slides/slide15.xml><?xml version="1.0" encoding="utf-8"?>
 <p:sld xmlns:a="http://schemas.openxmlformats.org/drawingml/2006/main" xmlns:r="http://schemas.openxmlformats.org/officeDocument/2006/relationships" xmlns:p="http://schemas.openxmlformats.org/presentationml/2006/main">
   <p:cSld>
@@ -32804,7 +33220,7 @@
         </p:nvSpPr>
         <p:spPr>
           <a:xfrm>
-            <a:off x="1733762" y="1839471"/>
+            <a:off x="1791036" y="1966332"/>
             <a:ext cx="2015400" cy="527700"/>
           </a:xfrm>
           <a:prstGeom prst="rect">
@@ -32846,8 +33262,8 @@
         </p:nvSpPr>
         <p:spPr>
           <a:xfrm>
-            <a:off x="829174" y="2197914"/>
-            <a:ext cx="3824577" cy="2672140"/>
+            <a:off x="940245" y="2571750"/>
+            <a:ext cx="3496583" cy="467400"/>
           </a:xfrm>
           <a:prstGeom prst="rect">
             <a:avLst/>
@@ -32859,15 +33275,23 @@
           </a:bodyPr>
           <a:lstStyle/>
           <a:p>
-            <a:pPr marL="285750" indent="-285750" algn="l">
-              <a:lnSpc>
-                <a:spcPct val="200000"/>
-              </a:lnSpc>
+            <a:pPr marL="285750" lvl="0" indent="-285750" algn="l" rtl="0">
+              <a:spcBef>
+                <a:spcPts val="0"/>
+              </a:spcBef>
+              <a:spcAft>
+                <a:spcPts val="0"/>
+              </a:spcAft>
               <a:buFont typeface="Arial" panose="020B0604020202020204" pitchFamily="34" charset="0"/>
               <a:buChar char="•"/>
             </a:pPr>
             <a:r>
-              <a:rPr lang="en" sz="2400" dirty="0"/>
+              <a:rPr lang="fr-CA" sz="1600" dirty="0">
+                <a:effectLst/>
+                <a:latin typeface="+mn-lt"/>
+                <a:ea typeface="Calibri" panose="020F0502020204030204" pitchFamily="34" charset="0"/>
+                <a:cs typeface="Times New Roman" panose="02020603050405020304" pitchFamily="18" charset="0"/>
+              </a:rPr>
               <a:t>Details</a:t>
             </a:r>
             <a:endParaRPr sz="1200" dirty="0">
@@ -32888,7 +33312,7 @@
         </p:nvSpPr>
         <p:spPr>
           <a:xfrm>
-            <a:off x="5476588" y="1839471"/>
+            <a:off x="4971796" y="1966332"/>
             <a:ext cx="2015400" cy="527700"/>
           </a:xfrm>
           <a:prstGeom prst="rect">
@@ -32930,8 +33354,8 @@
         </p:nvSpPr>
         <p:spPr>
           <a:xfrm>
-            <a:off x="4490249" y="2103321"/>
-            <a:ext cx="4152819" cy="1430663"/>
+            <a:off x="4360884" y="2805450"/>
+            <a:ext cx="4063116" cy="467400"/>
           </a:xfrm>
           <a:prstGeom prst="rect">
             <a:avLst/>
@@ -32954,15 +33378,16 @@
               <a:buChar char="•"/>
             </a:pPr>
             <a:r>
-              <a:rPr lang="en" sz="2400" dirty="0"/>
+              <a:rPr lang="fr-FR" sz="1600" dirty="0">
+                <a:solidFill>
+                  <a:schemeClr val="bg1"/>
+                </a:solidFill>
+                <a:effectLst/>
+                <a:latin typeface="+mn-lt"/>
+                <a:ea typeface="Calibri" panose="020F0502020204030204" pitchFamily="34" charset="0"/>
+              </a:rPr>
               <a:t>Details</a:t>
             </a:r>
-            <a:endParaRPr sz="1200" dirty="0">
-              <a:solidFill>
-                <a:schemeClr val="bg1"/>
-              </a:solidFill>
-              <a:latin typeface="+mn-lt"/>
-            </a:endParaRPr>
           </a:p>
         </p:txBody>
       </p:sp>
@@ -33013,7 +33438,7 @@
           <p:cNvPr id="7" name="ZoneTexte 6">
             <a:extLst>
               <a:ext uri="{FF2B5EF4-FFF2-40B4-BE49-F238E27FC236}">
-                <a16:creationId xmlns:a16="http://schemas.microsoft.com/office/drawing/2014/main" id="{BA79D156-D279-4BCE-892C-A08E4DBCB679}"/>
+                <a16:creationId xmlns:a16="http://schemas.microsoft.com/office/drawing/2014/main" id="{CE50DD3C-1163-40CA-803D-4111F731491E}"/>
               </a:ext>
             </a:extLst>
           </p:cNvPr>
@@ -33040,17 +33465,12 @@
           <a:p>
             <a:r>
               <a:rPr lang="fr-CA" dirty="0"/>
-              <a:t>14</a:t>
+              <a:t>13</a:t>
             </a:r>
           </a:p>
         </p:txBody>
       </p:sp>
     </p:spTree>
-    <p:extLst>
-      <p:ext uri="{BB962C8B-B14F-4D97-AF65-F5344CB8AC3E}">
-        <p14:creationId xmlns:p14="http://schemas.microsoft.com/office/powerpoint/2010/main" val="3773311403"/>
-      </p:ext>
-    </p:extLst>
   </p:cSld>
   <p:clrMapOvr>
     <a:masterClrMapping/>
@@ -33087,7 +33507,7 @@
         </p:nvSpPr>
         <p:spPr>
           <a:xfrm>
-            <a:off x="1796254" y="1832976"/>
+            <a:off x="1733762" y="1839471"/>
             <a:ext cx="2015400" cy="527700"/>
           </a:xfrm>
           <a:prstGeom prst="rect">
@@ -33129,8 +33549,8 @@
         </p:nvSpPr>
         <p:spPr>
           <a:xfrm>
-            <a:off x="1035908" y="2310430"/>
-            <a:ext cx="3536092" cy="2123123"/>
+            <a:off x="829174" y="2197914"/>
+            <a:ext cx="3824577" cy="2672140"/>
           </a:xfrm>
           <a:prstGeom prst="rect">
             <a:avLst/>
@@ -33150,15 +33570,10 @@
               <a:buChar char="•"/>
             </a:pPr>
             <a:r>
-              <a:rPr lang="fr-FR" sz="1600" dirty="0">
-                <a:effectLst/>
-                <a:latin typeface="+mn-lt"/>
-                <a:ea typeface="Calibri" panose="020F0502020204030204" pitchFamily="34" charset="0"/>
-                <a:cs typeface="Times New Roman" panose="02020603050405020304" pitchFamily="18" charset="0"/>
-              </a:rPr>
+              <a:rPr lang="en" sz="2400" dirty="0"/>
               <a:t>Details</a:t>
             </a:r>
-            <a:endParaRPr lang="fr-FR" sz="1200" dirty="0">
+            <a:endParaRPr sz="1200" dirty="0">
               <a:latin typeface="+mn-lt"/>
             </a:endParaRPr>
           </a:p>
@@ -33176,7 +33591,7 @@
         </p:nvSpPr>
         <p:spPr>
           <a:xfrm>
-            <a:off x="5273946" y="1832976"/>
+            <a:off x="5476588" y="1839471"/>
             <a:ext cx="2015400" cy="527700"/>
           </a:xfrm>
           <a:prstGeom prst="rect">
@@ -33218,8 +33633,8 @@
         </p:nvSpPr>
         <p:spPr>
           <a:xfrm>
-            <a:off x="4778736" y="2701646"/>
-            <a:ext cx="3824577" cy="467400"/>
+            <a:off x="4490249" y="2103321"/>
+            <a:ext cx="4152819" cy="1430663"/>
           </a:xfrm>
           <a:prstGeom prst="rect">
             <a:avLst/>
@@ -33231,20 +33646,21 @@
           </a:bodyPr>
           <a:lstStyle/>
           <a:p>
-            <a:pPr marL="742950" lvl="1" indent="-285750" algn="l">
+            <a:pPr marL="285750" lvl="0" indent="-285750" algn="l" rtl="0">
+              <a:spcBef>
+                <a:spcPts val="0"/>
+              </a:spcBef>
+              <a:spcAft>
+                <a:spcPts val="0"/>
+              </a:spcAft>
               <a:buFont typeface="Arial" panose="020B0604020202020204" pitchFamily="34" charset="0"/>
               <a:buChar char="•"/>
             </a:pPr>
             <a:r>
-              <a:rPr lang="fr-CA" sz="1800" dirty="0">
-                <a:effectLst/>
-                <a:latin typeface="+mn-lt"/>
-                <a:ea typeface="Calibri" panose="020F0502020204030204" pitchFamily="34" charset="0"/>
-                <a:cs typeface="Times New Roman" panose="02020603050405020304" pitchFamily="18" charset="0"/>
-              </a:rPr>
+              <a:rPr lang="en" sz="2400" dirty="0"/>
               <a:t>Details</a:t>
             </a:r>
-            <a:endParaRPr lang="fr-CA" dirty="0">
+            <a:endParaRPr sz="1200" dirty="0">
               <a:solidFill>
                 <a:schemeClr val="bg1"/>
               </a:solidFill>
@@ -33300,7 +33716,7 @@
           <p:cNvPr id="7" name="ZoneTexte 6">
             <a:extLst>
               <a:ext uri="{FF2B5EF4-FFF2-40B4-BE49-F238E27FC236}">
-                <a16:creationId xmlns:a16="http://schemas.microsoft.com/office/drawing/2014/main" id="{29D296DB-5200-404D-BD9B-62A7BDAF2069}"/>
+                <a16:creationId xmlns:a16="http://schemas.microsoft.com/office/drawing/2014/main" id="{BA79D156-D279-4BCE-892C-A08E4DBCB679}"/>
               </a:ext>
             </a:extLst>
           </p:cNvPr>
@@ -33327,7 +33743,7 @@
           <a:p>
             <a:r>
               <a:rPr lang="fr-CA" dirty="0"/>
-              <a:t>15</a:t>
+              <a:t>14</a:t>
             </a:r>
           </a:p>
         </p:txBody>
@@ -33335,7 +33751,7 @@
     </p:spTree>
     <p:extLst>
       <p:ext uri="{BB962C8B-B14F-4D97-AF65-F5344CB8AC3E}">
-        <p14:creationId xmlns:p14="http://schemas.microsoft.com/office/powerpoint/2010/main" val="2767449566"/>
+        <p14:creationId xmlns:p14="http://schemas.microsoft.com/office/powerpoint/2010/main" val="3773311403"/>
       </p:ext>
     </p:extLst>
   </p:cSld>
@@ -33374,7 +33790,7 @@
         </p:nvSpPr>
         <p:spPr>
           <a:xfrm>
-            <a:off x="1695622" y="1481825"/>
+            <a:off x="1796254" y="1832976"/>
             <a:ext cx="2015400" cy="527700"/>
           </a:xfrm>
           <a:prstGeom prst="rect">
@@ -33416,8 +33832,8 @@
         </p:nvSpPr>
         <p:spPr>
           <a:xfrm>
-            <a:off x="584298" y="2096826"/>
-            <a:ext cx="4094922" cy="2672140"/>
+            <a:off x="1035908" y="2310430"/>
+            <a:ext cx="3536092" cy="2123123"/>
           </a:xfrm>
           <a:prstGeom prst="rect">
             <a:avLst/>
@@ -33429,111 +33845,10 @@
           </a:bodyPr>
           <a:lstStyle/>
           <a:p>
-            <a:pPr algn="l">
-              <a:lnSpc>
-                <a:spcPct val="150000"/>
-              </a:lnSpc>
-              <a:spcAft>
-                <a:spcPts val="1000"/>
-              </a:spcAft>
-              <a:buFont typeface="Arial" panose="020B0604020202020204" pitchFamily="34" charset="0"/>
-              <a:buChar char="•"/>
-            </a:pPr>
-            <a:r>
-              <a:rPr lang="fr-FR" sz="1600" dirty="0">
-                <a:effectLst/>
-                <a:latin typeface="+mn-lt"/>
-                <a:ea typeface="Calibri" panose="020F0502020204030204" pitchFamily="34" charset="0"/>
-                <a:cs typeface="Times New Roman" panose="02020603050405020304" pitchFamily="18" charset="0"/>
-              </a:rPr>
-              <a:t>Details</a:t>
-            </a:r>
-            <a:endParaRPr lang="fr-CA" sz="1200" dirty="0">
-              <a:solidFill>
-                <a:schemeClr val="bg1"/>
-              </a:solidFill>
-              <a:effectLst/>
-              <a:latin typeface="+mn-lt"/>
-              <a:ea typeface="Calibri" panose="020F0502020204030204" pitchFamily="34" charset="0"/>
-              <a:cs typeface="Times New Roman" panose="02020603050405020304" pitchFamily="18" charset="0"/>
-            </a:endParaRPr>
-          </a:p>
-        </p:txBody>
-      </p:sp>
-      <p:sp>
-        <p:nvSpPr>
-          <p:cNvPr id="997" name="Google Shape;997;p64"/>
-          <p:cNvSpPr txBox="1">
-            <a:spLocks noGrp="1"/>
-          </p:cNvSpPr>
-          <p:nvPr>
-            <p:ph type="title" idx="4"/>
-          </p:nvPr>
-        </p:nvSpPr>
-        <p:spPr>
-          <a:xfrm>
-            <a:off x="5027456" y="1481825"/>
-            <a:ext cx="2015400" cy="527700"/>
-          </a:xfrm>
-          <a:prstGeom prst="rect">
-            <a:avLst/>
-          </a:prstGeom>
-        </p:spPr>
-        <p:txBody>
-          <a:bodyPr spcFirstLastPara="1" wrap="square" lIns="91425" tIns="91425" rIns="91425" bIns="91425" anchor="ctr" anchorCtr="0">
-            <a:noAutofit/>
-          </a:bodyPr>
-          <a:lstStyle/>
-          <a:p>
-            <a:pPr marL="0" lvl="0" indent="0" algn="ctr" rtl="0">
-              <a:spcBef>
-                <a:spcPts val="0"/>
-              </a:spcBef>
-              <a:spcAft>
-                <a:spcPts val="0"/>
-              </a:spcAft>
-              <a:buNone/>
-            </a:pPr>
-            <a:r>
-              <a:rPr lang="en" dirty="0"/>
-              <a:t>Sous</a:t>
-            </a:r>
-            <a:endParaRPr dirty="0"/>
-          </a:p>
-        </p:txBody>
-      </p:sp>
-      <p:sp>
-        <p:nvSpPr>
-          <p:cNvPr id="998" name="Google Shape;998;p64"/>
-          <p:cNvSpPr txBox="1">
-            <a:spLocks noGrp="1"/>
-          </p:cNvSpPr>
-          <p:nvPr>
-            <p:ph type="subTitle" idx="5"/>
-          </p:nvPr>
-        </p:nvSpPr>
-        <p:spPr>
-          <a:xfrm>
-            <a:off x="4599423" y="2473625"/>
-            <a:ext cx="4094922" cy="467400"/>
-          </a:xfrm>
-          <a:prstGeom prst="rect">
-            <a:avLst/>
-          </a:prstGeom>
-        </p:spPr>
-        <p:txBody>
-          <a:bodyPr spcFirstLastPara="1" wrap="square" lIns="91425" tIns="91425" rIns="91425" bIns="91425" anchor="ctr" anchorCtr="0">
-            <a:noAutofit/>
-          </a:bodyPr>
-          <a:lstStyle/>
-          <a:p>
-            <a:pPr marL="285750" lvl="0" indent="-285750" algn="l" rtl="0">
-              <a:spcBef>
-                <a:spcPts val="0"/>
-              </a:spcBef>
-              <a:spcAft>
-                <a:spcPts val="0"/>
-              </a:spcAft>
+            <a:pPr marL="285750" indent="-285750" algn="l">
+              <a:lnSpc>
+                <a:spcPct val="200000"/>
+              </a:lnSpc>
               <a:buFont typeface="Arial" panose="020B0604020202020204" pitchFamily="34" charset="0"/>
               <a:buChar char="•"/>
             </a:pPr>
@@ -33547,6 +33862,92 @@
               <a:t>Details</a:t>
             </a:r>
             <a:endParaRPr lang="fr-FR" sz="1200" dirty="0">
+              <a:latin typeface="+mn-lt"/>
+            </a:endParaRPr>
+          </a:p>
+        </p:txBody>
+      </p:sp>
+      <p:sp>
+        <p:nvSpPr>
+          <p:cNvPr id="997" name="Google Shape;997;p64"/>
+          <p:cNvSpPr txBox="1">
+            <a:spLocks noGrp="1"/>
+          </p:cNvSpPr>
+          <p:nvPr>
+            <p:ph type="title" idx="4"/>
+          </p:nvPr>
+        </p:nvSpPr>
+        <p:spPr>
+          <a:xfrm>
+            <a:off x="5273946" y="1832976"/>
+            <a:ext cx="2015400" cy="527700"/>
+          </a:xfrm>
+          <a:prstGeom prst="rect">
+            <a:avLst/>
+          </a:prstGeom>
+        </p:spPr>
+        <p:txBody>
+          <a:bodyPr spcFirstLastPara="1" wrap="square" lIns="91425" tIns="91425" rIns="91425" bIns="91425" anchor="ctr" anchorCtr="0">
+            <a:noAutofit/>
+          </a:bodyPr>
+          <a:lstStyle/>
+          <a:p>
+            <a:pPr marL="0" lvl="0" indent="0" algn="ctr" rtl="0">
+              <a:spcBef>
+                <a:spcPts val="0"/>
+              </a:spcBef>
+              <a:spcAft>
+                <a:spcPts val="0"/>
+              </a:spcAft>
+              <a:buNone/>
+            </a:pPr>
+            <a:r>
+              <a:rPr lang="en" dirty="0"/>
+              <a:t>Sous</a:t>
+            </a:r>
+            <a:endParaRPr dirty="0"/>
+          </a:p>
+        </p:txBody>
+      </p:sp>
+      <p:sp>
+        <p:nvSpPr>
+          <p:cNvPr id="998" name="Google Shape;998;p64"/>
+          <p:cNvSpPr txBox="1">
+            <a:spLocks noGrp="1"/>
+          </p:cNvSpPr>
+          <p:nvPr>
+            <p:ph type="subTitle" idx="5"/>
+          </p:nvPr>
+        </p:nvSpPr>
+        <p:spPr>
+          <a:xfrm>
+            <a:off x="4778736" y="2701646"/>
+            <a:ext cx="3824577" cy="467400"/>
+          </a:xfrm>
+          <a:prstGeom prst="rect">
+            <a:avLst/>
+          </a:prstGeom>
+        </p:spPr>
+        <p:txBody>
+          <a:bodyPr spcFirstLastPara="1" wrap="square" lIns="91425" tIns="91425" rIns="91425" bIns="91425" anchor="ctr" anchorCtr="0">
+            <a:noAutofit/>
+          </a:bodyPr>
+          <a:lstStyle/>
+          <a:p>
+            <a:pPr marL="742950" lvl="1" indent="-285750" algn="l">
+              <a:buFont typeface="Arial" panose="020B0604020202020204" pitchFamily="34" charset="0"/>
+              <a:buChar char="•"/>
+            </a:pPr>
+            <a:r>
+              <a:rPr lang="fr-CA" sz="1800" dirty="0">
+                <a:effectLst/>
+                <a:latin typeface="+mn-lt"/>
+                <a:ea typeface="Calibri" panose="020F0502020204030204" pitchFamily="34" charset="0"/>
+                <a:cs typeface="Times New Roman" panose="02020603050405020304" pitchFamily="18" charset="0"/>
+              </a:rPr>
+              <a:t>Details</a:t>
+            </a:r>
+            <a:endParaRPr lang="fr-CA" dirty="0">
               <a:solidFill>
                 <a:schemeClr val="bg1"/>
               </a:solidFill>
@@ -33580,13 +33981,19 @@
           </a:bodyPr>
           <a:lstStyle/>
           <a:p>
+            <a:pPr marL="0" lvl="0" indent="0" algn="ctr" rtl="0">
+              <a:spcBef>
+                <a:spcPts val="0"/>
+              </a:spcBef>
+              <a:spcAft>
+                <a:spcPts val="0"/>
+              </a:spcAft>
+              <a:buNone/>
+            </a:pPr>
             <a:r>
-              <a:rPr lang="fr-FR" dirty="0"/>
+              <a:rPr lang="en" dirty="0"/>
               <a:t>Titre</a:t>
             </a:r>
-            <a:br>
-              <a:rPr lang="fr-FR" dirty="0"/>
-            </a:br>
             <a:endParaRPr dirty="0"/>
           </a:p>
         </p:txBody>
@@ -33596,7 +34003,7 @@
           <p:cNvPr id="7" name="ZoneTexte 6">
             <a:extLst>
               <a:ext uri="{FF2B5EF4-FFF2-40B4-BE49-F238E27FC236}">
-                <a16:creationId xmlns:a16="http://schemas.microsoft.com/office/drawing/2014/main" id="{7CA3B523-FF04-4332-9B11-120CCFFCBC66}"/>
+                <a16:creationId xmlns:a16="http://schemas.microsoft.com/office/drawing/2014/main" id="{29D296DB-5200-404D-BD9B-62A7BDAF2069}"/>
               </a:ext>
             </a:extLst>
           </p:cNvPr>
@@ -33623,7 +34030,7 @@
           <a:p>
             <a:r>
               <a:rPr lang="fr-CA" dirty="0"/>
-              <a:t>16</a:t>
+              <a:t>15</a:t>
             </a:r>
           </a:p>
         </p:txBody>
@@ -33631,7 +34038,7 @@
     </p:spTree>
     <p:extLst>
       <p:ext uri="{BB962C8B-B14F-4D97-AF65-F5344CB8AC3E}">
-        <p14:creationId xmlns:p14="http://schemas.microsoft.com/office/powerpoint/2010/main" val="3027516851"/>
+        <p14:creationId xmlns:p14="http://schemas.microsoft.com/office/powerpoint/2010/main" val="2767449566"/>
       </p:ext>
     </p:extLst>
   </p:cSld>
@@ -33670,7 +34077,7 @@
         </p:nvSpPr>
         <p:spPr>
           <a:xfrm>
-            <a:off x="1624059" y="1569126"/>
+            <a:off x="1695622" y="1481825"/>
             <a:ext cx="2015400" cy="527700"/>
           </a:xfrm>
           <a:prstGeom prst="rect">
@@ -33712,8 +34119,8 @@
         </p:nvSpPr>
         <p:spPr>
           <a:xfrm>
-            <a:off x="829174" y="1832976"/>
-            <a:ext cx="3536092" cy="2672140"/>
+            <a:off x="584298" y="2096826"/>
+            <a:ext cx="4094922" cy="2672140"/>
           </a:xfrm>
           <a:prstGeom prst="rect">
             <a:avLst/>
@@ -33744,9 +34151,12 @@
               </a:rPr>
               <a:t>Details</a:t>
             </a:r>
-            <a:endParaRPr lang="fr-CA" sz="1600" b="1" i="1" dirty="0">
+            <a:endParaRPr lang="fr-CA" sz="1200" dirty="0">
+              <a:solidFill>
+                <a:schemeClr val="bg1"/>
+              </a:solidFill>
               <a:effectLst/>
-              <a:latin typeface="Calibri" panose="020F0502020204030204" pitchFamily="34" charset="0"/>
+              <a:latin typeface="+mn-lt"/>
               <a:ea typeface="Calibri" panose="020F0502020204030204" pitchFamily="34" charset="0"/>
               <a:cs typeface="Times New Roman" panose="02020603050405020304" pitchFamily="18" charset="0"/>
             </a:endParaRPr>
@@ -33765,7 +34175,7 @@
         </p:nvSpPr>
         <p:spPr>
           <a:xfrm>
-            <a:off x="5160151" y="1569126"/>
+            <a:off x="5027456" y="1481825"/>
             <a:ext cx="2015400" cy="527700"/>
           </a:xfrm>
           <a:prstGeom prst="rect">
@@ -33808,7 +34218,7 @@
         <p:spPr>
           <a:xfrm>
             <a:off x="4599423" y="2473625"/>
-            <a:ext cx="3824577" cy="467400"/>
+            <a:ext cx="4094922" cy="467400"/>
           </a:xfrm>
           <a:prstGeom prst="rect">
             <a:avLst/>
@@ -33873,19 +34283,14 @@
           </a:bodyPr>
           <a:lstStyle/>
           <a:p>
-            <a:pPr marL="0" lvl="0" indent="0" algn="ctr" rtl="0">
-              <a:spcBef>
-                <a:spcPts val="0"/>
-              </a:spcBef>
-              <a:spcAft>
-                <a:spcPts val="0"/>
-              </a:spcAft>
-              <a:buNone/>
-            </a:pPr>
             <a:r>
               <a:rPr lang="fr-FR" dirty="0"/>
               <a:t>Titre</a:t>
             </a:r>
+            <a:br>
+              <a:rPr lang="fr-FR" dirty="0"/>
+            </a:br>
+            <a:endParaRPr dirty="0"/>
           </a:p>
         </p:txBody>
       </p:sp>
@@ -33894,7 +34299,7 @@
           <p:cNvPr id="7" name="ZoneTexte 6">
             <a:extLst>
               <a:ext uri="{FF2B5EF4-FFF2-40B4-BE49-F238E27FC236}">
-                <a16:creationId xmlns:a16="http://schemas.microsoft.com/office/drawing/2014/main" id="{66C3D5F9-52AA-4758-8844-88D04EDBB438}"/>
+                <a16:creationId xmlns:a16="http://schemas.microsoft.com/office/drawing/2014/main" id="{7CA3B523-FF04-4332-9B11-120CCFFCBC66}"/>
               </a:ext>
             </a:extLst>
           </p:cNvPr>
@@ -33921,7 +34326,7 @@
           <a:p>
             <a:r>
               <a:rPr lang="fr-CA" dirty="0"/>
-              <a:t>17</a:t>
+              <a:t>16</a:t>
             </a:r>
           </a:p>
         </p:txBody>
@@ -33929,7 +34334,7 @@
     </p:spTree>
     <p:extLst>
       <p:ext uri="{BB962C8B-B14F-4D97-AF65-F5344CB8AC3E}">
-        <p14:creationId xmlns:p14="http://schemas.microsoft.com/office/powerpoint/2010/main" val="3907252542"/>
+        <p14:creationId xmlns:p14="http://schemas.microsoft.com/office/powerpoint/2010/main" val="3027516851"/>
       </p:ext>
     </p:extLst>
   </p:cSld>
@@ -34011,6 +34416,1018 @@
         <p:spPr>
           <a:xfrm>
             <a:off x="829174" y="1832976"/>
+            <a:ext cx="3536092" cy="2672140"/>
+          </a:xfrm>
+          <a:prstGeom prst="rect">
+            <a:avLst/>
+          </a:prstGeom>
+        </p:spPr>
+        <p:txBody>
+          <a:bodyPr spcFirstLastPara="1" wrap="square" lIns="91425" tIns="91425" rIns="91425" bIns="91425" anchor="ctr" anchorCtr="0">
+            <a:noAutofit/>
+          </a:bodyPr>
+          <a:lstStyle/>
+          <a:p>
+            <a:pPr algn="l">
+              <a:lnSpc>
+                <a:spcPct val="150000"/>
+              </a:lnSpc>
+              <a:spcAft>
+                <a:spcPts val="1000"/>
+              </a:spcAft>
+              <a:buFont typeface="Arial" panose="020B0604020202020204" pitchFamily="34" charset="0"/>
+              <a:buChar char="•"/>
+            </a:pPr>
+            <a:r>
+              <a:rPr lang="fr-FR" sz="1600" dirty="0">
+                <a:effectLst/>
+                <a:latin typeface="+mn-lt"/>
+                <a:ea typeface="Calibri" panose="020F0502020204030204" pitchFamily="34" charset="0"/>
+                <a:cs typeface="Times New Roman" panose="02020603050405020304" pitchFamily="18" charset="0"/>
+              </a:rPr>
+              <a:t>Details</a:t>
+            </a:r>
+            <a:endParaRPr lang="fr-CA" sz="1600" b="1" i="1" dirty="0">
+              <a:effectLst/>
+              <a:latin typeface="Calibri" panose="020F0502020204030204" pitchFamily="34" charset="0"/>
+              <a:ea typeface="Calibri" panose="020F0502020204030204" pitchFamily="34" charset="0"/>
+              <a:cs typeface="Times New Roman" panose="02020603050405020304" pitchFamily="18" charset="0"/>
+            </a:endParaRPr>
+          </a:p>
+        </p:txBody>
+      </p:sp>
+      <p:sp>
+        <p:nvSpPr>
+          <p:cNvPr id="997" name="Google Shape;997;p64"/>
+          <p:cNvSpPr txBox="1">
+            <a:spLocks noGrp="1"/>
+          </p:cNvSpPr>
+          <p:nvPr>
+            <p:ph type="title" idx="4"/>
+          </p:nvPr>
+        </p:nvSpPr>
+        <p:spPr>
+          <a:xfrm>
+            <a:off x="5160151" y="1569126"/>
+            <a:ext cx="2015400" cy="527700"/>
+          </a:xfrm>
+          <a:prstGeom prst="rect">
+            <a:avLst/>
+          </a:prstGeom>
+        </p:spPr>
+        <p:txBody>
+          <a:bodyPr spcFirstLastPara="1" wrap="square" lIns="91425" tIns="91425" rIns="91425" bIns="91425" anchor="ctr" anchorCtr="0">
+            <a:noAutofit/>
+          </a:bodyPr>
+          <a:lstStyle/>
+          <a:p>
+            <a:pPr marL="0" lvl="0" indent="0" algn="ctr" rtl="0">
+              <a:spcBef>
+                <a:spcPts val="0"/>
+              </a:spcBef>
+              <a:spcAft>
+                <a:spcPts val="0"/>
+              </a:spcAft>
+              <a:buNone/>
+            </a:pPr>
+            <a:r>
+              <a:rPr lang="en" dirty="0"/>
+              <a:t>Sous</a:t>
+            </a:r>
+            <a:endParaRPr dirty="0"/>
+          </a:p>
+        </p:txBody>
+      </p:sp>
+      <p:sp>
+        <p:nvSpPr>
+          <p:cNvPr id="998" name="Google Shape;998;p64"/>
+          <p:cNvSpPr txBox="1">
+            <a:spLocks noGrp="1"/>
+          </p:cNvSpPr>
+          <p:nvPr>
+            <p:ph type="subTitle" idx="5"/>
+          </p:nvPr>
+        </p:nvSpPr>
+        <p:spPr>
+          <a:xfrm>
+            <a:off x="4599423" y="2473625"/>
+            <a:ext cx="3824577" cy="467400"/>
+          </a:xfrm>
+          <a:prstGeom prst="rect">
+            <a:avLst/>
+          </a:prstGeom>
+        </p:spPr>
+        <p:txBody>
+          <a:bodyPr spcFirstLastPara="1" wrap="square" lIns="91425" tIns="91425" rIns="91425" bIns="91425" anchor="ctr" anchorCtr="0">
+            <a:noAutofit/>
+          </a:bodyPr>
+          <a:lstStyle/>
+          <a:p>
+            <a:pPr marL="285750" lvl="0" indent="-285750" algn="l" rtl="0">
+              <a:spcBef>
+                <a:spcPts val="0"/>
+              </a:spcBef>
+              <a:spcAft>
+                <a:spcPts val="0"/>
+              </a:spcAft>
+              <a:buFont typeface="Arial" panose="020B0604020202020204" pitchFamily="34" charset="0"/>
+              <a:buChar char="•"/>
+            </a:pPr>
+            <a:r>
+              <a:rPr lang="fr-FR" sz="1600" dirty="0">
+                <a:effectLst/>
+                <a:latin typeface="+mn-lt"/>
+                <a:ea typeface="Calibri" panose="020F0502020204030204" pitchFamily="34" charset="0"/>
+                <a:cs typeface="Times New Roman" panose="02020603050405020304" pitchFamily="18" charset="0"/>
+              </a:rPr>
+              <a:t>Details</a:t>
+            </a:r>
+            <a:endParaRPr lang="fr-FR" sz="1200" dirty="0">
+              <a:solidFill>
+                <a:schemeClr val="bg1"/>
+              </a:solidFill>
+              <a:latin typeface="+mn-lt"/>
+            </a:endParaRPr>
+          </a:p>
+        </p:txBody>
+      </p:sp>
+      <p:sp>
+        <p:nvSpPr>
+          <p:cNvPr id="1001" name="Google Shape;1001;p64"/>
+          <p:cNvSpPr txBox="1">
+            <a:spLocks noGrp="1"/>
+          </p:cNvSpPr>
+          <p:nvPr>
+            <p:ph type="title" idx="8"/>
+          </p:nvPr>
+        </p:nvSpPr>
+        <p:spPr>
+          <a:xfrm>
+            <a:off x="720000" y="445025"/>
+            <a:ext cx="7704000" cy="572700"/>
+          </a:xfrm>
+          <a:prstGeom prst="rect">
+            <a:avLst/>
+          </a:prstGeom>
+        </p:spPr>
+        <p:txBody>
+          <a:bodyPr spcFirstLastPara="1" wrap="square" lIns="91425" tIns="91425" rIns="91425" bIns="91425" anchor="ctr" anchorCtr="0">
+            <a:noAutofit/>
+          </a:bodyPr>
+          <a:lstStyle/>
+          <a:p>
+            <a:pPr marL="0" lvl="0" indent="0" algn="ctr" rtl="0">
+              <a:spcBef>
+                <a:spcPts val="0"/>
+              </a:spcBef>
+              <a:spcAft>
+                <a:spcPts val="0"/>
+              </a:spcAft>
+              <a:buNone/>
+            </a:pPr>
+            <a:r>
+              <a:rPr lang="fr-FR" dirty="0"/>
+              <a:t>Titre</a:t>
+            </a:r>
+          </a:p>
+        </p:txBody>
+      </p:sp>
+      <p:sp>
+        <p:nvSpPr>
+          <p:cNvPr id="7" name="ZoneTexte 6">
+            <a:extLst>
+              <a:ext uri="{FF2B5EF4-FFF2-40B4-BE49-F238E27FC236}">
+                <a16:creationId xmlns:a16="http://schemas.microsoft.com/office/drawing/2014/main" id="{66C3D5F9-52AA-4758-8844-88D04EDBB438}"/>
+              </a:ext>
+            </a:extLst>
+          </p:cNvPr>
+          <p:cNvSpPr txBox="1"/>
+          <p:nvPr/>
+        </p:nvSpPr>
+        <p:spPr>
+          <a:xfrm>
+            <a:off x="165213" y="4741606"/>
+            <a:ext cx="409974" cy="307777"/>
+          </a:xfrm>
+          <a:prstGeom prst="rect">
+            <a:avLst/>
+          </a:prstGeom>
+          <a:solidFill>
+            <a:schemeClr val="accent2"/>
+          </a:solidFill>
+        </p:spPr>
+        <p:txBody>
+          <a:bodyPr wrap="square" rtlCol="0">
+            <a:spAutoFit/>
+          </a:bodyPr>
+          <a:lstStyle/>
+          <a:p>
+            <a:r>
+              <a:rPr lang="fr-CA" dirty="0"/>
+              <a:t>17</a:t>
+            </a:r>
+          </a:p>
+        </p:txBody>
+      </p:sp>
+    </p:spTree>
+    <p:extLst>
+      <p:ext uri="{BB962C8B-B14F-4D97-AF65-F5344CB8AC3E}">
+        <p14:creationId xmlns:p14="http://schemas.microsoft.com/office/powerpoint/2010/main" val="3907252542"/>
+      </p:ext>
+    </p:extLst>
+  </p:cSld>
+  <p:clrMapOvr>
+    <a:masterClrMapping/>
+  </p:clrMapOvr>
+</p:sld>
+</file>
+
+<file path=ppt/slides/slide2.xml><?xml version="1.0" encoding="utf-8"?>
+<p:sld xmlns:a="http://schemas.openxmlformats.org/drawingml/2006/main" xmlns:r="http://schemas.openxmlformats.org/officeDocument/2006/relationships" xmlns:p="http://schemas.openxmlformats.org/presentationml/2006/main">
+  <p:cSld>
+    <p:spTree>
+      <p:nvGrpSpPr>
+        <p:cNvPr id="1" name="Shape 788"/>
+        <p:cNvGrpSpPr/>
+        <p:nvPr/>
+      </p:nvGrpSpPr>
+      <p:grpSpPr>
+        <a:xfrm>
+          <a:off x="0" y="0"/>
+          <a:ext cx="0" cy="0"/>
+          <a:chOff x="0" y="0"/>
+          <a:chExt cx="0" cy="0"/>
+        </a:xfrm>
+      </p:grpSpPr>
+      <p:sp>
+        <p:nvSpPr>
+          <p:cNvPr id="790" name="Google Shape;790;p57"/>
+          <p:cNvSpPr txBox="1">
+            <a:spLocks noGrp="1"/>
+          </p:cNvSpPr>
+          <p:nvPr>
+            <p:ph type="title" idx="4294967295"/>
+          </p:nvPr>
+        </p:nvSpPr>
+        <p:spPr>
+          <a:xfrm>
+            <a:off x="5115800" y="1320175"/>
+            <a:ext cx="3652516" cy="527700"/>
+          </a:xfrm>
+          <a:prstGeom prst="rect">
+            <a:avLst/>
+          </a:prstGeom>
+        </p:spPr>
+        <p:txBody>
+          <a:bodyPr spcFirstLastPara="1" wrap="square" lIns="91425" tIns="91425" rIns="91425" bIns="91425" anchor="t" anchorCtr="0">
+            <a:noAutofit/>
+          </a:bodyPr>
+          <a:lstStyle/>
+          <a:p>
+            <a:pPr marL="0" marR="0" lvl="0" indent="0" algn="l" rtl="0">
+              <a:lnSpc>
+                <a:spcPct val="100000"/>
+              </a:lnSpc>
+              <a:spcBef>
+                <a:spcPts val="0"/>
+              </a:spcBef>
+              <a:spcAft>
+                <a:spcPts val="0"/>
+              </a:spcAft>
+              <a:buNone/>
+            </a:pPr>
+            <a:r>
+              <a:rPr lang="fr-FR" sz="2000" b="1" dirty="0">
+                <a:solidFill>
+                  <a:schemeClr val="dk2"/>
+                </a:solidFill>
+                <a:highlight>
+                  <a:schemeClr val="accent1"/>
+                </a:highlight>
+                <a:latin typeface="Poppins"/>
+                <a:ea typeface="Poppins"/>
+                <a:cs typeface="Poppins"/>
+                <a:sym typeface="Poppins"/>
+              </a:rPr>
+              <a:t>Mohamed Aziz Ben Ismail</a:t>
+            </a:r>
+            <a:endParaRPr sz="2000" b="1" dirty="0">
+              <a:solidFill>
+                <a:schemeClr val="dk2"/>
+              </a:solidFill>
+              <a:highlight>
+                <a:schemeClr val="accent1"/>
+              </a:highlight>
+              <a:latin typeface="Poppins"/>
+              <a:ea typeface="Poppins"/>
+              <a:cs typeface="Poppins"/>
+              <a:sym typeface="Poppins"/>
+            </a:endParaRPr>
+          </a:p>
+        </p:txBody>
+      </p:sp>
+      <p:sp>
+        <p:nvSpPr>
+          <p:cNvPr id="792" name="Google Shape;792;p57"/>
+          <p:cNvSpPr txBox="1">
+            <a:spLocks noGrp="1"/>
+          </p:cNvSpPr>
+          <p:nvPr>
+            <p:ph type="title" idx="4294967295"/>
+          </p:nvPr>
+        </p:nvSpPr>
+        <p:spPr>
+          <a:xfrm>
+            <a:off x="5169678" y="1827394"/>
+            <a:ext cx="2842867" cy="527700"/>
+          </a:xfrm>
+          <a:prstGeom prst="rect">
+            <a:avLst/>
+          </a:prstGeom>
+        </p:spPr>
+        <p:txBody>
+          <a:bodyPr spcFirstLastPara="1" wrap="square" lIns="91425" tIns="91425" rIns="91425" bIns="91425" anchor="t" anchorCtr="0">
+            <a:noAutofit/>
+          </a:bodyPr>
+          <a:lstStyle/>
+          <a:p>
+            <a:pPr marL="0" marR="0" lvl="0" indent="0" algn="l" rtl="0">
+              <a:lnSpc>
+                <a:spcPct val="100000"/>
+              </a:lnSpc>
+              <a:spcBef>
+                <a:spcPts val="0"/>
+              </a:spcBef>
+              <a:spcAft>
+                <a:spcPts val="0"/>
+              </a:spcAft>
+              <a:buNone/>
+            </a:pPr>
+            <a:r>
+              <a:rPr lang="fr-FR" sz="2000" b="1" dirty="0">
+                <a:solidFill>
+                  <a:schemeClr val="dk2"/>
+                </a:solidFill>
+                <a:highlight>
+                  <a:schemeClr val="accent1"/>
+                </a:highlight>
+                <a:latin typeface="Poppins"/>
+                <a:ea typeface="Poppins"/>
+                <a:cs typeface="Poppins"/>
+                <a:sym typeface="Poppins"/>
+              </a:rPr>
+              <a:t>Aymen Abdi</a:t>
+            </a:r>
+          </a:p>
+        </p:txBody>
+      </p:sp>
+      <p:sp>
+        <p:nvSpPr>
+          <p:cNvPr id="794" name="Google Shape;794;p57"/>
+          <p:cNvSpPr txBox="1">
+            <a:spLocks noGrp="1"/>
+          </p:cNvSpPr>
+          <p:nvPr>
+            <p:ph type="title" idx="4294967295"/>
+          </p:nvPr>
+        </p:nvSpPr>
+        <p:spPr>
+          <a:xfrm>
+            <a:off x="5115800" y="2413842"/>
+            <a:ext cx="3593660" cy="527700"/>
+          </a:xfrm>
+          <a:prstGeom prst="rect">
+            <a:avLst/>
+          </a:prstGeom>
+        </p:spPr>
+        <p:txBody>
+          <a:bodyPr spcFirstLastPara="1" wrap="square" lIns="91425" tIns="91425" rIns="91425" bIns="91425" anchor="t" anchorCtr="0">
+            <a:noAutofit/>
+          </a:bodyPr>
+          <a:lstStyle/>
+          <a:p>
+            <a:pPr marL="0" marR="0" lvl="0" indent="0" algn="l" rtl="0">
+              <a:lnSpc>
+                <a:spcPct val="100000"/>
+              </a:lnSpc>
+              <a:spcBef>
+                <a:spcPts val="0"/>
+              </a:spcBef>
+              <a:spcAft>
+                <a:spcPts val="0"/>
+              </a:spcAft>
+              <a:buNone/>
+            </a:pPr>
+            <a:r>
+              <a:rPr lang="fr-FR" sz="2000" b="1" dirty="0">
+                <a:solidFill>
+                  <a:schemeClr val="dk2"/>
+                </a:solidFill>
+                <a:highlight>
+                  <a:schemeClr val="accent1"/>
+                </a:highlight>
+                <a:latin typeface="Poppins"/>
+                <a:ea typeface="Poppins"/>
+                <a:cs typeface="Poppins"/>
+                <a:sym typeface="Poppins"/>
+              </a:rPr>
+              <a:t>Mohamed Amine Awididi</a:t>
+            </a:r>
+          </a:p>
+        </p:txBody>
+      </p:sp>
+      <p:sp>
+        <p:nvSpPr>
+          <p:cNvPr id="796" name="Google Shape;796;p57"/>
+          <p:cNvSpPr txBox="1">
+            <a:spLocks noGrp="1"/>
+          </p:cNvSpPr>
+          <p:nvPr>
+            <p:ph type="title"/>
+          </p:nvPr>
+        </p:nvSpPr>
+        <p:spPr>
+          <a:xfrm>
+            <a:off x="720000" y="406691"/>
+            <a:ext cx="7704000" cy="572700"/>
+          </a:xfrm>
+          <a:prstGeom prst="rect">
+            <a:avLst/>
+          </a:prstGeom>
+        </p:spPr>
+        <p:txBody>
+          <a:bodyPr spcFirstLastPara="1" wrap="square" lIns="91425" tIns="91425" rIns="91425" bIns="91425" anchor="ctr" anchorCtr="0">
+            <a:noAutofit/>
+          </a:bodyPr>
+          <a:lstStyle/>
+          <a:p>
+            <a:r>
+              <a:rPr lang="fr-CA" dirty="0">
+                <a:solidFill>
+                  <a:schemeClr val="bg2">
+                    <a:lumMod val="20000"/>
+                    <a:lumOff val="80000"/>
+                  </a:schemeClr>
+                </a:solidFill>
+              </a:rPr>
+              <a:t>Réaliser par :</a:t>
+            </a:r>
+            <a:br>
+              <a:rPr lang="fr-CA" dirty="0">
+                <a:solidFill>
+                  <a:schemeClr val="bg2">
+                    <a:lumMod val="20000"/>
+                    <a:lumOff val="80000"/>
+                  </a:schemeClr>
+                </a:solidFill>
+              </a:rPr>
+            </a:br>
+            <a:endParaRPr dirty="0"/>
+          </a:p>
+        </p:txBody>
+      </p:sp>
+      <p:cxnSp>
+        <p:nvCxnSpPr>
+          <p:cNvPr id="800" name="Google Shape;800;p57"/>
+          <p:cNvCxnSpPr>
+            <a:cxnSpLocks/>
+            <a:stCxn id="790" idx="1"/>
+          </p:cNvCxnSpPr>
+          <p:nvPr/>
+        </p:nvCxnSpPr>
+        <p:spPr>
+          <a:xfrm rot="10800000" flipV="1">
+            <a:off x="3140144" y="1584024"/>
+            <a:ext cx="1975656" cy="307165"/>
+          </a:xfrm>
+          <a:prstGeom prst="bentConnector3">
+            <a:avLst>
+              <a:gd name="adj1" fmla="val 50000"/>
+            </a:avLst>
+          </a:prstGeom>
+          <a:noFill/>
+          <a:ln w="28575" cap="flat" cmpd="sng">
+            <a:solidFill>
+              <a:schemeClr val="lt1"/>
+            </a:solidFill>
+            <a:prstDash val="solid"/>
+            <a:round/>
+            <a:headEnd type="none" w="med" len="med"/>
+            <a:tailEnd type="none" w="med" len="med"/>
+          </a:ln>
+        </p:spPr>
+      </p:cxnSp>
+      <p:cxnSp>
+        <p:nvCxnSpPr>
+          <p:cNvPr id="801" name="Google Shape;801;p57"/>
+          <p:cNvCxnSpPr>
+            <a:cxnSpLocks/>
+            <a:stCxn id="792" idx="1"/>
+          </p:cNvCxnSpPr>
+          <p:nvPr/>
+        </p:nvCxnSpPr>
+        <p:spPr>
+          <a:xfrm rot="10800000" flipV="1">
+            <a:off x="3310270" y="2091244"/>
+            <a:ext cx="1859409" cy="200522"/>
+          </a:xfrm>
+          <a:prstGeom prst="bentConnector3">
+            <a:avLst>
+              <a:gd name="adj1" fmla="val 50000"/>
+            </a:avLst>
+          </a:prstGeom>
+          <a:noFill/>
+          <a:ln w="28575" cap="flat" cmpd="sng">
+            <a:solidFill>
+              <a:schemeClr val="lt1"/>
+            </a:solidFill>
+            <a:prstDash val="solid"/>
+            <a:round/>
+            <a:headEnd type="none" w="med" len="med"/>
+            <a:tailEnd type="none" w="med" len="med"/>
+          </a:ln>
+        </p:spPr>
+      </p:cxnSp>
+      <p:cxnSp>
+        <p:nvCxnSpPr>
+          <p:cNvPr id="802" name="Google Shape;802;p57"/>
+          <p:cNvCxnSpPr>
+            <a:cxnSpLocks/>
+          </p:cNvCxnSpPr>
+          <p:nvPr/>
+        </p:nvCxnSpPr>
+        <p:spPr>
+          <a:xfrm rot="10800000">
+            <a:off x="3140144" y="2645756"/>
+            <a:ext cx="2029534" cy="1"/>
+          </a:xfrm>
+          <a:prstGeom prst="bentConnector3">
+            <a:avLst>
+              <a:gd name="adj1" fmla="val 50000"/>
+            </a:avLst>
+          </a:prstGeom>
+          <a:noFill/>
+          <a:ln w="28575" cap="flat" cmpd="sng">
+            <a:solidFill>
+              <a:schemeClr val="lt1"/>
+            </a:solidFill>
+            <a:prstDash val="solid"/>
+            <a:round/>
+            <a:headEnd type="none" w="med" len="med"/>
+            <a:tailEnd type="none" w="med" len="med"/>
+          </a:ln>
+        </p:spPr>
+      </p:cxnSp>
+      <p:sp>
+        <p:nvSpPr>
+          <p:cNvPr id="10" name="ZoneTexte 9">
+            <a:extLst>
+              <a:ext uri="{FF2B5EF4-FFF2-40B4-BE49-F238E27FC236}">
+                <a16:creationId xmlns:a16="http://schemas.microsoft.com/office/drawing/2014/main" id="{151C01A2-AB12-4AFD-A487-6FED06801049}"/>
+              </a:ext>
+            </a:extLst>
+          </p:cNvPr>
+          <p:cNvSpPr txBox="1"/>
+          <p:nvPr/>
+        </p:nvSpPr>
+        <p:spPr>
+          <a:xfrm>
+            <a:off x="165213" y="4741606"/>
+            <a:ext cx="358355" cy="317091"/>
+          </a:xfrm>
+          <a:prstGeom prst="rect">
+            <a:avLst/>
+          </a:prstGeom>
+          <a:solidFill>
+            <a:schemeClr val="accent2"/>
+          </a:solidFill>
+        </p:spPr>
+        <p:txBody>
+          <a:bodyPr wrap="square" rtlCol="0">
+            <a:spAutoFit/>
+          </a:bodyPr>
+          <a:lstStyle/>
+          <a:p>
+            <a:r>
+              <a:rPr lang="fr-CA" dirty="0"/>
+              <a:t>6</a:t>
+            </a:r>
+          </a:p>
+        </p:txBody>
+      </p:sp>
+      <p:cxnSp>
+        <p:nvCxnSpPr>
+          <p:cNvPr id="23" name="Google Shape;801;p57">
+            <a:extLst>
+              <a:ext uri="{FF2B5EF4-FFF2-40B4-BE49-F238E27FC236}">
+                <a16:creationId xmlns:a16="http://schemas.microsoft.com/office/drawing/2014/main" id="{239C22AA-A4AD-43C2-BC01-6F88DE02121B}"/>
+              </a:ext>
+            </a:extLst>
+          </p:cNvPr>
+          <p:cNvCxnSpPr>
+            <a:cxnSpLocks/>
+          </p:cNvCxnSpPr>
+          <p:nvPr/>
+        </p:nvCxnSpPr>
+        <p:spPr>
+          <a:xfrm rot="10800000">
+            <a:off x="3140145" y="3157726"/>
+            <a:ext cx="2048667" cy="2905"/>
+          </a:xfrm>
+          <a:prstGeom prst="bentConnector3">
+            <a:avLst>
+              <a:gd name="adj1" fmla="val 50000"/>
+            </a:avLst>
+          </a:prstGeom>
+          <a:noFill/>
+          <a:ln w="28575" cap="flat" cmpd="sng">
+            <a:solidFill>
+              <a:schemeClr val="lt1"/>
+            </a:solidFill>
+            <a:prstDash val="solid"/>
+            <a:round/>
+            <a:headEnd type="none" w="med" len="med"/>
+            <a:tailEnd type="none" w="med" len="med"/>
+          </a:ln>
+        </p:spPr>
+      </p:cxnSp>
+      <p:sp>
+        <p:nvSpPr>
+          <p:cNvPr id="30" name="TextBox 29">
+            <a:extLst>
+              <a:ext uri="{FF2B5EF4-FFF2-40B4-BE49-F238E27FC236}">
+                <a16:creationId xmlns:a16="http://schemas.microsoft.com/office/drawing/2014/main" id="{5629DB01-EC35-43EB-98EC-8CE914D4EBB8}"/>
+              </a:ext>
+            </a:extLst>
+          </p:cNvPr>
+          <p:cNvSpPr txBox="1"/>
+          <p:nvPr/>
+        </p:nvSpPr>
+        <p:spPr>
+          <a:xfrm>
+            <a:off x="5115800" y="3020304"/>
+            <a:ext cx="4784650" cy="400110"/>
+          </a:xfrm>
+          <a:prstGeom prst="rect">
+            <a:avLst/>
+          </a:prstGeom>
+          <a:noFill/>
+        </p:spPr>
+        <p:txBody>
+          <a:bodyPr wrap="square">
+            <a:spAutoFit/>
+          </a:bodyPr>
+          <a:lstStyle/>
+          <a:p>
+            <a:r>
+              <a:rPr lang="fr-FR" sz="2000" b="1" dirty="0">
+                <a:solidFill>
+                  <a:schemeClr val="dk2"/>
+                </a:solidFill>
+                <a:highlight>
+                  <a:schemeClr val="accent1"/>
+                </a:highlight>
+                <a:latin typeface="Poppins"/>
+                <a:ea typeface="Poppins"/>
+                <a:cs typeface="Poppins"/>
+                <a:sym typeface="Poppins"/>
+              </a:rPr>
+              <a:t>Farouk </a:t>
+            </a:r>
+            <a:r>
+              <a:rPr lang="fr-FR" sz="2000" b="1" dirty="0" err="1">
+                <a:solidFill>
+                  <a:schemeClr val="dk2"/>
+                </a:solidFill>
+                <a:highlight>
+                  <a:schemeClr val="accent1"/>
+                </a:highlight>
+                <a:latin typeface="Poppins"/>
+                <a:ea typeface="Poppins"/>
+                <a:cs typeface="Poppins"/>
+                <a:sym typeface="Poppins"/>
+              </a:rPr>
+              <a:t>Daboussi</a:t>
+            </a:r>
+            <a:endParaRPr lang="fr-FR" sz="2000" b="1" dirty="0">
+              <a:solidFill>
+                <a:schemeClr val="dk2"/>
+              </a:solidFill>
+              <a:highlight>
+                <a:schemeClr val="accent1"/>
+              </a:highlight>
+              <a:latin typeface="Poppins"/>
+              <a:ea typeface="Poppins"/>
+              <a:cs typeface="Poppins"/>
+              <a:sym typeface="Poppins"/>
+            </a:endParaRPr>
+          </a:p>
+        </p:txBody>
+      </p:sp>
+      <p:cxnSp>
+        <p:nvCxnSpPr>
+          <p:cNvPr id="31" name="Google Shape;801;p57">
+            <a:extLst>
+              <a:ext uri="{FF2B5EF4-FFF2-40B4-BE49-F238E27FC236}">
+                <a16:creationId xmlns:a16="http://schemas.microsoft.com/office/drawing/2014/main" id="{F62F3A0C-1728-4B3D-83B6-C169E912DCBA}"/>
+              </a:ext>
+            </a:extLst>
+          </p:cNvPr>
+          <p:cNvCxnSpPr>
+            <a:cxnSpLocks/>
+          </p:cNvCxnSpPr>
+          <p:nvPr/>
+        </p:nvCxnSpPr>
+        <p:spPr>
+          <a:xfrm rot="10800000">
+            <a:off x="2693581" y="3523586"/>
+            <a:ext cx="2495230" cy="245564"/>
+          </a:xfrm>
+          <a:prstGeom prst="bentConnector3">
+            <a:avLst>
+              <a:gd name="adj1" fmla="val 50000"/>
+            </a:avLst>
+          </a:prstGeom>
+          <a:noFill/>
+          <a:ln w="28575" cap="flat" cmpd="sng">
+            <a:solidFill>
+              <a:schemeClr val="lt1"/>
+            </a:solidFill>
+            <a:prstDash val="solid"/>
+            <a:round/>
+            <a:headEnd type="none" w="med" len="med"/>
+            <a:tailEnd type="none" w="med" len="med"/>
+          </a:ln>
+        </p:spPr>
+      </p:cxnSp>
+      <p:sp>
+        <p:nvSpPr>
+          <p:cNvPr id="32" name="TextBox 31">
+            <a:extLst>
+              <a:ext uri="{FF2B5EF4-FFF2-40B4-BE49-F238E27FC236}">
+                <a16:creationId xmlns:a16="http://schemas.microsoft.com/office/drawing/2014/main" id="{EE6F4570-62D5-4761-BA84-F66C0F391333}"/>
+              </a:ext>
+            </a:extLst>
+          </p:cNvPr>
+          <p:cNvSpPr txBox="1"/>
+          <p:nvPr/>
+        </p:nvSpPr>
+        <p:spPr>
+          <a:xfrm>
+            <a:off x="5115800" y="3578641"/>
+            <a:ext cx="4784650" cy="400110"/>
+          </a:xfrm>
+          <a:prstGeom prst="rect">
+            <a:avLst/>
+          </a:prstGeom>
+          <a:noFill/>
+        </p:spPr>
+        <p:txBody>
+          <a:bodyPr wrap="square">
+            <a:spAutoFit/>
+          </a:bodyPr>
+          <a:lstStyle/>
+          <a:p>
+            <a:pPr marL="0" marR="0" lvl="0" indent="0" algn="l" rtl="0">
+              <a:lnSpc>
+                <a:spcPct val="100000"/>
+              </a:lnSpc>
+              <a:spcBef>
+                <a:spcPts val="0"/>
+              </a:spcBef>
+              <a:spcAft>
+                <a:spcPts val="0"/>
+              </a:spcAft>
+              <a:buNone/>
+            </a:pPr>
+            <a:r>
+              <a:rPr lang="fr-FR" sz="2000" b="1" dirty="0">
+                <a:solidFill>
+                  <a:schemeClr val="dk2"/>
+                </a:solidFill>
+                <a:highlight>
+                  <a:schemeClr val="accent1"/>
+                </a:highlight>
+                <a:latin typeface="Poppins"/>
+                <a:ea typeface="Poppins"/>
+                <a:cs typeface="Poppins"/>
+                <a:sym typeface="Poppins"/>
+              </a:rPr>
+              <a:t>Oumaima Touil</a:t>
+            </a:r>
+          </a:p>
+        </p:txBody>
+      </p:sp>
+      <p:cxnSp>
+        <p:nvCxnSpPr>
+          <p:cNvPr id="38" name="Google Shape;801;p57">
+            <a:extLst>
+              <a:ext uri="{FF2B5EF4-FFF2-40B4-BE49-F238E27FC236}">
+                <a16:creationId xmlns:a16="http://schemas.microsoft.com/office/drawing/2014/main" id="{E3FFFE5F-8A21-43AA-85FB-5211DE2A3AA9}"/>
+              </a:ext>
+            </a:extLst>
+          </p:cNvPr>
+          <p:cNvCxnSpPr>
+            <a:cxnSpLocks/>
+            <a:stCxn id="39" idx="1"/>
+          </p:cNvCxnSpPr>
+          <p:nvPr/>
+        </p:nvCxnSpPr>
+        <p:spPr>
+          <a:xfrm rot="10800000">
+            <a:off x="2395870" y="4006981"/>
+            <a:ext cx="2719930" cy="342717"/>
+          </a:xfrm>
+          <a:prstGeom prst="bentConnector3">
+            <a:avLst>
+              <a:gd name="adj1" fmla="val 50000"/>
+            </a:avLst>
+          </a:prstGeom>
+          <a:noFill/>
+          <a:ln w="28575" cap="flat" cmpd="sng">
+            <a:solidFill>
+              <a:schemeClr val="lt1"/>
+            </a:solidFill>
+            <a:prstDash val="solid"/>
+            <a:round/>
+            <a:headEnd type="none" w="med" len="med"/>
+            <a:tailEnd type="none" w="med" len="med"/>
+          </a:ln>
+        </p:spPr>
+      </p:cxnSp>
+      <p:sp>
+        <p:nvSpPr>
+          <p:cNvPr id="39" name="TextBox 38">
+            <a:extLst>
+              <a:ext uri="{FF2B5EF4-FFF2-40B4-BE49-F238E27FC236}">
+                <a16:creationId xmlns:a16="http://schemas.microsoft.com/office/drawing/2014/main" id="{80E009F1-B57F-4F81-8EA4-9DBC951D9C21}"/>
+              </a:ext>
+            </a:extLst>
+          </p:cNvPr>
+          <p:cNvSpPr txBox="1"/>
+          <p:nvPr/>
+        </p:nvSpPr>
+        <p:spPr>
+          <a:xfrm>
+            <a:off x="5115800" y="4149642"/>
+            <a:ext cx="4784650" cy="400110"/>
+          </a:xfrm>
+          <a:prstGeom prst="rect">
+            <a:avLst/>
+          </a:prstGeom>
+          <a:noFill/>
+        </p:spPr>
+        <p:txBody>
+          <a:bodyPr wrap="square">
+            <a:spAutoFit/>
+          </a:bodyPr>
+          <a:lstStyle/>
+          <a:p>
+            <a:pPr marL="0" marR="0" lvl="0" indent="0" algn="l" rtl="0">
+              <a:lnSpc>
+                <a:spcPct val="100000"/>
+              </a:lnSpc>
+              <a:spcBef>
+                <a:spcPts val="0"/>
+              </a:spcBef>
+              <a:spcAft>
+                <a:spcPts val="0"/>
+              </a:spcAft>
+              <a:buNone/>
+            </a:pPr>
+            <a:r>
+              <a:rPr lang="fr-FR" sz="2000" b="1" dirty="0">
+                <a:solidFill>
+                  <a:schemeClr val="dk2"/>
+                </a:solidFill>
+                <a:highlight>
+                  <a:schemeClr val="accent1"/>
+                </a:highlight>
+                <a:latin typeface="Poppins"/>
+                <a:ea typeface="Poppins"/>
+                <a:cs typeface="Poppins"/>
+                <a:sym typeface="Poppins"/>
+              </a:rPr>
+              <a:t>Ghofran  BenJezia</a:t>
+            </a:r>
+          </a:p>
+        </p:txBody>
+      </p:sp>
+      <p:pic>
+        <p:nvPicPr>
+          <p:cNvPr id="57" name="Picture 56">
+            <a:extLst>
+              <a:ext uri="{FF2B5EF4-FFF2-40B4-BE49-F238E27FC236}">
+                <a16:creationId xmlns:a16="http://schemas.microsoft.com/office/drawing/2014/main" id="{50F40235-D0A2-4A47-B8ED-E1E7CF9E50D6}"/>
+              </a:ext>
+            </a:extLst>
+          </p:cNvPr>
+          <p:cNvPicPr>
+            <a:picLocks noChangeAspect="1"/>
+          </p:cNvPicPr>
+          <p:nvPr/>
+        </p:nvPicPr>
+        <p:blipFill>
+          <a:blip r:embed="rId3"/>
+          <a:stretch>
+            <a:fillRect/>
+          </a:stretch>
+        </p:blipFill>
+        <p:spPr>
+          <a:xfrm>
+            <a:off x="294723" y="406691"/>
+            <a:ext cx="3593660" cy="3690388"/>
+          </a:xfrm>
+          <a:prstGeom prst="rect">
+            <a:avLst/>
+          </a:prstGeom>
+        </p:spPr>
+      </p:pic>
+    </p:spTree>
+    <p:extLst>
+      <p:ext uri="{BB962C8B-B14F-4D97-AF65-F5344CB8AC3E}">
+        <p14:creationId xmlns:p14="http://schemas.microsoft.com/office/powerpoint/2010/main" val="2974669723"/>
+      </p:ext>
+    </p:extLst>
+  </p:cSld>
+  <p:clrMapOvr>
+    <a:masterClrMapping/>
+  </p:clrMapOvr>
+</p:sld>
+</file>
+
+<file path=ppt/slides/slide20.xml><?xml version="1.0" encoding="utf-8"?>
+<p:sld xmlns:a="http://schemas.openxmlformats.org/drawingml/2006/main" xmlns:r="http://schemas.openxmlformats.org/officeDocument/2006/relationships" xmlns:p="http://schemas.openxmlformats.org/presentationml/2006/main">
+  <p:cSld>
+    <p:spTree>
+      <p:nvGrpSpPr>
+        <p:cNvPr id="1" name="Shape 992"/>
+        <p:cNvGrpSpPr/>
+        <p:nvPr/>
+      </p:nvGrpSpPr>
+      <p:grpSpPr>
+        <a:xfrm>
+          <a:off x="0" y="0"/>
+          <a:ext cx="0" cy="0"/>
+          <a:chOff x="0" y="0"/>
+          <a:chExt cx="0" cy="0"/>
+        </a:xfrm>
+      </p:grpSpPr>
+      <p:sp>
+        <p:nvSpPr>
+          <p:cNvPr id="993" name="Google Shape;993;p64"/>
+          <p:cNvSpPr txBox="1">
+            <a:spLocks noGrp="1"/>
+          </p:cNvSpPr>
+          <p:nvPr>
+            <p:ph type="title"/>
+          </p:nvPr>
+        </p:nvSpPr>
+        <p:spPr>
+          <a:xfrm>
+            <a:off x="1624059" y="1569126"/>
+            <a:ext cx="2015400" cy="527700"/>
+          </a:xfrm>
+          <a:prstGeom prst="rect">
+            <a:avLst/>
+          </a:prstGeom>
+        </p:spPr>
+        <p:txBody>
+          <a:bodyPr spcFirstLastPara="1" wrap="square" lIns="91425" tIns="91425" rIns="91425" bIns="91425" anchor="ctr" anchorCtr="0">
+            <a:noAutofit/>
+          </a:bodyPr>
+          <a:lstStyle/>
+          <a:p>
+            <a:pPr marL="0" lvl="0" indent="0" algn="ctr" rtl="0">
+              <a:spcBef>
+                <a:spcPts val="0"/>
+              </a:spcBef>
+              <a:spcAft>
+                <a:spcPts val="0"/>
+              </a:spcAft>
+              <a:buNone/>
+            </a:pPr>
+            <a:r>
+              <a:rPr lang="en" dirty="0"/>
+              <a:t>Sous</a:t>
+            </a:r>
+            <a:endParaRPr dirty="0"/>
+          </a:p>
+        </p:txBody>
+      </p:sp>
+      <p:sp>
+        <p:nvSpPr>
+          <p:cNvPr id="994" name="Google Shape;994;p64"/>
+          <p:cNvSpPr txBox="1">
+            <a:spLocks noGrp="1"/>
+          </p:cNvSpPr>
+          <p:nvPr>
+            <p:ph type="subTitle" idx="1"/>
+          </p:nvPr>
+        </p:nvSpPr>
+        <p:spPr>
+          <a:xfrm>
+            <a:off x="829174" y="1832976"/>
             <a:ext cx="3742826" cy="2672140"/>
           </a:xfrm>
           <a:prstGeom prst="rect">
@@ -34244,379 +35661,7 @@
 </p:sld>
 </file>
 
-<file path=ppt/slides/slide2.xml><?xml version="1.0" encoding="utf-8"?>
-<p:sld xmlns:a="http://schemas.openxmlformats.org/drawingml/2006/main" xmlns:r="http://schemas.openxmlformats.org/officeDocument/2006/relationships" xmlns:p="http://schemas.openxmlformats.org/presentationml/2006/main">
-  <p:cSld>
-    <p:spTree>
-      <p:nvGrpSpPr>
-        <p:cNvPr id="1" name="Shape 544"/>
-        <p:cNvGrpSpPr/>
-        <p:nvPr/>
-      </p:nvGrpSpPr>
-      <p:grpSpPr>
-        <a:xfrm>
-          <a:off x="0" y="0"/>
-          <a:ext cx="0" cy="0"/>
-          <a:chOff x="0" y="0"/>
-          <a:chExt cx="0" cy="0"/>
-        </a:xfrm>
-      </p:grpSpPr>
-      <p:sp>
-        <p:nvSpPr>
-          <p:cNvPr id="546" name="Google Shape;546;p40"/>
-          <p:cNvSpPr/>
-          <p:nvPr/>
-        </p:nvSpPr>
-        <p:spPr>
-          <a:xfrm>
-            <a:off x="1937804" y="3264778"/>
-            <a:ext cx="687900" cy="687900"/>
-          </a:xfrm>
-          <a:prstGeom prst="ellipse">
-            <a:avLst/>
-          </a:prstGeom>
-          <a:solidFill>
-            <a:schemeClr val="accent2"/>
-          </a:solidFill>
-          <a:ln>
-            <a:noFill/>
-          </a:ln>
-          <a:effectLst>
-            <a:outerShdw blurRad="157163" dist="57150" dir="3000000" algn="bl" rotWithShape="0">
-              <a:schemeClr val="dk1">
-                <a:alpha val="37000"/>
-              </a:schemeClr>
-            </a:outerShdw>
-          </a:effectLst>
-        </p:spPr>
-        <p:txBody>
-          <a:bodyPr spcFirstLastPara="1" wrap="square" lIns="91425" tIns="91425" rIns="91425" bIns="91425" anchor="ctr" anchorCtr="0">
-            <a:noAutofit/>
-          </a:bodyPr>
-          <a:lstStyle/>
-          <a:p>
-            <a:pPr marL="0" marR="0" lvl="0" indent="0" algn="l" rtl="0">
-              <a:lnSpc>
-                <a:spcPct val="100000"/>
-              </a:lnSpc>
-              <a:spcBef>
-                <a:spcPts val="0"/>
-              </a:spcBef>
-              <a:spcAft>
-                <a:spcPts val="0"/>
-              </a:spcAft>
-              <a:buNone/>
-            </a:pPr>
-            <a:endParaRPr/>
-          </a:p>
-        </p:txBody>
-      </p:sp>
-      <p:sp>
-        <p:nvSpPr>
-          <p:cNvPr id="547" name="Google Shape;547;p40"/>
-          <p:cNvSpPr/>
-          <p:nvPr/>
-        </p:nvSpPr>
-        <p:spPr>
-          <a:xfrm>
-            <a:off x="889737" y="1606599"/>
-            <a:ext cx="687900" cy="687900"/>
-          </a:xfrm>
-          <a:prstGeom prst="ellipse">
-            <a:avLst/>
-          </a:prstGeom>
-          <a:solidFill>
-            <a:schemeClr val="accent3"/>
-          </a:solidFill>
-          <a:ln>
-            <a:noFill/>
-          </a:ln>
-          <a:effectLst>
-            <a:outerShdw blurRad="157163" dist="57150" dir="3000000" algn="bl" rotWithShape="0">
-              <a:schemeClr val="dk1">
-                <a:alpha val="37000"/>
-              </a:schemeClr>
-            </a:outerShdw>
-          </a:effectLst>
-        </p:spPr>
-        <p:txBody>
-          <a:bodyPr spcFirstLastPara="1" wrap="square" lIns="91425" tIns="91425" rIns="91425" bIns="91425" anchor="ctr" anchorCtr="0">
-            <a:noAutofit/>
-          </a:bodyPr>
-          <a:lstStyle/>
-          <a:p>
-            <a:pPr marL="0" marR="0" lvl="0" indent="0" algn="l" rtl="0">
-              <a:lnSpc>
-                <a:spcPct val="100000"/>
-              </a:lnSpc>
-              <a:spcBef>
-                <a:spcPts val="0"/>
-              </a:spcBef>
-              <a:spcAft>
-                <a:spcPts val="0"/>
-              </a:spcAft>
-              <a:buNone/>
-            </a:pPr>
-            <a:endParaRPr/>
-          </a:p>
-        </p:txBody>
-      </p:sp>
-      <p:sp>
-        <p:nvSpPr>
-          <p:cNvPr id="549" name="Google Shape;549;p40"/>
-          <p:cNvSpPr txBox="1">
-            <a:spLocks noGrp="1"/>
-          </p:cNvSpPr>
-          <p:nvPr>
-            <p:ph type="title"/>
-          </p:nvPr>
-        </p:nvSpPr>
-        <p:spPr>
-          <a:xfrm>
-            <a:off x="1727459" y="1490079"/>
-            <a:ext cx="6526804" cy="730500"/>
-          </a:xfrm>
-          <a:prstGeom prst="rect">
-            <a:avLst/>
-          </a:prstGeom>
-        </p:spPr>
-        <p:txBody>
-          <a:bodyPr spcFirstLastPara="1" wrap="square" lIns="91425" tIns="91425" rIns="0" bIns="91425" anchor="b" anchorCtr="0">
-            <a:noAutofit/>
-          </a:bodyPr>
-          <a:lstStyle/>
-          <a:p>
-            <a:pPr marL="0" lvl="0" indent="0" algn="l" rtl="0">
-              <a:spcBef>
-                <a:spcPts val="0"/>
-              </a:spcBef>
-              <a:spcAft>
-                <a:spcPts val="0"/>
-              </a:spcAft>
-              <a:buNone/>
-            </a:pPr>
-            <a:endParaRPr lang="fr-CA" dirty="0"/>
-          </a:p>
-        </p:txBody>
-      </p:sp>
-      <p:sp>
-        <p:nvSpPr>
-          <p:cNvPr id="550" name="Google Shape;550;p40"/>
-          <p:cNvSpPr txBox="1">
-            <a:spLocks noGrp="1"/>
-          </p:cNvSpPr>
-          <p:nvPr>
-            <p:ph type="title" idx="2"/>
-          </p:nvPr>
-        </p:nvSpPr>
-        <p:spPr>
-          <a:xfrm>
-            <a:off x="868737" y="1749810"/>
-            <a:ext cx="729900" cy="417600"/>
-          </a:xfrm>
-          <a:prstGeom prst="rect">
-            <a:avLst/>
-          </a:prstGeom>
-        </p:spPr>
-        <p:txBody>
-          <a:bodyPr spcFirstLastPara="1" wrap="square" lIns="91425" tIns="91425" rIns="91425" bIns="91425" anchor="ctr" anchorCtr="0">
-            <a:noAutofit/>
-          </a:bodyPr>
-          <a:lstStyle/>
-          <a:p>
-            <a:pPr marL="0" lvl="0" indent="0" algn="ctr" rtl="0">
-              <a:spcBef>
-                <a:spcPts val="0"/>
-              </a:spcBef>
-              <a:spcAft>
-                <a:spcPts val="0"/>
-              </a:spcAft>
-              <a:buNone/>
-            </a:pPr>
-            <a:r>
-              <a:rPr lang="en"/>
-              <a:t>01</a:t>
-            </a:r>
-            <a:endParaRPr/>
-          </a:p>
-        </p:txBody>
-      </p:sp>
-      <p:sp>
-        <p:nvSpPr>
-          <p:cNvPr id="558" name="Google Shape;558;p40"/>
-          <p:cNvSpPr txBox="1">
-            <a:spLocks noGrp="1"/>
-          </p:cNvSpPr>
-          <p:nvPr>
-            <p:ph type="title" idx="9"/>
-          </p:nvPr>
-        </p:nvSpPr>
-        <p:spPr>
-          <a:xfrm>
-            <a:off x="2625704" y="3099418"/>
-            <a:ext cx="7084906" cy="730500"/>
-          </a:xfrm>
-          <a:prstGeom prst="rect">
-            <a:avLst/>
-          </a:prstGeom>
-        </p:spPr>
-        <p:txBody>
-          <a:bodyPr spcFirstLastPara="1" wrap="square" lIns="91425" tIns="91425" rIns="457200" bIns="91425" anchor="b" anchorCtr="0">
-            <a:noAutofit/>
-          </a:bodyPr>
-          <a:lstStyle/>
-          <a:p>
-            <a:pPr marL="0" lvl="0" indent="0" algn="l" rtl="0">
-              <a:spcBef>
-                <a:spcPts val="0"/>
-              </a:spcBef>
-              <a:spcAft>
-                <a:spcPts val="0"/>
-              </a:spcAft>
-              <a:buNone/>
-            </a:pPr>
-            <a:endParaRPr dirty="0"/>
-          </a:p>
-        </p:txBody>
-      </p:sp>
-      <p:sp>
-        <p:nvSpPr>
-          <p:cNvPr id="559" name="Google Shape;559;p40"/>
-          <p:cNvSpPr txBox="1">
-            <a:spLocks noGrp="1"/>
-          </p:cNvSpPr>
-          <p:nvPr>
-            <p:ph type="title" idx="13"/>
-          </p:nvPr>
-        </p:nvSpPr>
-        <p:spPr>
-          <a:xfrm>
-            <a:off x="1916804" y="3412318"/>
-            <a:ext cx="729900" cy="417600"/>
-          </a:xfrm>
-          <a:prstGeom prst="rect">
-            <a:avLst/>
-          </a:prstGeom>
-        </p:spPr>
-        <p:txBody>
-          <a:bodyPr spcFirstLastPara="1" wrap="square" lIns="91425" tIns="91425" rIns="91425" bIns="91425" anchor="ctr" anchorCtr="0">
-            <a:noAutofit/>
-          </a:bodyPr>
-          <a:lstStyle/>
-          <a:p>
-            <a:pPr marL="0" lvl="0" indent="0" algn="ctr" rtl="0">
-              <a:spcBef>
-                <a:spcPts val="0"/>
-              </a:spcBef>
-              <a:spcAft>
-                <a:spcPts val="0"/>
-              </a:spcAft>
-              <a:buNone/>
-            </a:pPr>
-            <a:r>
-              <a:rPr lang="en" dirty="0"/>
-              <a:t>02</a:t>
-            </a:r>
-            <a:endParaRPr dirty="0"/>
-          </a:p>
-        </p:txBody>
-      </p:sp>
-      <p:sp>
-        <p:nvSpPr>
-          <p:cNvPr id="561" name="Google Shape;561;p40"/>
-          <p:cNvSpPr txBox="1">
-            <a:spLocks noGrp="1"/>
-          </p:cNvSpPr>
-          <p:nvPr>
-            <p:ph type="title" idx="15"/>
-          </p:nvPr>
-        </p:nvSpPr>
-        <p:spPr>
-          <a:xfrm>
-            <a:off x="720000" y="407159"/>
-            <a:ext cx="7704000" cy="572700"/>
-          </a:xfrm>
-          <a:prstGeom prst="rect">
-            <a:avLst/>
-          </a:prstGeom>
-        </p:spPr>
-        <p:txBody>
-          <a:bodyPr spcFirstLastPara="1" wrap="square" lIns="91425" tIns="91425" rIns="91425" bIns="91425" anchor="ctr" anchorCtr="0">
-            <a:noAutofit/>
-          </a:bodyPr>
-          <a:lstStyle/>
-          <a:p>
-            <a:pPr marL="0" lvl="0" indent="0" algn="ctr" rtl="0">
-              <a:spcBef>
-                <a:spcPts val="0"/>
-              </a:spcBef>
-              <a:spcAft>
-                <a:spcPts val="0"/>
-              </a:spcAft>
-              <a:buNone/>
-            </a:pPr>
-            <a:r>
-              <a:rPr lang="en" dirty="0"/>
-              <a:t>PLAN</a:t>
-            </a:r>
-            <a:endParaRPr b="0" dirty="0">
-              <a:solidFill>
-                <a:schemeClr val="lt1"/>
-              </a:solidFill>
-              <a:latin typeface="Poppins ExtraBold"/>
-              <a:ea typeface="Poppins ExtraBold"/>
-              <a:cs typeface="Poppins ExtraBold"/>
-              <a:sym typeface="Poppins ExtraBold"/>
-            </a:endParaRPr>
-          </a:p>
-        </p:txBody>
-      </p:sp>
-      <p:sp>
-        <p:nvSpPr>
-          <p:cNvPr id="9" name="ZoneTexte 8">
-            <a:extLst>
-              <a:ext uri="{FF2B5EF4-FFF2-40B4-BE49-F238E27FC236}">
-                <a16:creationId xmlns:a16="http://schemas.microsoft.com/office/drawing/2014/main" id="{90359B3E-66F0-434D-BEB1-C768B7DD7E63}"/>
-              </a:ext>
-            </a:extLst>
-          </p:cNvPr>
-          <p:cNvSpPr txBox="1"/>
-          <p:nvPr/>
-        </p:nvSpPr>
-        <p:spPr>
-          <a:xfrm>
-            <a:off x="720000" y="4826409"/>
-            <a:ext cx="358355" cy="317091"/>
-          </a:xfrm>
-          <a:prstGeom prst="rect">
-            <a:avLst/>
-          </a:prstGeom>
-          <a:solidFill>
-            <a:schemeClr val="accent2"/>
-          </a:solidFill>
-        </p:spPr>
-        <p:txBody>
-          <a:bodyPr wrap="square" rtlCol="0">
-            <a:spAutoFit/>
-          </a:bodyPr>
-          <a:lstStyle/>
-          <a:p>
-            <a:r>
-              <a:rPr lang="fr-CA" dirty="0"/>
-              <a:t>1</a:t>
-            </a:r>
-          </a:p>
-        </p:txBody>
-      </p:sp>
-    </p:spTree>
-  </p:cSld>
-  <p:clrMapOvr>
-    <a:masterClrMapping/>
-  </p:clrMapOvr>
-</p:sld>
-</file>
-
-<file path=ppt/slides/slide20.xml><?xml version="1.0" encoding="utf-8"?>
+<file path=ppt/slides/slide21.xml><?xml version="1.0" encoding="utf-8"?>
 <p:sld xmlns:a="http://schemas.openxmlformats.org/drawingml/2006/main" xmlns:r="http://schemas.openxmlformats.org/officeDocument/2006/relationships" xmlns:p="http://schemas.openxmlformats.org/presentationml/2006/main">
   <p:cSld>
     <p:spTree>
@@ -34779,7 +35824,7 @@
 </p:sld>
 </file>
 
-<file path=ppt/slides/slide21.xml><?xml version="1.0" encoding="utf-8"?>
+<file path=ppt/slides/slide22.xml><?xml version="1.0" encoding="utf-8"?>
 <p:sld xmlns:a="http://schemas.openxmlformats.org/drawingml/2006/main" xmlns:r="http://schemas.openxmlformats.org/officeDocument/2006/relationships" xmlns:p="http://schemas.openxmlformats.org/presentationml/2006/main">
   <p:cSld>
     <p:bg>
@@ -35453,7 +36498,7 @@
 </p:sld>
 </file>
 
-<file path=ppt/slides/slide22.xml><?xml version="1.0" encoding="utf-8"?>
+<file path=ppt/slides/slide23.xml><?xml version="1.0" encoding="utf-8"?>
 <p:sld xmlns:a="http://schemas.openxmlformats.org/drawingml/2006/main" xmlns:r="http://schemas.openxmlformats.org/officeDocument/2006/relationships" xmlns:p="http://schemas.openxmlformats.org/presentationml/2006/main">
   <p:cSld>
     <p:spTree>
@@ -36234,7 +37279,7 @@
 </p:sld>
 </file>
 
-<file path=ppt/slides/slide23.xml><?xml version="1.0" encoding="utf-8"?>
+<file path=ppt/slides/slide24.xml><?xml version="1.0" encoding="utf-8"?>
 <p:sld xmlns:a="http://schemas.openxmlformats.org/drawingml/2006/main" xmlns:r="http://schemas.openxmlformats.org/officeDocument/2006/relationships" xmlns:p="http://schemas.openxmlformats.org/presentationml/2006/main">
   <p:cSld>
     <p:bg>
@@ -36936,7 +37981,7 @@
 </p:sld>
 </file>
 
-<file path=ppt/slides/slide24.xml><?xml version="1.0" encoding="utf-8"?>
+<file path=ppt/slides/slide25.xml><?xml version="1.0" encoding="utf-8"?>
 <p:sld xmlns:a="http://schemas.openxmlformats.org/drawingml/2006/main" xmlns:r="http://schemas.openxmlformats.org/officeDocument/2006/relationships" xmlns:p="http://schemas.openxmlformats.org/presentationml/2006/main">
   <p:cSld>
     <p:spTree>
@@ -37830,7 +38875,7 @@
 </p:sld>
 </file>
 
-<file path=ppt/slides/slide25.xml><?xml version="1.0" encoding="utf-8"?>
+<file path=ppt/slides/slide26.xml><?xml version="1.0" encoding="utf-8"?>
 <p:sld xmlns:a="http://schemas.openxmlformats.org/drawingml/2006/main" xmlns:r="http://schemas.openxmlformats.org/officeDocument/2006/relationships" xmlns:p="http://schemas.openxmlformats.org/presentationml/2006/main">
   <p:cSld>
     <p:bg>
@@ -38307,7 +39352,7 @@
 </p:sld>
 </file>
 
-<file path=ppt/slides/slide26.xml><?xml version="1.0" encoding="utf-8"?>
+<file path=ppt/slides/slide27.xml><?xml version="1.0" encoding="utf-8"?>
 <p:sld xmlns:a="http://schemas.openxmlformats.org/drawingml/2006/main" xmlns:r="http://schemas.openxmlformats.org/officeDocument/2006/relationships" xmlns:p="http://schemas.openxmlformats.org/presentationml/2006/main">
   <p:cSld>
     <p:spTree>
@@ -38476,7 +39521,7 @@
 </p:sld>
 </file>
 
-<file path=ppt/slides/slide27.xml><?xml version="1.0" encoding="utf-8"?>
+<file path=ppt/slides/slide28.xml><?xml version="1.0" encoding="utf-8"?>
 <p:sld xmlns:a="http://schemas.openxmlformats.org/drawingml/2006/main" xmlns:r="http://schemas.openxmlformats.org/officeDocument/2006/relationships" xmlns:p="http://schemas.openxmlformats.org/presentationml/2006/main">
   <p:cSld>
     <p:bg>
@@ -39304,7 +40349,7 @@
 </p:sld>
 </file>
 
-<file path=ppt/slides/slide28.xml><?xml version="1.0" encoding="utf-8"?>
+<file path=ppt/slides/slide29.xml><?xml version="1.0" encoding="utf-8"?>
 <p:sld xmlns:a="http://schemas.openxmlformats.org/drawingml/2006/main" xmlns:r="http://schemas.openxmlformats.org/officeDocument/2006/relationships" xmlns:p="http://schemas.openxmlformats.org/presentationml/2006/main">
   <p:cSld>
     <p:spTree>
@@ -40287,7 +41332,572 @@
 </p:sld>
 </file>
 
-<file path=ppt/slides/slide29.xml><?xml version="1.0" encoding="utf-8"?>
+<file path=ppt/slides/slide3.xml><?xml version="1.0" encoding="utf-8"?>
+<p:sld xmlns:a="http://schemas.openxmlformats.org/drawingml/2006/main" xmlns:r="http://schemas.openxmlformats.org/officeDocument/2006/relationships" xmlns:p="http://schemas.openxmlformats.org/presentationml/2006/main">
+  <p:cSld>
+    <p:spTree>
+      <p:nvGrpSpPr>
+        <p:cNvPr id="1" name="Shape 544"/>
+        <p:cNvGrpSpPr/>
+        <p:nvPr/>
+      </p:nvGrpSpPr>
+      <p:grpSpPr>
+        <a:xfrm>
+          <a:off x="0" y="0"/>
+          <a:ext cx="0" cy="0"/>
+          <a:chOff x="0" y="0"/>
+          <a:chExt cx="0" cy="0"/>
+        </a:xfrm>
+      </p:grpSpPr>
+      <p:sp>
+        <p:nvSpPr>
+          <p:cNvPr id="546" name="Google Shape;546;p40"/>
+          <p:cNvSpPr/>
+          <p:nvPr/>
+        </p:nvSpPr>
+        <p:spPr>
+          <a:xfrm>
+            <a:off x="1937804" y="3264778"/>
+            <a:ext cx="687900" cy="687900"/>
+          </a:xfrm>
+          <a:prstGeom prst="ellipse">
+            <a:avLst/>
+          </a:prstGeom>
+          <a:solidFill>
+            <a:schemeClr val="accent2"/>
+          </a:solidFill>
+          <a:ln>
+            <a:noFill/>
+          </a:ln>
+          <a:effectLst>
+            <a:outerShdw blurRad="157163" dist="57150" dir="3000000" algn="bl" rotWithShape="0">
+              <a:schemeClr val="dk1">
+                <a:alpha val="37000"/>
+              </a:schemeClr>
+            </a:outerShdw>
+          </a:effectLst>
+        </p:spPr>
+        <p:txBody>
+          <a:bodyPr spcFirstLastPara="1" wrap="square" lIns="91425" tIns="91425" rIns="91425" bIns="91425" anchor="ctr" anchorCtr="0">
+            <a:noAutofit/>
+          </a:bodyPr>
+          <a:lstStyle/>
+          <a:p>
+            <a:pPr marL="0" marR="0" lvl="0" indent="0" algn="l" rtl="0">
+              <a:lnSpc>
+                <a:spcPct val="100000"/>
+              </a:lnSpc>
+              <a:spcBef>
+                <a:spcPts val="0"/>
+              </a:spcBef>
+              <a:spcAft>
+                <a:spcPts val="0"/>
+              </a:spcAft>
+              <a:buNone/>
+            </a:pPr>
+            <a:endParaRPr/>
+          </a:p>
+        </p:txBody>
+      </p:sp>
+      <p:sp>
+        <p:nvSpPr>
+          <p:cNvPr id="547" name="Google Shape;547;p40"/>
+          <p:cNvSpPr/>
+          <p:nvPr/>
+        </p:nvSpPr>
+        <p:spPr>
+          <a:xfrm>
+            <a:off x="889737" y="1443566"/>
+            <a:ext cx="687900" cy="687900"/>
+          </a:xfrm>
+          <a:prstGeom prst="ellipse">
+            <a:avLst/>
+          </a:prstGeom>
+          <a:solidFill>
+            <a:schemeClr val="accent3"/>
+          </a:solidFill>
+          <a:ln>
+            <a:noFill/>
+          </a:ln>
+          <a:effectLst>
+            <a:outerShdw blurRad="157163" dist="57150" dir="3000000" algn="bl" rotWithShape="0">
+              <a:schemeClr val="dk1">
+                <a:alpha val="37000"/>
+              </a:schemeClr>
+            </a:outerShdw>
+          </a:effectLst>
+        </p:spPr>
+        <p:txBody>
+          <a:bodyPr spcFirstLastPara="1" wrap="square" lIns="91425" tIns="91425" rIns="91425" bIns="91425" anchor="ctr" anchorCtr="0">
+            <a:noAutofit/>
+          </a:bodyPr>
+          <a:lstStyle/>
+          <a:p>
+            <a:pPr marL="0" marR="0" lvl="0" indent="0" algn="l" rtl="0">
+              <a:lnSpc>
+                <a:spcPct val="100000"/>
+              </a:lnSpc>
+              <a:spcBef>
+                <a:spcPts val="0"/>
+              </a:spcBef>
+              <a:spcAft>
+                <a:spcPts val="0"/>
+              </a:spcAft>
+              <a:buNone/>
+            </a:pPr>
+            <a:endParaRPr/>
+          </a:p>
+        </p:txBody>
+      </p:sp>
+      <p:sp>
+        <p:nvSpPr>
+          <p:cNvPr id="549" name="Google Shape;549;p40"/>
+          <p:cNvSpPr txBox="1">
+            <a:spLocks noGrp="1"/>
+          </p:cNvSpPr>
+          <p:nvPr>
+            <p:ph type="title"/>
+          </p:nvPr>
+        </p:nvSpPr>
+        <p:spPr>
+          <a:xfrm>
+            <a:off x="1727459" y="1327046"/>
+            <a:ext cx="6526804" cy="730500"/>
+          </a:xfrm>
+          <a:prstGeom prst="rect">
+            <a:avLst/>
+          </a:prstGeom>
+        </p:spPr>
+        <p:txBody>
+          <a:bodyPr spcFirstLastPara="1" wrap="square" lIns="91425" tIns="91425" rIns="0" bIns="91425" anchor="b" anchorCtr="0">
+            <a:noAutofit/>
+          </a:bodyPr>
+          <a:lstStyle/>
+          <a:p>
+            <a:pPr marL="0" lvl="0" indent="0" algn="l" rtl="0">
+              <a:spcBef>
+                <a:spcPts val="0"/>
+              </a:spcBef>
+              <a:spcAft>
+                <a:spcPts val="0"/>
+              </a:spcAft>
+              <a:buNone/>
+            </a:pPr>
+            <a:r>
+              <a:rPr lang="fr-CA" dirty="0"/>
+              <a:t>Partie 1: Présentation de l’entreprise  GOOGLE </a:t>
+            </a:r>
+          </a:p>
+        </p:txBody>
+      </p:sp>
+      <p:sp>
+        <p:nvSpPr>
+          <p:cNvPr id="550" name="Google Shape;550;p40"/>
+          <p:cNvSpPr txBox="1">
+            <a:spLocks noGrp="1"/>
+          </p:cNvSpPr>
+          <p:nvPr>
+            <p:ph type="title" idx="2"/>
+          </p:nvPr>
+        </p:nvSpPr>
+        <p:spPr>
+          <a:xfrm>
+            <a:off x="868737" y="1586777"/>
+            <a:ext cx="729900" cy="417600"/>
+          </a:xfrm>
+          <a:prstGeom prst="rect">
+            <a:avLst/>
+          </a:prstGeom>
+        </p:spPr>
+        <p:txBody>
+          <a:bodyPr spcFirstLastPara="1" wrap="square" lIns="91425" tIns="91425" rIns="91425" bIns="91425" anchor="ctr" anchorCtr="0">
+            <a:noAutofit/>
+          </a:bodyPr>
+          <a:lstStyle/>
+          <a:p>
+            <a:pPr marL="0" lvl="0" indent="0" algn="ctr" rtl="0">
+              <a:spcBef>
+                <a:spcPts val="0"/>
+              </a:spcBef>
+              <a:spcAft>
+                <a:spcPts val="0"/>
+              </a:spcAft>
+              <a:buNone/>
+            </a:pPr>
+            <a:r>
+              <a:rPr lang="en" dirty="0"/>
+              <a:t>01</a:t>
+            </a:r>
+            <a:endParaRPr dirty="0"/>
+          </a:p>
+        </p:txBody>
+      </p:sp>
+      <p:sp>
+        <p:nvSpPr>
+          <p:cNvPr id="558" name="Google Shape;558;p40"/>
+          <p:cNvSpPr txBox="1">
+            <a:spLocks noGrp="1"/>
+          </p:cNvSpPr>
+          <p:nvPr>
+            <p:ph type="title" idx="9"/>
+          </p:nvPr>
+        </p:nvSpPr>
+        <p:spPr>
+          <a:xfrm>
+            <a:off x="2625704" y="3099418"/>
+            <a:ext cx="7084906" cy="730500"/>
+          </a:xfrm>
+          <a:prstGeom prst="rect">
+            <a:avLst/>
+          </a:prstGeom>
+        </p:spPr>
+        <p:txBody>
+          <a:bodyPr spcFirstLastPara="1" wrap="square" lIns="91425" tIns="91425" rIns="457200" bIns="91425" anchor="b" anchorCtr="0">
+            <a:noAutofit/>
+          </a:bodyPr>
+          <a:lstStyle/>
+          <a:p>
+            <a:pPr marL="0" lvl="0" indent="0" algn="l" rtl="0">
+              <a:spcBef>
+                <a:spcPts val="0"/>
+              </a:spcBef>
+              <a:spcAft>
+                <a:spcPts val="0"/>
+              </a:spcAft>
+              <a:buNone/>
+            </a:pPr>
+            <a:r>
+              <a:rPr lang="en" dirty="0"/>
+              <a:t>Partie 2: Analyse de l’environnement  GOOGLE</a:t>
+            </a:r>
+            <a:endParaRPr dirty="0"/>
+          </a:p>
+        </p:txBody>
+      </p:sp>
+      <p:sp>
+        <p:nvSpPr>
+          <p:cNvPr id="559" name="Google Shape;559;p40"/>
+          <p:cNvSpPr txBox="1">
+            <a:spLocks noGrp="1"/>
+          </p:cNvSpPr>
+          <p:nvPr>
+            <p:ph type="title" idx="13"/>
+          </p:nvPr>
+        </p:nvSpPr>
+        <p:spPr>
+          <a:xfrm>
+            <a:off x="1916804" y="3412318"/>
+            <a:ext cx="729900" cy="417600"/>
+          </a:xfrm>
+          <a:prstGeom prst="rect">
+            <a:avLst/>
+          </a:prstGeom>
+        </p:spPr>
+        <p:txBody>
+          <a:bodyPr spcFirstLastPara="1" wrap="square" lIns="91425" tIns="91425" rIns="91425" bIns="91425" anchor="ctr" anchorCtr="0">
+            <a:noAutofit/>
+          </a:bodyPr>
+          <a:lstStyle/>
+          <a:p>
+            <a:pPr marL="0" lvl="0" indent="0" algn="ctr" rtl="0">
+              <a:spcBef>
+                <a:spcPts val="0"/>
+              </a:spcBef>
+              <a:spcAft>
+                <a:spcPts val="0"/>
+              </a:spcAft>
+              <a:buNone/>
+            </a:pPr>
+            <a:r>
+              <a:rPr lang="en" dirty="0"/>
+              <a:t>02</a:t>
+            </a:r>
+            <a:endParaRPr dirty="0"/>
+          </a:p>
+        </p:txBody>
+      </p:sp>
+      <p:sp>
+        <p:nvSpPr>
+          <p:cNvPr id="561" name="Google Shape;561;p40"/>
+          <p:cNvSpPr txBox="1">
+            <a:spLocks noGrp="1"/>
+          </p:cNvSpPr>
+          <p:nvPr>
+            <p:ph type="title" idx="15"/>
+          </p:nvPr>
+        </p:nvSpPr>
+        <p:spPr>
+          <a:xfrm>
+            <a:off x="720000" y="407159"/>
+            <a:ext cx="7704000" cy="572700"/>
+          </a:xfrm>
+          <a:prstGeom prst="rect">
+            <a:avLst/>
+          </a:prstGeom>
+        </p:spPr>
+        <p:txBody>
+          <a:bodyPr spcFirstLastPara="1" wrap="square" lIns="91425" tIns="91425" rIns="91425" bIns="91425" anchor="ctr" anchorCtr="0">
+            <a:noAutofit/>
+          </a:bodyPr>
+          <a:lstStyle/>
+          <a:p>
+            <a:pPr marL="0" lvl="0" indent="0" algn="ctr" rtl="0">
+              <a:spcBef>
+                <a:spcPts val="0"/>
+              </a:spcBef>
+              <a:spcAft>
+                <a:spcPts val="0"/>
+              </a:spcAft>
+              <a:buNone/>
+            </a:pPr>
+            <a:r>
+              <a:rPr lang="en" dirty="0"/>
+              <a:t>PLAN</a:t>
+            </a:r>
+            <a:endParaRPr b="0" dirty="0">
+              <a:solidFill>
+                <a:schemeClr val="lt1"/>
+              </a:solidFill>
+              <a:latin typeface="Poppins ExtraBold"/>
+              <a:ea typeface="Poppins ExtraBold"/>
+              <a:cs typeface="Poppins ExtraBold"/>
+              <a:sym typeface="Poppins ExtraBold"/>
+            </a:endParaRPr>
+          </a:p>
+        </p:txBody>
+      </p:sp>
+      <p:sp>
+        <p:nvSpPr>
+          <p:cNvPr id="9" name="ZoneTexte 8">
+            <a:extLst>
+              <a:ext uri="{FF2B5EF4-FFF2-40B4-BE49-F238E27FC236}">
+                <a16:creationId xmlns:a16="http://schemas.microsoft.com/office/drawing/2014/main" id="{90359B3E-66F0-434D-BEB1-C768B7DD7E63}"/>
+              </a:ext>
+            </a:extLst>
+          </p:cNvPr>
+          <p:cNvSpPr txBox="1"/>
+          <p:nvPr/>
+        </p:nvSpPr>
+        <p:spPr>
+          <a:xfrm>
+            <a:off x="720000" y="4826409"/>
+            <a:ext cx="358355" cy="317091"/>
+          </a:xfrm>
+          <a:prstGeom prst="rect">
+            <a:avLst/>
+          </a:prstGeom>
+          <a:solidFill>
+            <a:schemeClr val="accent2"/>
+          </a:solidFill>
+        </p:spPr>
+        <p:txBody>
+          <a:bodyPr wrap="square" rtlCol="0">
+            <a:spAutoFit/>
+          </a:bodyPr>
+          <a:lstStyle/>
+          <a:p>
+            <a:r>
+              <a:rPr lang="fr-CA" dirty="0"/>
+              <a:t>1</a:t>
+            </a:r>
+          </a:p>
+        </p:txBody>
+      </p:sp>
+      <p:sp>
+        <p:nvSpPr>
+          <p:cNvPr id="2" name="ZoneTexte 1">
+            <a:extLst>
+              <a:ext uri="{FF2B5EF4-FFF2-40B4-BE49-F238E27FC236}">
+                <a16:creationId xmlns:a16="http://schemas.microsoft.com/office/drawing/2014/main" id="{7BE40FEE-6D0D-4908-82B4-A833D91F4FF6}"/>
+              </a:ext>
+            </a:extLst>
+          </p:cNvPr>
+          <p:cNvSpPr txBox="1"/>
+          <p:nvPr/>
+        </p:nvSpPr>
+        <p:spPr>
+          <a:xfrm>
+            <a:off x="3246474" y="3829918"/>
+            <a:ext cx="4543647" cy="523220"/>
+          </a:xfrm>
+          <a:prstGeom prst="rect">
+            <a:avLst/>
+          </a:prstGeom>
+          <a:noFill/>
+        </p:spPr>
+        <p:txBody>
+          <a:bodyPr wrap="square" rtlCol="0">
+            <a:spAutoFit/>
+          </a:bodyPr>
+          <a:lstStyle/>
+          <a:p>
+            <a:pPr marL="285750" indent="-285750">
+              <a:buFont typeface="Wingdings" panose="05000000000000000000" pitchFamily="2" charset="2"/>
+              <a:buChar char="ü"/>
+            </a:pPr>
+            <a:r>
+              <a:rPr lang="fr-CA" dirty="0">
+                <a:solidFill>
+                  <a:schemeClr val="bg1"/>
+                </a:solidFill>
+              </a:rPr>
+              <a:t>Analyse macro-environnement (PESTEL)</a:t>
+            </a:r>
+          </a:p>
+          <a:p>
+            <a:pPr marL="285750" indent="-285750">
+              <a:buFont typeface="Wingdings" panose="05000000000000000000" pitchFamily="2" charset="2"/>
+              <a:buChar char="ü"/>
+            </a:pPr>
+            <a:r>
+              <a:rPr lang="fr-CA" dirty="0">
+                <a:solidFill>
+                  <a:schemeClr val="bg1"/>
+                </a:solidFill>
+              </a:rPr>
+              <a:t>Analyse micro-environnement (PORTER &amp; SWOT)</a:t>
+            </a:r>
+          </a:p>
+        </p:txBody>
+      </p:sp>
+      <p:sp>
+        <p:nvSpPr>
+          <p:cNvPr id="4" name="ZoneTexte 3">
+            <a:extLst>
+              <a:ext uri="{FF2B5EF4-FFF2-40B4-BE49-F238E27FC236}">
+                <a16:creationId xmlns:a16="http://schemas.microsoft.com/office/drawing/2014/main" id="{8D977835-8A98-4E3E-B6C8-0D5EFE070D83}"/>
+              </a:ext>
+            </a:extLst>
+          </p:cNvPr>
+          <p:cNvSpPr txBox="1"/>
+          <p:nvPr/>
+        </p:nvSpPr>
+        <p:spPr>
+          <a:xfrm>
+            <a:off x="2055627" y="2057546"/>
+            <a:ext cx="3402419" cy="1169551"/>
+          </a:xfrm>
+          <a:prstGeom prst="rect">
+            <a:avLst/>
+          </a:prstGeom>
+          <a:noFill/>
+        </p:spPr>
+        <p:txBody>
+          <a:bodyPr wrap="square" rtlCol="0">
+            <a:spAutoFit/>
+          </a:bodyPr>
+          <a:lstStyle/>
+          <a:p>
+            <a:pPr marL="285750" indent="-285750">
+              <a:buFont typeface="Wingdings" panose="05000000000000000000" pitchFamily="2" charset="2"/>
+              <a:buChar char="ü"/>
+            </a:pPr>
+            <a:r>
+              <a:rPr lang="fr-CA" dirty="0">
+                <a:solidFill>
+                  <a:schemeClr val="bg1"/>
+                </a:solidFill>
+              </a:rPr>
+              <a:t>Histoire</a:t>
+            </a:r>
+          </a:p>
+          <a:p>
+            <a:pPr marL="285750" indent="-285750">
+              <a:buFont typeface="Wingdings" panose="05000000000000000000" pitchFamily="2" charset="2"/>
+              <a:buChar char="ü"/>
+            </a:pPr>
+            <a:r>
+              <a:rPr lang="fr-CA" dirty="0">
+                <a:solidFill>
+                  <a:schemeClr val="bg1"/>
+                </a:solidFill>
+              </a:rPr>
+              <a:t>Nature de l’activité</a:t>
+            </a:r>
+          </a:p>
+          <a:p>
+            <a:pPr marL="285750" indent="-285750">
+              <a:buFont typeface="Wingdings" panose="05000000000000000000" pitchFamily="2" charset="2"/>
+              <a:buChar char="ü"/>
+            </a:pPr>
+            <a:r>
+              <a:rPr lang="fr-CA" dirty="0">
+                <a:solidFill>
+                  <a:schemeClr val="bg1"/>
+                </a:solidFill>
+              </a:rPr>
+              <a:t>Champs d’actions géographique</a:t>
+            </a:r>
+          </a:p>
+          <a:p>
+            <a:pPr marL="285750" indent="-285750">
+              <a:buFont typeface="Wingdings" panose="05000000000000000000" pitchFamily="2" charset="2"/>
+              <a:buChar char="ü"/>
+            </a:pPr>
+            <a:r>
+              <a:rPr lang="fr-CA" dirty="0">
+                <a:solidFill>
+                  <a:schemeClr val="bg1"/>
+                </a:solidFill>
+              </a:rPr>
+              <a:t>Finalités</a:t>
+            </a:r>
+          </a:p>
+          <a:p>
+            <a:pPr marL="285750" indent="-285750">
+              <a:buFont typeface="Wingdings" panose="05000000000000000000" pitchFamily="2" charset="2"/>
+              <a:buChar char="ü"/>
+            </a:pPr>
+            <a:r>
+              <a:rPr lang="fr-CA" dirty="0">
+                <a:solidFill>
+                  <a:schemeClr val="bg1"/>
+                </a:solidFill>
+              </a:rPr>
+              <a:t>Classification de l’entreprise</a:t>
+            </a:r>
+          </a:p>
+        </p:txBody>
+      </p:sp>
+      <p:pic>
+        <p:nvPicPr>
+          <p:cNvPr id="5" name="Picture 4">
+            <a:extLst>
+              <a:ext uri="{FF2B5EF4-FFF2-40B4-BE49-F238E27FC236}">
+                <a16:creationId xmlns:a16="http://schemas.microsoft.com/office/drawing/2014/main" id="{44067C7C-7D99-428F-B78E-E2D2B26772CA}"/>
+              </a:ext>
+            </a:extLst>
+          </p:cNvPr>
+          <p:cNvPicPr>
+            <a:picLocks noChangeAspect="1"/>
+          </p:cNvPicPr>
+          <p:nvPr/>
+        </p:nvPicPr>
+        <p:blipFill>
+          <a:blip r:embed="rId3"/>
+          <a:stretch>
+            <a:fillRect/>
+          </a:stretch>
+        </p:blipFill>
+        <p:spPr>
+          <a:xfrm>
+            <a:off x="1577637" y="-101701"/>
+            <a:ext cx="1650262" cy="1650262"/>
+          </a:xfrm>
+          <a:prstGeom prst="rect">
+            <a:avLst/>
+          </a:prstGeom>
+        </p:spPr>
+      </p:pic>
+    </p:spTree>
+  </p:cSld>
+  <p:clrMapOvr>
+    <a:masterClrMapping/>
+  </p:clrMapOvr>
+</p:sld>
+</file>
+
+<file path=ppt/slides/slide30.xml><?xml version="1.0" encoding="utf-8"?>
 <p:sld xmlns:a="http://schemas.openxmlformats.org/drawingml/2006/main" xmlns:r="http://schemas.openxmlformats.org/officeDocument/2006/relationships" xmlns:p="http://schemas.openxmlformats.org/presentationml/2006/main">
   <p:cSld>
     <p:spTree>
@@ -41083,220 +42693,7 @@
 </p:sld>
 </file>
 
-<file path=ppt/slides/slide3.xml><?xml version="1.0" encoding="utf-8"?>
-<p:sld xmlns:a="http://schemas.openxmlformats.org/drawingml/2006/main" xmlns:r="http://schemas.openxmlformats.org/officeDocument/2006/relationships" xmlns:p="http://schemas.openxmlformats.org/presentationml/2006/main">
-  <p:cSld>
-    <p:spTree>
-      <p:nvGrpSpPr>
-        <p:cNvPr id="1" name="Shape 585"/>
-        <p:cNvGrpSpPr/>
-        <p:nvPr/>
-      </p:nvGrpSpPr>
-      <p:grpSpPr>
-        <a:xfrm>
-          <a:off x="0" y="0"/>
-          <a:ext cx="0" cy="0"/>
-          <a:chOff x="0" y="0"/>
-          <a:chExt cx="0" cy="0"/>
-        </a:xfrm>
-      </p:grpSpPr>
-      <p:sp>
-        <p:nvSpPr>
-          <p:cNvPr id="586" name="Google Shape;586;p43"/>
-          <p:cNvSpPr/>
-          <p:nvPr/>
-        </p:nvSpPr>
-        <p:spPr>
-          <a:xfrm>
-            <a:off x="3874975" y="774500"/>
-            <a:ext cx="1394100" cy="1394100"/>
-          </a:xfrm>
-          <a:prstGeom prst="ellipse">
-            <a:avLst/>
-          </a:prstGeom>
-          <a:solidFill>
-            <a:schemeClr val="lt2"/>
-          </a:solidFill>
-          <a:ln>
-            <a:noFill/>
-          </a:ln>
-          <a:effectLst>
-            <a:outerShdw blurRad="157163" dist="57150" dir="3000000" algn="bl" rotWithShape="0">
-              <a:schemeClr val="dk1">
-                <a:alpha val="37000"/>
-              </a:schemeClr>
-            </a:outerShdw>
-          </a:effectLst>
-        </p:spPr>
-        <p:txBody>
-          <a:bodyPr spcFirstLastPara="1" wrap="square" lIns="91425" tIns="91425" rIns="91425" bIns="91425" anchor="ctr" anchorCtr="0">
-            <a:noAutofit/>
-          </a:bodyPr>
-          <a:lstStyle/>
-          <a:p>
-            <a:pPr marL="0" marR="0" lvl="0" indent="0" algn="l" rtl="0">
-              <a:lnSpc>
-                <a:spcPct val="100000"/>
-              </a:lnSpc>
-              <a:spcBef>
-                <a:spcPts val="0"/>
-              </a:spcBef>
-              <a:spcAft>
-                <a:spcPts val="0"/>
-              </a:spcAft>
-              <a:buNone/>
-            </a:pPr>
-            <a:endParaRPr/>
-          </a:p>
-        </p:txBody>
-      </p:sp>
-      <p:sp>
-        <p:nvSpPr>
-          <p:cNvPr id="587" name="Google Shape;587;p43"/>
-          <p:cNvSpPr txBox="1">
-            <a:spLocks noGrp="1"/>
-          </p:cNvSpPr>
-          <p:nvPr>
-            <p:ph type="title"/>
-          </p:nvPr>
-        </p:nvSpPr>
-        <p:spPr>
-          <a:xfrm>
-            <a:off x="764481" y="2444750"/>
-            <a:ext cx="7786687" cy="1556700"/>
-          </a:xfrm>
-          <a:prstGeom prst="rect">
-            <a:avLst/>
-          </a:prstGeom>
-        </p:spPr>
-        <p:txBody>
-          <a:bodyPr spcFirstLastPara="1" wrap="square" lIns="91425" tIns="91425" rIns="91425" bIns="91425" anchor="ctr" anchorCtr="0">
-            <a:noAutofit/>
-          </a:bodyPr>
-          <a:lstStyle/>
-          <a:p>
-            <a:pPr marL="0" lvl="0" indent="0" algn="ctr" rtl="0">
-              <a:spcBef>
-                <a:spcPts val="0"/>
-              </a:spcBef>
-              <a:spcAft>
-                <a:spcPts val="0"/>
-              </a:spcAft>
-              <a:buNone/>
-            </a:pPr>
-            <a:r>
-              <a:rPr lang="fr-FR" sz="4400" dirty="0"/>
-              <a:t>Titre</a:t>
-            </a:r>
-            <a:br>
-              <a:rPr lang="fr-FR" sz="4400" dirty="0">
-                <a:solidFill>
-                  <a:schemeClr val="lt1"/>
-                </a:solidFill>
-              </a:rPr>
-            </a:br>
-            <a:r>
-              <a:rPr lang="fr-FR" dirty="0">
-                <a:solidFill>
-                  <a:schemeClr val="dk2"/>
-                </a:solidFill>
-                <a:highlight>
-                  <a:schemeClr val="accent1"/>
-                </a:highlight>
-              </a:rPr>
-              <a:t>Sous</a:t>
-            </a:r>
-          </a:p>
-        </p:txBody>
-      </p:sp>
-      <p:sp>
-        <p:nvSpPr>
-          <p:cNvPr id="588" name="Google Shape;588;p43"/>
-          <p:cNvSpPr txBox="1">
-            <a:spLocks noGrp="1"/>
-          </p:cNvSpPr>
-          <p:nvPr>
-            <p:ph type="title" idx="2"/>
-          </p:nvPr>
-        </p:nvSpPr>
-        <p:spPr>
-          <a:xfrm>
-            <a:off x="3931825" y="1050650"/>
-            <a:ext cx="1280400" cy="841800"/>
-          </a:xfrm>
-          <a:prstGeom prst="rect">
-            <a:avLst/>
-          </a:prstGeom>
-        </p:spPr>
-        <p:txBody>
-          <a:bodyPr spcFirstLastPara="1" wrap="square" lIns="91425" tIns="91425" rIns="91425" bIns="91425" anchor="ctr" anchorCtr="0">
-            <a:noAutofit/>
-          </a:bodyPr>
-          <a:lstStyle/>
-          <a:p>
-            <a:pPr marL="0" lvl="0" indent="0" algn="ctr" rtl="0">
-              <a:spcBef>
-                <a:spcPts val="0"/>
-              </a:spcBef>
-              <a:spcAft>
-                <a:spcPts val="0"/>
-              </a:spcAft>
-              <a:buNone/>
-            </a:pPr>
-            <a:r>
-              <a:rPr lang="en" dirty="0"/>
-              <a:t>01</a:t>
-            </a:r>
-            <a:endParaRPr dirty="0"/>
-          </a:p>
-        </p:txBody>
-      </p:sp>
-      <p:sp>
-        <p:nvSpPr>
-          <p:cNvPr id="5" name="ZoneTexte 4">
-            <a:extLst>
-              <a:ext uri="{FF2B5EF4-FFF2-40B4-BE49-F238E27FC236}">
-                <a16:creationId xmlns:a16="http://schemas.microsoft.com/office/drawing/2014/main" id="{738FF3FA-4A33-4474-85CB-D421BD16B217}"/>
-              </a:ext>
-            </a:extLst>
-          </p:cNvPr>
-          <p:cNvSpPr txBox="1"/>
-          <p:nvPr/>
-        </p:nvSpPr>
-        <p:spPr>
-          <a:xfrm>
-            <a:off x="165213" y="4741606"/>
-            <a:ext cx="358355" cy="317091"/>
-          </a:xfrm>
-          <a:prstGeom prst="rect">
-            <a:avLst/>
-          </a:prstGeom>
-          <a:solidFill>
-            <a:schemeClr val="accent2"/>
-          </a:solidFill>
-        </p:spPr>
-        <p:txBody>
-          <a:bodyPr wrap="square" rtlCol="0">
-            <a:spAutoFit/>
-          </a:bodyPr>
-          <a:lstStyle/>
-          <a:p>
-            <a:r>
-              <a:rPr lang="fr-CA" dirty="0"/>
-              <a:t>2</a:t>
-            </a:r>
-          </a:p>
-        </p:txBody>
-      </p:sp>
-    </p:spTree>
-  </p:cSld>
-  <p:clrMapOvr>
-    <a:masterClrMapping/>
-  </p:clrMapOvr>
-</p:sld>
-</file>
-
-<file path=ppt/slides/slide30.xml><?xml version="1.0" encoding="utf-8"?>
+<file path=ppt/slides/slide31.xml><?xml version="1.0" encoding="utf-8"?>
 <p:sld xmlns:a="http://schemas.openxmlformats.org/drawingml/2006/main" xmlns:r="http://schemas.openxmlformats.org/officeDocument/2006/relationships" xmlns:p="http://schemas.openxmlformats.org/presentationml/2006/main">
   <p:cSld>
     <p:spTree>
@@ -42186,7 +43583,7 @@
 </p:sld>
 </file>
 
-<file path=ppt/slides/slide31.xml><?xml version="1.0" encoding="utf-8"?>
+<file path=ppt/slides/slide32.xml><?xml version="1.0" encoding="utf-8"?>
 <p:sld xmlns:a="http://schemas.openxmlformats.org/drawingml/2006/main" xmlns:r="http://schemas.openxmlformats.org/officeDocument/2006/relationships" xmlns:p="http://schemas.openxmlformats.org/presentationml/2006/main">
   <p:cSld>
     <p:spTree>
@@ -43102,7 +44499,7 @@
 </p:sld>
 </file>
 
-<file path=ppt/slides/slide32.xml><?xml version="1.0" encoding="utf-8"?>
+<file path=ppt/slides/slide33.xml><?xml version="1.0" encoding="utf-8"?>
 <p:sld xmlns:a="http://schemas.openxmlformats.org/drawingml/2006/main" xmlns:r="http://schemas.openxmlformats.org/officeDocument/2006/relationships" xmlns:p="http://schemas.openxmlformats.org/presentationml/2006/main">
   <p:cSld>
     <p:spTree>
@@ -43251,7 +44648,7 @@
 </p:sld>
 </file>
 
-<file path=ppt/slides/slide33.xml><?xml version="1.0" encoding="utf-8"?>
+<file path=ppt/slides/slide34.xml><?xml version="1.0" encoding="utf-8"?>
 <p:sld xmlns:a="http://schemas.openxmlformats.org/drawingml/2006/main" xmlns:r="http://schemas.openxmlformats.org/officeDocument/2006/relationships" xmlns:p="http://schemas.openxmlformats.org/presentationml/2006/main">
   <p:cSld>
     <p:spTree>
@@ -43438,7 +44835,7 @@
 </p:sld>
 </file>
 
-<file path=ppt/slides/slide34.xml><?xml version="1.0" encoding="utf-8"?>
+<file path=ppt/slides/slide35.xml><?xml version="1.0" encoding="utf-8"?>
 <p:sld xmlns:a="http://schemas.openxmlformats.org/drawingml/2006/main" xmlns:r="http://schemas.openxmlformats.org/officeDocument/2006/relationships" xmlns:p="http://schemas.openxmlformats.org/presentationml/2006/main">
   <p:cSld>
     <p:spTree>
@@ -43539,6 +44936,219 @@
 </file>
 
 <file path=ppt/slides/slide4.xml><?xml version="1.0" encoding="utf-8"?>
+<p:sld xmlns:a="http://schemas.openxmlformats.org/drawingml/2006/main" xmlns:r="http://schemas.openxmlformats.org/officeDocument/2006/relationships" xmlns:p="http://schemas.openxmlformats.org/presentationml/2006/main">
+  <p:cSld>
+    <p:spTree>
+      <p:nvGrpSpPr>
+        <p:cNvPr id="1" name="Shape 585"/>
+        <p:cNvGrpSpPr/>
+        <p:nvPr/>
+      </p:nvGrpSpPr>
+      <p:grpSpPr>
+        <a:xfrm>
+          <a:off x="0" y="0"/>
+          <a:ext cx="0" cy="0"/>
+          <a:chOff x="0" y="0"/>
+          <a:chExt cx="0" cy="0"/>
+        </a:xfrm>
+      </p:grpSpPr>
+      <p:sp>
+        <p:nvSpPr>
+          <p:cNvPr id="586" name="Google Shape;586;p43"/>
+          <p:cNvSpPr/>
+          <p:nvPr/>
+        </p:nvSpPr>
+        <p:spPr>
+          <a:xfrm>
+            <a:off x="3874975" y="774500"/>
+            <a:ext cx="1394100" cy="1394100"/>
+          </a:xfrm>
+          <a:prstGeom prst="ellipse">
+            <a:avLst/>
+          </a:prstGeom>
+          <a:solidFill>
+            <a:schemeClr val="lt2"/>
+          </a:solidFill>
+          <a:ln>
+            <a:noFill/>
+          </a:ln>
+          <a:effectLst>
+            <a:outerShdw blurRad="157163" dist="57150" dir="3000000" algn="bl" rotWithShape="0">
+              <a:schemeClr val="dk1">
+                <a:alpha val="37000"/>
+              </a:schemeClr>
+            </a:outerShdw>
+          </a:effectLst>
+        </p:spPr>
+        <p:txBody>
+          <a:bodyPr spcFirstLastPara="1" wrap="square" lIns="91425" tIns="91425" rIns="91425" bIns="91425" anchor="ctr" anchorCtr="0">
+            <a:noAutofit/>
+          </a:bodyPr>
+          <a:lstStyle/>
+          <a:p>
+            <a:pPr marL="0" marR="0" lvl="0" indent="0" algn="l" rtl="0">
+              <a:lnSpc>
+                <a:spcPct val="100000"/>
+              </a:lnSpc>
+              <a:spcBef>
+                <a:spcPts val="0"/>
+              </a:spcBef>
+              <a:spcAft>
+                <a:spcPts val="0"/>
+              </a:spcAft>
+              <a:buNone/>
+            </a:pPr>
+            <a:endParaRPr/>
+          </a:p>
+        </p:txBody>
+      </p:sp>
+      <p:sp>
+        <p:nvSpPr>
+          <p:cNvPr id="587" name="Google Shape;587;p43"/>
+          <p:cNvSpPr txBox="1">
+            <a:spLocks noGrp="1"/>
+          </p:cNvSpPr>
+          <p:nvPr>
+            <p:ph type="title"/>
+          </p:nvPr>
+        </p:nvSpPr>
+        <p:spPr>
+          <a:xfrm>
+            <a:off x="764481" y="2444750"/>
+            <a:ext cx="7786687" cy="1556700"/>
+          </a:xfrm>
+          <a:prstGeom prst="rect">
+            <a:avLst/>
+          </a:prstGeom>
+        </p:spPr>
+        <p:txBody>
+          <a:bodyPr spcFirstLastPara="1" wrap="square" lIns="91425" tIns="91425" rIns="91425" bIns="91425" anchor="ctr" anchorCtr="0">
+            <a:noAutofit/>
+          </a:bodyPr>
+          <a:lstStyle/>
+          <a:p>
+            <a:pPr marL="0" lvl="0" indent="0" algn="ctr" rtl="0">
+              <a:spcBef>
+                <a:spcPts val="0"/>
+              </a:spcBef>
+              <a:spcAft>
+                <a:spcPts val="0"/>
+              </a:spcAft>
+              <a:buNone/>
+            </a:pPr>
+            <a:r>
+              <a:rPr lang="fr-FR" sz="4400" dirty="0"/>
+              <a:t>Titre</a:t>
+            </a:r>
+            <a:br>
+              <a:rPr lang="fr-FR" sz="4400" dirty="0">
+                <a:solidFill>
+                  <a:schemeClr val="lt1"/>
+                </a:solidFill>
+              </a:rPr>
+            </a:br>
+            <a:r>
+              <a:rPr lang="fr-FR" dirty="0">
+                <a:solidFill>
+                  <a:schemeClr val="dk2"/>
+                </a:solidFill>
+                <a:highlight>
+                  <a:schemeClr val="accent1"/>
+                </a:highlight>
+              </a:rPr>
+              <a:t>Sous</a:t>
+            </a:r>
+          </a:p>
+        </p:txBody>
+      </p:sp>
+      <p:sp>
+        <p:nvSpPr>
+          <p:cNvPr id="588" name="Google Shape;588;p43"/>
+          <p:cNvSpPr txBox="1">
+            <a:spLocks noGrp="1"/>
+          </p:cNvSpPr>
+          <p:nvPr>
+            <p:ph type="title" idx="2"/>
+          </p:nvPr>
+        </p:nvSpPr>
+        <p:spPr>
+          <a:xfrm>
+            <a:off x="3931825" y="1050650"/>
+            <a:ext cx="1280400" cy="841800"/>
+          </a:xfrm>
+          <a:prstGeom prst="rect">
+            <a:avLst/>
+          </a:prstGeom>
+        </p:spPr>
+        <p:txBody>
+          <a:bodyPr spcFirstLastPara="1" wrap="square" lIns="91425" tIns="91425" rIns="91425" bIns="91425" anchor="ctr" anchorCtr="0">
+            <a:noAutofit/>
+          </a:bodyPr>
+          <a:lstStyle/>
+          <a:p>
+            <a:pPr marL="0" lvl="0" indent="0" algn="ctr" rtl="0">
+              <a:spcBef>
+                <a:spcPts val="0"/>
+              </a:spcBef>
+              <a:spcAft>
+                <a:spcPts val="0"/>
+              </a:spcAft>
+              <a:buNone/>
+            </a:pPr>
+            <a:r>
+              <a:rPr lang="en" dirty="0"/>
+              <a:t>01</a:t>
+            </a:r>
+            <a:endParaRPr dirty="0"/>
+          </a:p>
+        </p:txBody>
+      </p:sp>
+      <p:sp>
+        <p:nvSpPr>
+          <p:cNvPr id="5" name="ZoneTexte 4">
+            <a:extLst>
+              <a:ext uri="{FF2B5EF4-FFF2-40B4-BE49-F238E27FC236}">
+                <a16:creationId xmlns:a16="http://schemas.microsoft.com/office/drawing/2014/main" id="{738FF3FA-4A33-4474-85CB-D421BD16B217}"/>
+              </a:ext>
+            </a:extLst>
+          </p:cNvPr>
+          <p:cNvSpPr txBox="1"/>
+          <p:nvPr/>
+        </p:nvSpPr>
+        <p:spPr>
+          <a:xfrm>
+            <a:off x="165213" y="4741606"/>
+            <a:ext cx="358355" cy="317091"/>
+          </a:xfrm>
+          <a:prstGeom prst="rect">
+            <a:avLst/>
+          </a:prstGeom>
+          <a:solidFill>
+            <a:schemeClr val="accent2"/>
+          </a:solidFill>
+        </p:spPr>
+        <p:txBody>
+          <a:bodyPr wrap="square" rtlCol="0">
+            <a:spAutoFit/>
+          </a:bodyPr>
+          <a:lstStyle/>
+          <a:p>
+            <a:r>
+              <a:rPr lang="fr-CA" dirty="0"/>
+              <a:t>2</a:t>
+            </a:r>
+          </a:p>
+        </p:txBody>
+      </p:sp>
+    </p:spTree>
+  </p:cSld>
+  <p:clrMapOvr>
+    <a:masterClrMapping/>
+  </p:clrMapOvr>
+</p:sld>
+</file>
+
+<file path=ppt/slides/slide5.xml><?xml version="1.0" encoding="utf-8"?>
 <p:sld xmlns:a="http://schemas.openxmlformats.org/drawingml/2006/main" xmlns:r="http://schemas.openxmlformats.org/officeDocument/2006/relationships" xmlns:p="http://schemas.openxmlformats.org/presentationml/2006/main">
   <p:cSld>
     <p:spTree>
@@ -43996,7 +45606,7 @@
 </p:sld>
 </file>
 
-<file path=ppt/slides/slide5.xml><?xml version="1.0" encoding="utf-8"?>
+<file path=ppt/slides/slide6.xml><?xml version="1.0" encoding="utf-8"?>
 <p:sld xmlns:a="http://schemas.openxmlformats.org/drawingml/2006/main" xmlns:r="http://schemas.openxmlformats.org/officeDocument/2006/relationships" xmlns:p="http://schemas.openxmlformats.org/presentationml/2006/main">
   <p:cSld>
     <p:bg>
@@ -44138,7 +45748,7 @@
 </p:sld>
 </file>
 
-<file path=ppt/slides/slide6.xml><?xml version="1.0" encoding="utf-8"?>
+<file path=ppt/slides/slide7.xml><?xml version="1.0" encoding="utf-8"?>
 <p:sld xmlns:a="http://schemas.openxmlformats.org/drawingml/2006/main" xmlns:r="http://schemas.openxmlformats.org/officeDocument/2006/relationships" xmlns:p="http://schemas.openxmlformats.org/presentationml/2006/main">
   <p:cSld>
     <p:bg>
@@ -44431,7 +46041,7 @@
 </p:sld>
 </file>
 
-<file path=ppt/slides/slide7.xml><?xml version="1.0" encoding="utf-8"?>
+<file path=ppt/slides/slide8.xml><?xml version="1.0" encoding="utf-8"?>
 <p:sld xmlns:a="http://schemas.openxmlformats.org/drawingml/2006/main" xmlns:r="http://schemas.openxmlformats.org/officeDocument/2006/relationships" xmlns:p="http://schemas.openxmlformats.org/presentationml/2006/main">
   <p:cSld>
     <p:spTree>
@@ -44873,7 +46483,7 @@
 </p:sld>
 </file>
 
-<file path=ppt/slides/slide8.xml><?xml version="1.0" encoding="utf-8"?>
+<file path=ppt/slides/slide9.xml><?xml version="1.0" encoding="utf-8"?>
 <p:sld xmlns:a="http://schemas.openxmlformats.org/drawingml/2006/main" xmlns:r="http://schemas.openxmlformats.org/officeDocument/2006/relationships" xmlns:p="http://schemas.openxmlformats.org/presentationml/2006/main">
   <p:cSld>
     <p:bg>
@@ -45108,468 +46718,6 @@
         <p14:creationId xmlns:p14="http://schemas.microsoft.com/office/powerpoint/2010/main" val="1417946107"/>
       </p:ext>
     </p:extLst>
-  </p:cSld>
-  <p:clrMapOvr>
-    <a:masterClrMapping/>
-  </p:clrMapOvr>
-</p:sld>
-</file>
-
-<file path=ppt/slides/slide9.xml><?xml version="1.0" encoding="utf-8"?>
-<p:sld xmlns:a="http://schemas.openxmlformats.org/drawingml/2006/main" xmlns:r="http://schemas.openxmlformats.org/officeDocument/2006/relationships" xmlns:p="http://schemas.openxmlformats.org/presentationml/2006/main">
-  <p:cSld>
-    <p:bg>
-      <p:bgPr>
-        <a:solidFill>
-          <a:schemeClr val="bg1"/>
-        </a:solidFill>
-        <a:effectLst/>
-      </p:bgPr>
-    </p:bg>
-    <p:spTree>
-      <p:nvGrpSpPr>
-        <p:cNvPr id="1" name="Shape 823"/>
-        <p:cNvGrpSpPr/>
-        <p:nvPr/>
-      </p:nvGrpSpPr>
-      <p:grpSpPr>
-        <a:xfrm>
-          <a:off x="0" y="0"/>
-          <a:ext cx="0" cy="0"/>
-          <a:chOff x="0" y="0"/>
-          <a:chExt cx="0" cy="0"/>
-        </a:xfrm>
-      </p:grpSpPr>
-      <p:sp>
-        <p:nvSpPr>
-          <p:cNvPr id="11" name="Rectangle 10">
-            <a:extLst>
-              <a:ext uri="{FF2B5EF4-FFF2-40B4-BE49-F238E27FC236}">
-                <a16:creationId xmlns:a16="http://schemas.microsoft.com/office/drawing/2014/main" id="{24DC510F-8550-4DE1-9589-A0A30BD6D4FE}"/>
-              </a:ext>
-            </a:extLst>
-          </p:cNvPr>
-          <p:cNvSpPr/>
-          <p:nvPr/>
-        </p:nvSpPr>
-        <p:spPr>
-          <a:xfrm>
-            <a:off x="2368418" y="220627"/>
-            <a:ext cx="4729163" cy="714547"/>
-          </a:xfrm>
-          <a:prstGeom prst="rect">
-            <a:avLst/>
-          </a:prstGeom>
-          <a:solidFill>
-            <a:schemeClr val="accent3"/>
-          </a:solidFill>
-          <a:ln>
-            <a:noFill/>
-          </a:ln>
-        </p:spPr>
-        <p:style>
-          <a:lnRef idx="2">
-            <a:schemeClr val="accent1">
-              <a:shade val="50000"/>
-            </a:schemeClr>
-          </a:lnRef>
-          <a:fillRef idx="1">
-            <a:schemeClr val="accent1"/>
-          </a:fillRef>
-          <a:effectRef idx="0">
-            <a:schemeClr val="accent1"/>
-          </a:effectRef>
-          <a:fontRef idx="minor">
-            <a:schemeClr val="lt1"/>
-          </a:fontRef>
-        </p:style>
-        <p:txBody>
-          <a:bodyPr rtlCol="0" anchor="ctr"/>
-          <a:lstStyle/>
-          <a:p>
-            <a:pPr algn="ctr"/>
-            <a:endParaRPr lang="fr-CA"/>
-          </a:p>
-        </p:txBody>
-      </p:sp>
-      <p:sp>
-        <p:nvSpPr>
-          <p:cNvPr id="15" name="Google Shape;572;p42">
-            <a:extLst>
-              <a:ext uri="{FF2B5EF4-FFF2-40B4-BE49-F238E27FC236}">
-                <a16:creationId xmlns:a16="http://schemas.microsoft.com/office/drawing/2014/main" id="{F069F2F9-FEEA-451E-A8A1-7579C5EF3EA3}"/>
-              </a:ext>
-            </a:extLst>
-          </p:cNvPr>
-          <p:cNvSpPr txBox="1">
-            <a:spLocks noGrp="1"/>
-          </p:cNvSpPr>
-          <p:nvPr>
-            <p:ph type="title"/>
-          </p:nvPr>
-        </p:nvSpPr>
-        <p:spPr>
-          <a:xfrm>
-            <a:off x="881000" y="316475"/>
-            <a:ext cx="7704000" cy="572700"/>
-          </a:xfrm>
-          <a:prstGeom prst="rect">
-            <a:avLst/>
-          </a:prstGeom>
-        </p:spPr>
-        <p:txBody>
-          <a:bodyPr spcFirstLastPara="1" wrap="square" lIns="91425" tIns="91425" rIns="91425" bIns="91425" anchor="ctr" anchorCtr="0">
-            <a:noAutofit/>
-          </a:bodyPr>
-          <a:lstStyle/>
-          <a:p>
-            <a:pPr marL="0" lvl="0" indent="0" algn="ctr" rtl="0">
-              <a:spcBef>
-                <a:spcPts val="0"/>
-              </a:spcBef>
-              <a:spcAft>
-                <a:spcPts val="0"/>
-              </a:spcAft>
-              <a:buNone/>
-            </a:pPr>
-            <a:r>
-              <a:rPr lang="fr-CA" sz="3200" dirty="0">
-                <a:solidFill>
-                  <a:schemeClr val="bg1"/>
-                </a:solidFill>
-              </a:rPr>
-              <a:t>Titre</a:t>
-            </a:r>
-            <a:endParaRPr sz="3200" dirty="0">
-              <a:solidFill>
-                <a:schemeClr val="bg1"/>
-              </a:solidFill>
-            </a:endParaRPr>
-          </a:p>
-        </p:txBody>
-      </p:sp>
-      <p:sp>
-        <p:nvSpPr>
-          <p:cNvPr id="23" name="Google Shape;1032;p65">
-            <a:extLst>
-              <a:ext uri="{FF2B5EF4-FFF2-40B4-BE49-F238E27FC236}">
-                <a16:creationId xmlns:a16="http://schemas.microsoft.com/office/drawing/2014/main" id="{3CBE39BB-890F-4EA1-A186-A71CB71B949A}"/>
-              </a:ext>
-            </a:extLst>
-          </p:cNvPr>
-          <p:cNvSpPr/>
-          <p:nvPr/>
-        </p:nvSpPr>
-        <p:spPr>
-          <a:xfrm>
-            <a:off x="559000" y="-3025"/>
-            <a:ext cx="1098000" cy="639000"/>
-          </a:xfrm>
-          <a:prstGeom prst="rect">
-            <a:avLst/>
-          </a:prstGeom>
-          <a:solidFill>
-            <a:schemeClr val="accent4"/>
-          </a:solidFill>
-          <a:ln>
-            <a:noFill/>
-          </a:ln>
-          <a:effectLst>
-            <a:outerShdw blurRad="157163" dist="95250" dir="3000000" algn="bl" rotWithShape="0">
-              <a:schemeClr val="dk1">
-                <a:alpha val="58999"/>
-              </a:schemeClr>
-            </a:outerShdw>
-          </a:effectLst>
-        </p:spPr>
-        <p:txBody>
-          <a:bodyPr spcFirstLastPara="1" wrap="square" lIns="91425" tIns="91425" rIns="91425" bIns="91425" anchor="ctr" anchorCtr="0">
-            <a:noAutofit/>
-          </a:bodyPr>
-          <a:lstStyle/>
-          <a:p>
-            <a:pPr marL="0" marR="0" lvl="0" indent="0" algn="l" rtl="0">
-              <a:lnSpc>
-                <a:spcPct val="100000"/>
-              </a:lnSpc>
-              <a:spcBef>
-                <a:spcPts val="0"/>
-              </a:spcBef>
-              <a:spcAft>
-                <a:spcPts val="0"/>
-              </a:spcAft>
-              <a:buNone/>
-            </a:pPr>
-            <a:endParaRPr dirty="0"/>
-          </a:p>
-        </p:txBody>
-      </p:sp>
-      <p:sp>
-        <p:nvSpPr>
-          <p:cNvPr id="24" name="Google Shape;1033;p65">
-            <a:extLst>
-              <a:ext uri="{FF2B5EF4-FFF2-40B4-BE49-F238E27FC236}">
-                <a16:creationId xmlns:a16="http://schemas.microsoft.com/office/drawing/2014/main" id="{39CA51AA-0207-4B03-B886-CF4609D8605C}"/>
-              </a:ext>
-            </a:extLst>
-          </p:cNvPr>
-          <p:cNvSpPr/>
-          <p:nvPr/>
-        </p:nvSpPr>
-        <p:spPr>
-          <a:xfrm rot="5400000">
-            <a:off x="-229950" y="223025"/>
-            <a:ext cx="1098000" cy="645900"/>
-          </a:xfrm>
-          <a:prstGeom prst="rect">
-            <a:avLst/>
-          </a:prstGeom>
-          <a:solidFill>
-            <a:schemeClr val="accent2"/>
-          </a:solidFill>
-          <a:ln>
-            <a:noFill/>
-          </a:ln>
-          <a:effectLst>
-            <a:outerShdw blurRad="157163" dist="95250" dir="3000000" algn="bl" rotWithShape="0">
-              <a:schemeClr val="dk1">
-                <a:alpha val="58999"/>
-              </a:schemeClr>
-            </a:outerShdw>
-          </a:effectLst>
-        </p:spPr>
-        <p:txBody>
-          <a:bodyPr spcFirstLastPara="1" wrap="square" lIns="91425" tIns="91425" rIns="91425" bIns="91425" anchor="ctr" anchorCtr="0">
-            <a:noAutofit/>
-          </a:bodyPr>
-          <a:lstStyle/>
-          <a:p>
-            <a:pPr marL="0" marR="0" lvl="0" indent="0" algn="l" rtl="0">
-              <a:lnSpc>
-                <a:spcPct val="100000"/>
-              </a:lnSpc>
-              <a:spcBef>
-                <a:spcPts val="0"/>
-              </a:spcBef>
-              <a:spcAft>
-                <a:spcPts val="0"/>
-              </a:spcAft>
-              <a:buNone/>
-            </a:pPr>
-            <a:endParaRPr/>
-          </a:p>
-        </p:txBody>
-      </p:sp>
-      <p:sp>
-        <p:nvSpPr>
-          <p:cNvPr id="25" name="Google Shape;1035;p65">
-            <a:extLst>
-              <a:ext uri="{FF2B5EF4-FFF2-40B4-BE49-F238E27FC236}">
-                <a16:creationId xmlns:a16="http://schemas.microsoft.com/office/drawing/2014/main" id="{A218B1DA-BF50-46A7-8D18-83A6729D2EBF}"/>
-              </a:ext>
-            </a:extLst>
-          </p:cNvPr>
-          <p:cNvSpPr/>
-          <p:nvPr/>
-        </p:nvSpPr>
-        <p:spPr>
-          <a:xfrm rot="5400000">
-            <a:off x="945150" y="3599000"/>
-            <a:ext cx="591300" cy="2511000"/>
-          </a:xfrm>
-          <a:prstGeom prst="rect">
-            <a:avLst/>
-          </a:prstGeom>
-          <a:solidFill>
-            <a:schemeClr val="lt2"/>
-          </a:solidFill>
-          <a:ln>
-            <a:noFill/>
-          </a:ln>
-          <a:effectLst>
-            <a:outerShdw blurRad="157163" dist="95250" dir="3000000" algn="bl" rotWithShape="0">
-              <a:schemeClr val="dk1">
-                <a:alpha val="58999"/>
-              </a:schemeClr>
-            </a:outerShdw>
-          </a:effectLst>
-        </p:spPr>
-        <p:txBody>
-          <a:bodyPr spcFirstLastPara="1" wrap="square" lIns="91425" tIns="91425" rIns="91425" bIns="91425" anchor="ctr" anchorCtr="0">
-            <a:noAutofit/>
-          </a:bodyPr>
-          <a:lstStyle/>
-          <a:p>
-            <a:pPr marL="0" marR="0" lvl="0" indent="0" algn="l" rtl="0">
-              <a:lnSpc>
-                <a:spcPct val="100000"/>
-              </a:lnSpc>
-              <a:spcBef>
-                <a:spcPts val="0"/>
-              </a:spcBef>
-              <a:spcAft>
-                <a:spcPts val="0"/>
-              </a:spcAft>
-              <a:buNone/>
-            </a:pPr>
-            <a:endParaRPr/>
-          </a:p>
-        </p:txBody>
-      </p:sp>
-      <p:sp>
-        <p:nvSpPr>
-          <p:cNvPr id="26" name="Google Shape;1036;p65">
-            <a:extLst>
-              <a:ext uri="{FF2B5EF4-FFF2-40B4-BE49-F238E27FC236}">
-                <a16:creationId xmlns:a16="http://schemas.microsoft.com/office/drawing/2014/main" id="{B0E37A69-43E2-4855-A8F7-B1E3FAB9886A}"/>
-              </a:ext>
-            </a:extLst>
-          </p:cNvPr>
-          <p:cNvSpPr/>
-          <p:nvPr/>
-        </p:nvSpPr>
-        <p:spPr>
-          <a:xfrm>
-            <a:off x="71894" y="3913005"/>
-            <a:ext cx="453300" cy="453300"/>
-          </a:xfrm>
-          <a:prstGeom prst="ellipse">
-            <a:avLst/>
-          </a:prstGeom>
-          <a:solidFill>
-            <a:schemeClr val="accent1"/>
-          </a:solidFill>
-          <a:ln>
-            <a:noFill/>
-          </a:ln>
-          <a:effectLst>
-            <a:outerShdw blurRad="157163" dist="95250" dir="3000000" algn="bl" rotWithShape="0">
-              <a:schemeClr val="dk1">
-                <a:alpha val="58999"/>
-              </a:schemeClr>
-            </a:outerShdw>
-          </a:effectLst>
-        </p:spPr>
-        <p:txBody>
-          <a:bodyPr spcFirstLastPara="1" wrap="square" lIns="91425" tIns="91425" rIns="91425" bIns="91425" anchor="ctr" anchorCtr="0">
-            <a:noAutofit/>
-          </a:bodyPr>
-          <a:lstStyle/>
-          <a:p>
-            <a:pPr marL="0" marR="0" lvl="0" indent="0" algn="l" rtl="0">
-              <a:lnSpc>
-                <a:spcPct val="100000"/>
-              </a:lnSpc>
-              <a:spcBef>
-                <a:spcPts val="0"/>
-              </a:spcBef>
-              <a:spcAft>
-                <a:spcPts val="0"/>
-              </a:spcAft>
-              <a:buNone/>
-            </a:pPr>
-            <a:endParaRPr/>
-          </a:p>
-        </p:txBody>
-      </p:sp>
-      <p:sp>
-        <p:nvSpPr>
-          <p:cNvPr id="12" name="ZoneTexte 11">
-            <a:extLst>
-              <a:ext uri="{FF2B5EF4-FFF2-40B4-BE49-F238E27FC236}">
-                <a16:creationId xmlns:a16="http://schemas.microsoft.com/office/drawing/2014/main" id="{5AC714F6-9C54-484F-8333-AC2B4680F8B9}"/>
-              </a:ext>
-            </a:extLst>
-          </p:cNvPr>
-          <p:cNvSpPr txBox="1"/>
-          <p:nvPr/>
-        </p:nvSpPr>
-        <p:spPr>
-          <a:xfrm>
-            <a:off x="165213" y="4741606"/>
-            <a:ext cx="358355" cy="317091"/>
-          </a:xfrm>
-          <a:prstGeom prst="rect">
-            <a:avLst/>
-          </a:prstGeom>
-          <a:solidFill>
-            <a:schemeClr val="accent2"/>
-          </a:solidFill>
-        </p:spPr>
-        <p:txBody>
-          <a:bodyPr wrap="square" rtlCol="0">
-            <a:spAutoFit/>
-          </a:bodyPr>
-          <a:lstStyle/>
-          <a:p>
-            <a:r>
-              <a:rPr lang="fr-CA" dirty="0"/>
-              <a:t>8</a:t>
-            </a:r>
-          </a:p>
-        </p:txBody>
-      </p:sp>
-      <p:pic>
-        <p:nvPicPr>
-          <p:cNvPr id="3" name="Picture 2">
-            <a:extLst>
-              <a:ext uri="{FF2B5EF4-FFF2-40B4-BE49-F238E27FC236}">
-                <a16:creationId xmlns:a16="http://schemas.microsoft.com/office/drawing/2014/main" id="{CEECAE87-0FCE-4E66-99B6-4CD9B284A1C2}"/>
-              </a:ext>
-            </a:extLst>
-          </p:cNvPr>
-          <p:cNvPicPr>
-            <a:picLocks noChangeAspect="1"/>
-          </p:cNvPicPr>
-          <p:nvPr/>
-        </p:nvPicPr>
-        <p:blipFill>
-          <a:blip r:embed="rId3"/>
-          <a:stretch>
-            <a:fillRect/>
-          </a:stretch>
-        </p:blipFill>
-        <p:spPr>
-          <a:xfrm>
-            <a:off x="6169030" y="1479017"/>
-            <a:ext cx="2070294" cy="2106848"/>
-          </a:xfrm>
-          <a:prstGeom prst="rect">
-            <a:avLst/>
-          </a:prstGeom>
-        </p:spPr>
-      </p:pic>
-      <p:pic>
-        <p:nvPicPr>
-          <p:cNvPr id="5" name="Picture 4">
-            <a:extLst>
-              <a:ext uri="{FF2B5EF4-FFF2-40B4-BE49-F238E27FC236}">
-                <a16:creationId xmlns:a16="http://schemas.microsoft.com/office/drawing/2014/main" id="{AB8E7943-5F5B-4AF4-9906-70FFD53857C0}"/>
-              </a:ext>
-            </a:extLst>
-          </p:cNvPr>
-          <p:cNvPicPr>
-            <a:picLocks noChangeAspect="1"/>
-          </p:cNvPicPr>
-          <p:nvPr/>
-        </p:nvPicPr>
-        <p:blipFill>
-          <a:blip r:embed="rId3"/>
-          <a:stretch>
-            <a:fillRect/>
-          </a:stretch>
-        </p:blipFill>
-        <p:spPr>
-          <a:xfrm>
-            <a:off x="1108000" y="1518324"/>
-            <a:ext cx="2070295" cy="2106849"/>
-          </a:xfrm>
-          <a:prstGeom prst="rect">
-            <a:avLst/>
-          </a:prstGeom>
-        </p:spPr>
-      </p:pic>
-    </p:spTree>
   </p:cSld>
   <p:clrMapOvr>
     <a:masterClrMapping/>
